--- a/Session5/Session5_Slides.pptx
+++ b/Session5/Session5_Slides.pptx
@@ -40,6 +40,20 @@
     <p:sldId id="285" r:id="rId37"/>
     <p:sldId id="286" r:id="rId38"/>
     <p:sldId id="287" r:id="rId39"/>
+    <p:sldId id="288" r:id="rId40"/>
+    <p:sldId id="289" r:id="rId41"/>
+    <p:sldId id="290" r:id="rId42"/>
+    <p:sldId id="291" r:id="rId43"/>
+    <p:sldId id="292" r:id="rId44"/>
+    <p:sldId id="293" r:id="rId45"/>
+    <p:sldId id="294" r:id="rId46"/>
+    <p:sldId id="295" r:id="rId47"/>
+    <p:sldId id="296" r:id="rId48"/>
+    <p:sldId id="297" r:id="rId49"/>
+    <p:sldId id="298" r:id="rId50"/>
+    <p:sldId id="299" r:id="rId51"/>
+    <p:sldId id="300" r:id="rId52"/>
+    <p:sldId id="301" r:id="rId53"/>
   </p:sldIdLst>
   <p:sldSz cx="13004800" cy="9753600"/>
   <p:notesSz cx="6858000" cy="9144000"/>
@@ -6566,7 +6580,7 @@
         <p:spPr>
           <a:xfrm>
             <a:off x="406400" y="3809966"/>
-            <a:ext cx="12192001" cy="3759466"/>
+            <a:ext cx="12192000" cy="3759466"/>
           </a:xfrm>
           <a:prstGeom prst="rect">
             <a:avLst/>
@@ -6730,8 +6744,8 @@
         </p:nvSpPr>
         <p:spPr>
           <a:xfrm>
-            <a:off x="5892799" y="6426199"/>
-            <a:ext cx="6911381" cy="2705101"/>
+            <a:off x="5892800" y="6426200"/>
+            <a:ext cx="6911380" cy="2705100"/>
           </a:xfrm>
           <a:prstGeom prst="rect">
             <a:avLst/>
@@ -6965,7 +6979,7 @@
         <p:spPr>
           <a:xfrm>
             <a:off x="2937970" y="4024540"/>
-            <a:ext cx="11091260" cy="3602707"/>
+            <a:ext cx="11091259" cy="3602707"/>
           </a:xfrm>
           <a:prstGeom prst="rect">
             <a:avLst/>
@@ -7064,33 +7078,81 @@
       </p:grpSpPr>
       <p:pic>
         <p:nvPicPr>
-          <p:cNvPr id="238" name="pasted-image.png"/>
+          <p:cNvPr id="238" name="pasted-image.jpeg"/>
           <p:cNvPicPr>
             <a:picLocks noChangeAspect="1"/>
           </p:cNvPicPr>
-          <p:nvPr/>
+          <p:nvPr>
+            <p:ph type="pic" idx="13"/>
+          </p:nvPr>
         </p:nvPicPr>
         <p:blipFill>
           <a:blip r:embed="rId2">
             <a:extLst/>
           </a:blip>
+          <a:srcRect l="21875" t="0" r="21875" b="0"/>
           <a:stretch>
             <a:fillRect/>
           </a:stretch>
         </p:blipFill>
         <p:spPr>
-          <a:xfrm>
-            <a:off x="2004483" y="287082"/>
-            <a:ext cx="8157314" cy="9179436"/>
-          </a:xfrm>
-          <a:prstGeom prst="rect">
-            <a:avLst/>
-          </a:prstGeom>
-          <a:ln w="12700">
-            <a:miter lim="400000"/>
-          </a:ln>
+          <a:prstGeom prst="rect">
+            <a:avLst/>
+          </a:prstGeom>
         </p:spPr>
       </p:pic>
+      <p:sp>
+        <p:nvSpPr>
+          <p:cNvPr id="239" name="Shape 239"/>
+          <p:cNvSpPr/>
+          <p:nvPr>
+            <p:ph type="title"/>
+          </p:nvPr>
+        </p:nvSpPr>
+        <p:spPr>
+          <a:prstGeom prst="rect">
+            <a:avLst/>
+          </a:prstGeom>
+        </p:spPr>
+        <p:txBody>
+          <a:bodyPr/>
+          <a:lstStyle>
+            <a:lvl1pPr defTabSz="403097">
+              <a:defRPr sz="11730"/>
+            </a:lvl1pPr>
+          </a:lstStyle>
+          <a:p>
+            <a:pPr/>
+            <a:r>
+              <a:t>Interpreting</a:t>
+            </a:r>
+          </a:p>
+        </p:txBody>
+      </p:sp>
+      <p:sp>
+        <p:nvSpPr>
+          <p:cNvPr id="240" name="Shape 240"/>
+          <p:cNvSpPr/>
+          <p:nvPr>
+            <p:ph type="body" sz="quarter" idx="1"/>
+          </p:nvPr>
+        </p:nvSpPr>
+        <p:spPr>
+          <a:prstGeom prst="rect">
+            <a:avLst/>
+          </a:prstGeom>
+        </p:spPr>
+        <p:txBody>
+          <a:bodyPr/>
+          <a:lstStyle/>
+          <a:p>
+            <a:pPr/>
+            <a:r>
+              <a:t>Decision tree </a:t>
+            </a:r>
+          </a:p>
+        </p:txBody>
+      </p:sp>
     </p:spTree>
   </p:cSld>
   <p:clrMapOvr>
@@ -7119,7 +7181,7 @@
       </p:grpSpPr>
       <p:pic>
         <p:nvPicPr>
-          <p:cNvPr id="240" name="pasted-image.jpeg"/>
+          <p:cNvPr id="242" name="pasted-image.png"/>
           <p:cNvPicPr>
             <a:picLocks noChangeAspect="1"/>
           </p:cNvPicPr>
@@ -7135,8 +7197,8 @@
         </p:blipFill>
         <p:spPr>
           <a:xfrm>
-            <a:off x="389466" y="2461683"/>
-            <a:ext cx="12225868" cy="4524770"/>
+            <a:off x="2004483" y="287082"/>
+            <a:ext cx="8157314" cy="9179436"/>
           </a:xfrm>
           <a:prstGeom prst="rect">
             <a:avLst/>
@@ -7172,79 +7234,79 @@
           <a:chExt cx="0" cy="0"/>
         </a:xfrm>
       </p:grpSpPr>
-      <p:sp>
-        <p:nvSpPr>
-          <p:cNvPr id="242" name="Shape 242"/>
-          <p:cNvSpPr/>
-          <p:nvPr>
-            <p:ph type="ctrTitle"/>
-          </p:nvPr>
-        </p:nvSpPr>
-        <p:spPr>
-          <a:prstGeom prst="rect">
-            <a:avLst/>
-          </a:prstGeom>
-        </p:spPr>
-        <p:txBody>
-          <a:bodyPr/>
-          <a:lstStyle/>
-          <a:p>
-            <a:pPr defTabSz="455675">
-              <a:defRPr sz="13259"/>
-            </a:pPr>
-          </a:p>
-        </p:txBody>
-      </p:sp>
-      <p:sp>
-        <p:nvSpPr>
-          <p:cNvPr id="243" name="Shape 243"/>
-          <p:cNvSpPr/>
-          <p:nvPr>
-            <p:ph type="subTitle" sz="quarter" idx="1"/>
-          </p:nvPr>
-        </p:nvSpPr>
-        <p:spPr>
-          <a:prstGeom prst="rect">
-            <a:avLst/>
-          </a:prstGeom>
-        </p:spPr>
-        <p:txBody>
-          <a:bodyPr/>
-          <a:lstStyle/>
-          <a:p>
-            <a:pPr/>
-          </a:p>
-        </p:txBody>
-      </p:sp>
       <p:pic>
         <p:nvPicPr>
-          <p:cNvPr id="244" name="tree.png"/>
+          <p:cNvPr id="244" name="pasted-image.jpeg"/>
           <p:cNvPicPr>
             <a:picLocks noChangeAspect="1"/>
           </p:cNvPicPr>
-          <p:nvPr/>
+          <p:nvPr>
+            <p:ph type="pic" idx="13"/>
+          </p:nvPr>
         </p:nvPicPr>
         <p:blipFill>
           <a:blip r:embed="rId2">
             <a:extLst/>
           </a:blip>
+          <a:srcRect l="21875" t="0" r="21875" b="0"/>
           <a:stretch>
             <a:fillRect/>
           </a:stretch>
         </p:blipFill>
         <p:spPr>
-          <a:xfrm>
-            <a:off x="406399" y="72325"/>
-            <a:ext cx="12192002" cy="9608950"/>
-          </a:xfrm>
-          <a:prstGeom prst="rect">
-            <a:avLst/>
-          </a:prstGeom>
-          <a:ln w="12700">
-            <a:miter lim="400000"/>
-          </a:ln>
+          <a:prstGeom prst="rect">
+            <a:avLst/>
+          </a:prstGeom>
         </p:spPr>
       </p:pic>
+      <p:sp>
+        <p:nvSpPr>
+          <p:cNvPr id="245" name="Shape 245"/>
+          <p:cNvSpPr/>
+          <p:nvPr>
+            <p:ph type="title"/>
+          </p:nvPr>
+        </p:nvSpPr>
+        <p:spPr>
+          <a:prstGeom prst="rect">
+            <a:avLst/>
+          </a:prstGeom>
+        </p:spPr>
+        <p:txBody>
+          <a:bodyPr/>
+          <a:lstStyle/>
+          <a:p>
+            <a:pPr/>
+            <a:r>
+              <a:t>Building</a:t>
+            </a:r>
+          </a:p>
+        </p:txBody>
+      </p:sp>
+      <p:sp>
+        <p:nvSpPr>
+          <p:cNvPr id="246" name="Shape 246"/>
+          <p:cNvSpPr/>
+          <p:nvPr>
+            <p:ph type="body" sz="quarter" idx="1"/>
+          </p:nvPr>
+        </p:nvSpPr>
+        <p:spPr>
+          <a:prstGeom prst="rect">
+            <a:avLst/>
+          </a:prstGeom>
+        </p:spPr>
+        <p:txBody>
+          <a:bodyPr/>
+          <a:lstStyle/>
+          <a:p>
+            <a:pPr/>
+            <a:r>
+              <a:t>Decision tree </a:t>
+            </a:r>
+          </a:p>
+        </p:txBody>
+      </p:sp>
     </p:spTree>
   </p:cSld>
   <p:clrMapOvr>
@@ -7331,78 +7393,33 @@
       </p:grpSpPr>
       <p:pic>
         <p:nvPicPr>
-          <p:cNvPr id="246" name="pasted-image.jpeg"/>
+          <p:cNvPr id="248" name="pasted-image.jpeg"/>
           <p:cNvPicPr>
             <a:picLocks noChangeAspect="1"/>
           </p:cNvPicPr>
-          <p:nvPr>
-            <p:ph type="pic" idx="13"/>
-          </p:nvPr>
+          <p:nvPr/>
         </p:nvPicPr>
         <p:blipFill>
           <a:blip r:embed="rId2">
             <a:extLst/>
           </a:blip>
-          <a:srcRect l="6825" t="0" r="6825" b="0"/>
           <a:stretch>
             <a:fillRect/>
           </a:stretch>
         </p:blipFill>
         <p:spPr>
-          <a:prstGeom prst="rect">
-            <a:avLst/>
-          </a:prstGeom>
+          <a:xfrm>
+            <a:off x="389466" y="2461683"/>
+            <a:ext cx="12225868" cy="4524770"/>
+          </a:xfrm>
+          <a:prstGeom prst="rect">
+            <a:avLst/>
+          </a:prstGeom>
+          <a:ln w="12700">
+            <a:miter lim="400000"/>
+          </a:ln>
         </p:spPr>
       </p:pic>
-      <p:sp>
-        <p:nvSpPr>
-          <p:cNvPr id="247" name="Shape 247"/>
-          <p:cNvSpPr/>
-          <p:nvPr>
-            <p:ph type="title"/>
-          </p:nvPr>
-        </p:nvSpPr>
-        <p:spPr>
-          <a:prstGeom prst="rect">
-            <a:avLst/>
-          </a:prstGeom>
-        </p:spPr>
-        <p:txBody>
-          <a:bodyPr/>
-          <a:lstStyle>
-            <a:lvl1pPr defTabSz="350520">
-              <a:defRPr sz="10200"/>
-            </a:lvl1pPr>
-          </a:lstStyle>
-          <a:p>
-            <a:pPr/>
-            <a:r>
-              <a:t>Claude Shannon</a:t>
-            </a:r>
-          </a:p>
-        </p:txBody>
-      </p:sp>
-      <p:sp>
-        <p:nvSpPr>
-          <p:cNvPr id="248" name="Shape 248"/>
-          <p:cNvSpPr/>
-          <p:nvPr>
-            <p:ph type="body" sz="quarter" idx="1"/>
-          </p:nvPr>
-        </p:nvSpPr>
-        <p:spPr>
-          <a:prstGeom prst="rect">
-            <a:avLst/>
-          </a:prstGeom>
-        </p:spPr>
-        <p:txBody>
-          <a:bodyPr/>
-          <a:lstStyle/>
-          <a:p>
-            <a:pPr/>
-          </a:p>
-        </p:txBody>
-      </p:sp>
     </p:spTree>
   </p:cSld>
   <p:clrMapOvr>
@@ -7434,33 +7451,21 @@
           <p:cNvPr id="250" name="Shape 250"/>
           <p:cNvSpPr/>
           <p:nvPr>
-            <p:ph type="title"/>
+            <p:ph type="ctrTitle"/>
           </p:nvPr>
         </p:nvSpPr>
         <p:spPr>
-          <a:xfrm>
-            <a:off x="406400" y="1536700"/>
-            <a:ext cx="12192000" cy="1169261"/>
-          </a:xfrm>
           <a:prstGeom prst="rect">
             <a:avLst/>
           </a:prstGeom>
         </p:spPr>
         <p:txBody>
           <a:bodyPr/>
-          <a:lstStyle>
-            <a:lvl1pPr defTabSz="403097">
-              <a:spcBef>
-                <a:spcPts val="1900"/>
-              </a:spcBef>
-              <a:defRPr sz="8200"/>
-            </a:lvl1pPr>
-          </a:lstStyle>
-          <a:p>
-            <a:pPr/>
-            <a:r>
-              <a:t>Shannon Entropy</a:t>
-            </a:r>
+          <a:lstStyle/>
+          <a:p>
+            <a:pPr defTabSz="455675">
+              <a:defRPr sz="13259"/>
+            </a:pPr>
           </a:p>
         </p:txBody>
       </p:sp>
@@ -7469,79 +7474,32 @@
           <p:cNvPr id="251" name="Shape 251"/>
           <p:cNvSpPr/>
           <p:nvPr>
-            <p:ph type="body" idx="1"/>
+            <p:ph type="subTitle" sz="quarter" idx="1"/>
           </p:nvPr>
         </p:nvSpPr>
         <p:spPr>
-          <a:xfrm>
-            <a:off x="406399" y="5607203"/>
-            <a:ext cx="12192001" cy="4732604"/>
-          </a:xfrm>
           <a:prstGeom prst="rect">
             <a:avLst/>
           </a:prstGeom>
         </p:spPr>
         <p:txBody>
-          <a:bodyPr anchor="t"/>
+          <a:bodyPr/>
           <a:lstStyle/>
           <a:p>
-            <a:pPr marL="550656" indent="-550656" defTabSz="455674">
-              <a:lnSpc>
-                <a:spcPct val="100000"/>
-              </a:lnSpc>
-              <a:spcBef>
-                <a:spcPts val="2100"/>
-              </a:spcBef>
-              <a:buSzPct val="40000"/>
-              <a:buBlip>
-                <a:blip r:embed="rId2"/>
-              </a:buBlip>
-              <a:defRPr cap="none" spc="0" sz="4900">
-                <a:latin typeface="Avenir Next Medium"/>
-                <a:ea typeface="Avenir Next Medium"/>
-                <a:cs typeface="Avenir Next Medium"/>
-                <a:sym typeface="Avenir Next Medium"/>
-              </a:defRPr>
-            </a:pPr>
-            <a:r>
-              <a:t>Measure of how many possible states a a system can be in</a:t>
-            </a:r>
-          </a:p>
-          <a:p>
-            <a:pPr marL="550656" indent="-550656" defTabSz="455674">
-              <a:lnSpc>
-                <a:spcPct val="100000"/>
-              </a:lnSpc>
-              <a:spcBef>
-                <a:spcPts val="2100"/>
-              </a:spcBef>
-              <a:buSzPct val="40000"/>
-              <a:buBlip>
-                <a:blip r:embed="rId2"/>
-              </a:buBlip>
-              <a:defRPr cap="none" spc="0" sz="4900">
-                <a:latin typeface="Avenir Next Medium"/>
-                <a:ea typeface="Avenir Next Medium"/>
-                <a:cs typeface="Avenir Next Medium"/>
-                <a:sym typeface="Avenir Next Medium"/>
-              </a:defRPr>
-            </a:pPr>
-            <a:r>
-              <a:t>Features that reduce entropy are good to split on in decision trees</a:t>
-            </a:r>
+            <a:pPr/>
           </a:p>
         </p:txBody>
       </p:sp>
       <p:pic>
         <p:nvPicPr>
-          <p:cNvPr id="252" name="pasted-image.png"/>
+          <p:cNvPr id="252" name="tree.png"/>
           <p:cNvPicPr>
             <a:picLocks noChangeAspect="1"/>
           </p:cNvPicPr>
           <p:nvPr/>
         </p:nvPicPr>
         <p:blipFill>
-          <a:blip r:embed="rId3">
+          <a:blip r:embed="rId2">
             <a:extLst/>
           </a:blip>
           <a:stretch>
@@ -7550,8 +7508,8 @@
         </p:blipFill>
         <p:spPr>
           <a:xfrm>
-            <a:off x="518781" y="2969719"/>
-            <a:ext cx="5884445" cy="2373726"/>
+            <a:off x="406399" y="72325"/>
+            <a:ext cx="12192002" cy="9608950"/>
           </a:xfrm>
           <a:prstGeom prst="rect">
             <a:avLst/>
@@ -7571,7 +7529,107 @@
 </file>
 
 <file path=ppt/slides/slide22.xml><?xml version="1.0" encoding="utf-8"?>
-<p:sld xmlns:a="http://schemas.openxmlformats.org/drawingml/2006/main" xmlns:r="http://schemas.openxmlformats.org/officeDocument/2006/relationships" xmlns:p="http://schemas.openxmlformats.org/presentationml/2006/main" showMasterSp="1" showMasterPhAnim="1">
+<p:sld xmlns:a="http://schemas.openxmlformats.org/drawingml/2006/main" xmlns:r="http://schemas.openxmlformats.org/officeDocument/2006/relationships" xmlns:p="http://schemas.openxmlformats.org/presentationml/2006/main" show="0" showMasterSp="1" showMasterPhAnim="1">
+  <p:cSld>
+    <p:spTree>
+      <p:nvGrpSpPr>
+        <p:cNvPr id="1" name=""/>
+        <p:cNvGrpSpPr/>
+        <p:nvPr/>
+      </p:nvGrpSpPr>
+      <p:grpSpPr>
+        <a:xfrm>
+          <a:off x="0" y="0"/>
+          <a:ext cx="0" cy="0"/>
+          <a:chOff x="0" y="0"/>
+          <a:chExt cx="0" cy="0"/>
+        </a:xfrm>
+      </p:grpSpPr>
+      <p:pic>
+        <p:nvPicPr>
+          <p:cNvPr id="254" name="pasted-image.jpeg"/>
+          <p:cNvPicPr>
+            <a:picLocks noChangeAspect="1"/>
+          </p:cNvPicPr>
+          <p:nvPr>
+            <p:ph type="pic" idx="13"/>
+          </p:nvPr>
+        </p:nvPicPr>
+        <p:blipFill>
+          <a:blip r:embed="rId2">
+            <a:extLst/>
+          </a:blip>
+          <a:srcRect l="6825" t="0" r="6825" b="0"/>
+          <a:stretch>
+            <a:fillRect/>
+          </a:stretch>
+        </p:blipFill>
+        <p:spPr>
+          <a:prstGeom prst="rect">
+            <a:avLst/>
+          </a:prstGeom>
+        </p:spPr>
+      </p:pic>
+      <p:sp>
+        <p:nvSpPr>
+          <p:cNvPr id="255" name="Shape 255"/>
+          <p:cNvSpPr/>
+          <p:nvPr>
+            <p:ph type="title"/>
+          </p:nvPr>
+        </p:nvSpPr>
+        <p:spPr>
+          <a:prstGeom prst="rect">
+            <a:avLst/>
+          </a:prstGeom>
+        </p:spPr>
+        <p:txBody>
+          <a:bodyPr/>
+          <a:lstStyle>
+            <a:lvl1pPr defTabSz="350520">
+              <a:defRPr sz="10200"/>
+            </a:lvl1pPr>
+          </a:lstStyle>
+          <a:p>
+            <a:pPr/>
+            <a:r>
+              <a:t>Claude Shannon</a:t>
+            </a:r>
+          </a:p>
+        </p:txBody>
+      </p:sp>
+      <p:sp>
+        <p:nvSpPr>
+          <p:cNvPr id="256" name="Shape 256"/>
+          <p:cNvSpPr/>
+          <p:nvPr>
+            <p:ph type="body" sz="quarter" idx="1"/>
+          </p:nvPr>
+        </p:nvSpPr>
+        <p:spPr>
+          <a:prstGeom prst="rect">
+            <a:avLst/>
+          </a:prstGeom>
+        </p:spPr>
+        <p:txBody>
+          <a:bodyPr/>
+          <a:lstStyle/>
+          <a:p>
+            <a:pPr/>
+          </a:p>
+        </p:txBody>
+      </p:sp>
+    </p:spTree>
+  </p:cSld>
+  <p:clrMapOvr>
+    <a:masterClrMapping/>
+  </p:clrMapOvr>
+  <p:transition xmlns:p14="http://schemas.microsoft.com/office/powerpoint/2010/main" spd="med" advClick="1"/>
+</p:sld>
+</file>
+
+<file path=ppt/slides/slide23.xml><?xml version="1.0" encoding="utf-8"?>
+<p:sld xmlns:a="http://schemas.openxmlformats.org/drawingml/2006/main" xmlns:r="http://schemas.openxmlformats.org/officeDocument/2006/relationships" xmlns:p="http://schemas.openxmlformats.org/presentationml/2006/main" show="0" showMasterSp="1" showMasterPhAnim="1">
   <p:cSld>
     <p:spTree>
       <p:nvGrpSpPr>
@@ -7589,7 +7647,7 @@
       </p:grpSpPr>
       <p:sp>
         <p:nvSpPr>
-          <p:cNvPr id="254" name="Shape 254"/>
+          <p:cNvPr id="258" name="Shape 258"/>
           <p:cNvSpPr/>
           <p:nvPr>
             <p:ph type="title"/>
@@ -7617,14 +7675,14 @@
           <a:p>
             <a:pPr/>
             <a:r>
-              <a:t>Pros of Decision Trees</a:t>
+              <a:t>Shannon Entropy</a:t>
             </a:r>
           </a:p>
         </p:txBody>
       </p:sp>
       <p:sp>
         <p:nvSpPr>
-          <p:cNvPr id="255" name="Shape 255"/>
+          <p:cNvPr id="259" name="Shape 259"/>
           <p:cNvSpPr/>
           <p:nvPr>
             <p:ph type="body" idx="1"/>
@@ -7632,8 +7690,8 @@
         </p:nvSpPr>
         <p:spPr>
           <a:xfrm>
-            <a:off x="406400" y="4538100"/>
-            <a:ext cx="12192000" cy="4732603"/>
+            <a:off x="406400" y="5607203"/>
+            <a:ext cx="12192000" cy="4732604"/>
           </a:xfrm>
           <a:prstGeom prst="rect">
             <a:avLst/>
@@ -7662,7 +7720,7 @@
               </a:defRPr>
             </a:pPr>
             <a:r>
-              <a:t>Transparent, interpretable by humans</a:t>
+              <a:t>Measure of how many possible states a a system can be in</a:t>
             </a:r>
           </a:p>
           <a:p>
@@ -7685,163 +7743,40 @@
               </a:defRPr>
             </a:pPr>
             <a:r>
-              <a:t>Inputs can be categorical or numeric</a:t>
-            </a:r>
-          </a:p>
-          <a:p>
-            <a:pPr marL="550656" indent="-550656" defTabSz="455674">
-              <a:lnSpc>
-                <a:spcPct val="100000"/>
-              </a:lnSpc>
-              <a:spcBef>
-                <a:spcPts val="2100"/>
-              </a:spcBef>
-              <a:buSzPct val="40000"/>
-              <a:buBlip>
-                <a:blip r:embed="rId2"/>
-              </a:buBlip>
-              <a:defRPr cap="none" spc="0" sz="4900">
-                <a:latin typeface="Avenir Next Medium"/>
-                <a:ea typeface="Avenir Next Medium"/>
-                <a:cs typeface="Avenir Next Medium"/>
-                <a:sym typeface="Avenir Next Medium"/>
-              </a:defRPr>
-            </a:pPr>
-            <a:r>
-              <a:t>Can do regression or classification</a:t>
+              <a:t>Features that reduce entropy are good to split on in decision trees</a:t>
             </a:r>
           </a:p>
         </p:txBody>
       </p:sp>
-    </p:spTree>
-  </p:cSld>
-  <p:clrMapOvr>
-    <a:masterClrMapping/>
-  </p:clrMapOvr>
-  <p:transition xmlns:p14="http://schemas.microsoft.com/office/powerpoint/2010/main" spd="med" advClick="1"/>
-</p:sld>
-</file>
-
-<file path=ppt/slides/slide23.xml><?xml version="1.0" encoding="utf-8"?>
-<p:sld xmlns:a="http://schemas.openxmlformats.org/drawingml/2006/main" xmlns:r="http://schemas.openxmlformats.org/officeDocument/2006/relationships" xmlns:p="http://schemas.openxmlformats.org/presentationml/2006/main" showMasterSp="1" showMasterPhAnim="1">
-  <p:cSld>
-    <p:spTree>
-      <p:nvGrpSpPr>
-        <p:cNvPr id="1" name=""/>
-        <p:cNvGrpSpPr/>
-        <p:nvPr/>
-      </p:nvGrpSpPr>
-      <p:grpSpPr>
-        <a:xfrm>
-          <a:off x="0" y="0"/>
-          <a:ext cx="0" cy="0"/>
-          <a:chOff x="0" y="0"/>
-          <a:chExt cx="0" cy="0"/>
-        </a:xfrm>
-      </p:grpSpPr>
-      <p:sp>
-        <p:nvSpPr>
-          <p:cNvPr id="257" name="Shape 257"/>
-          <p:cNvSpPr/>
-          <p:nvPr>
-            <p:ph type="title"/>
-          </p:nvPr>
-        </p:nvSpPr>
-        <p:spPr>
-          <a:xfrm>
-            <a:off x="406400" y="1536700"/>
-            <a:ext cx="12192000" cy="1169261"/>
-          </a:xfrm>
-          <a:prstGeom prst="rect">
-            <a:avLst/>
-          </a:prstGeom>
-        </p:spPr>
-        <p:txBody>
-          <a:bodyPr/>
-          <a:lstStyle>
-            <a:lvl1pPr defTabSz="403097">
-              <a:spcBef>
-                <a:spcPts val="1900"/>
-              </a:spcBef>
-              <a:defRPr sz="8200"/>
-            </a:lvl1pPr>
-          </a:lstStyle>
-          <a:p>
-            <a:pPr/>
-            <a:r>
-              <a:t>Cons of Decision Trees</a:t>
-            </a:r>
-          </a:p>
-        </p:txBody>
-      </p:sp>
-      <p:sp>
-        <p:nvSpPr>
-          <p:cNvPr id="258" name="Shape 258"/>
-          <p:cNvSpPr/>
-          <p:nvPr>
-            <p:ph type="body" sz="half" idx="1"/>
-          </p:nvPr>
-        </p:nvSpPr>
-        <p:spPr>
-          <a:xfrm>
-            <a:off x="406400" y="4538100"/>
-            <a:ext cx="12192000" cy="3759466"/>
-          </a:xfrm>
-          <a:prstGeom prst="rect">
-            <a:avLst/>
-          </a:prstGeom>
-        </p:spPr>
-        <p:txBody>
-          <a:bodyPr anchor="t"/>
-          <a:lstStyle/>
-          <a:p>
-            <a:pPr marL="550656" indent="-550656" defTabSz="455674">
-              <a:lnSpc>
-                <a:spcPct val="100000"/>
-              </a:lnSpc>
-              <a:spcBef>
-                <a:spcPts val="2100"/>
-              </a:spcBef>
-              <a:buSzPct val="40000"/>
-              <a:buBlip>
-                <a:blip r:embed="rId2"/>
-              </a:buBlip>
-              <a:defRPr cap="none" spc="0" sz="4900">
-                <a:latin typeface="Avenir Next Medium"/>
-                <a:ea typeface="Avenir Next Medium"/>
-                <a:cs typeface="Avenir Next Medium"/>
-                <a:sym typeface="Avenir Next Medium"/>
-              </a:defRPr>
-            </a:pPr>
-            <a:r>
-              <a:t>High variance. Unstable even with small changes in training set.</a:t>
-            </a:r>
-          </a:p>
-          <a:p>
-            <a:pPr marL="550656" indent="-550656" defTabSz="455674">
-              <a:lnSpc>
-                <a:spcPct val="100000"/>
-              </a:lnSpc>
-              <a:spcBef>
-                <a:spcPts val="2100"/>
-              </a:spcBef>
-              <a:buSzPct val="40000"/>
-              <a:buBlip>
-                <a:blip r:embed="rId2"/>
-              </a:buBlip>
-              <a:defRPr cap="none" spc="0" sz="4900">
-                <a:latin typeface="Avenir Next Medium"/>
-                <a:ea typeface="Avenir Next Medium"/>
-                <a:cs typeface="Avenir Next Medium"/>
-                <a:sym typeface="Avenir Next Medium"/>
-              </a:defRPr>
-            </a:pPr>
-            <a:r>
-              <a:t>Each order is called a “statement”</a:t>
-            </a:r>
-          </a:p>
-        </p:txBody>
-      </p:sp>
+      <p:pic>
+        <p:nvPicPr>
+          <p:cNvPr id="260" name="pasted-image.png"/>
+          <p:cNvPicPr>
+            <a:picLocks noChangeAspect="1"/>
+          </p:cNvPicPr>
+          <p:nvPr/>
+        </p:nvPicPr>
+        <p:blipFill>
+          <a:blip r:embed="rId3">
+            <a:extLst/>
+          </a:blip>
+          <a:stretch>
+            <a:fillRect/>
+          </a:stretch>
+        </p:blipFill>
+        <p:spPr>
+          <a:xfrm>
+            <a:off x="518781" y="2969719"/>
+            <a:ext cx="5884445" cy="2373726"/>
+          </a:xfrm>
+          <a:prstGeom prst="rect">
+            <a:avLst/>
+          </a:prstGeom>
+          <a:ln w="12700">
+            <a:miter lim="400000"/>
+          </a:ln>
+        </p:spPr>
+      </p:pic>
     </p:spTree>
   </p:cSld>
   <p:clrMapOvr>
@@ -7870,7 +7805,7 @@
       </p:grpSpPr>
       <p:sp>
         <p:nvSpPr>
-          <p:cNvPr id="260" name="Shape 260"/>
+          <p:cNvPr id="262" name="Shape 262"/>
           <p:cNvSpPr/>
           <p:nvPr>
             <p:ph type="title"/>
@@ -7878,8 +7813,8 @@
         </p:nvSpPr>
         <p:spPr>
           <a:xfrm>
-            <a:off x="905970" y="4058406"/>
-            <a:ext cx="11501959" cy="3602708"/>
+            <a:off x="406400" y="1536700"/>
+            <a:ext cx="12192000" cy="1169261"/>
           </a:xfrm>
           <a:prstGeom prst="rect">
             <a:avLst/>
@@ -7888,18 +7823,147 @@
         <p:txBody>
           <a:bodyPr/>
           <a:lstStyle>
-            <a:lvl1pPr defTabSz="473201">
-              <a:defRPr sz="13770"/>
+            <a:lvl1pPr defTabSz="403097">
+              <a:spcBef>
+                <a:spcPts val="1900"/>
+              </a:spcBef>
+              <a:defRPr sz="8200"/>
             </a:lvl1pPr>
           </a:lstStyle>
           <a:p>
             <a:pPr/>
             <a:r>
-              <a:t>Ensemble Methods</a:t>
+              <a:t>Gini Index/Impurity</a:t>
             </a:r>
           </a:p>
         </p:txBody>
       </p:sp>
+      <p:sp>
+        <p:nvSpPr>
+          <p:cNvPr id="263" name="Shape 263"/>
+          <p:cNvSpPr/>
+          <p:nvPr>
+            <p:ph type="body" idx="1"/>
+          </p:nvPr>
+        </p:nvSpPr>
+        <p:spPr>
+          <a:xfrm>
+            <a:off x="406400" y="5607203"/>
+            <a:ext cx="12192000" cy="4732604"/>
+          </a:xfrm>
+          <a:prstGeom prst="rect">
+            <a:avLst/>
+          </a:prstGeom>
+        </p:spPr>
+        <p:txBody>
+          <a:bodyPr anchor="t"/>
+          <a:lstStyle/>
+          <a:p>
+            <a:pPr marL="550656" indent="-550656" defTabSz="455674">
+              <a:lnSpc>
+                <a:spcPct val="100000"/>
+              </a:lnSpc>
+              <a:spcBef>
+                <a:spcPts val="2100"/>
+              </a:spcBef>
+              <a:buSzPct val="40000"/>
+              <a:buBlip>
+                <a:blip r:embed="rId2"/>
+              </a:buBlip>
+              <a:defRPr cap="none" spc="0" sz="4900">
+                <a:latin typeface="Avenir Next Medium"/>
+                <a:ea typeface="Avenir Next Medium"/>
+                <a:cs typeface="Avenir Next Medium"/>
+                <a:sym typeface="Avenir Next Medium"/>
+              </a:defRPr>
+            </a:pPr>
+            <a:r>
+              <a:t>Intuitively: fraction that belongs to that class X chance of misclassifying</a:t>
+            </a:r>
+          </a:p>
+          <a:p>
+            <a:pPr marL="550656" indent="-550656" defTabSz="455674">
+              <a:lnSpc>
+                <a:spcPct val="100000"/>
+              </a:lnSpc>
+              <a:spcBef>
+                <a:spcPts val="2100"/>
+              </a:spcBef>
+              <a:buSzPct val="40000"/>
+              <a:buBlip>
+                <a:blip r:embed="rId2"/>
+              </a:buBlip>
+              <a:defRPr cap="none" spc="0" sz="4900">
+                <a:latin typeface="Avenir Next Medium"/>
+                <a:ea typeface="Avenir Next Medium"/>
+                <a:cs typeface="Avenir Next Medium"/>
+                <a:sym typeface="Avenir Next Medium"/>
+              </a:defRPr>
+            </a:pPr>
+            <a:r>
+              <a:t>IFeatures that reduce entropy are good to split on in decision trees</a:t>
+            </a:r>
+          </a:p>
+        </p:txBody>
+      </p:sp>
+      <p:pic>
+        <p:nvPicPr>
+          <p:cNvPr id="264" name="pasted-image.png"/>
+          <p:cNvPicPr>
+            <a:picLocks noChangeAspect="1"/>
+          </p:cNvPicPr>
+          <p:nvPr/>
+        </p:nvPicPr>
+        <p:blipFill>
+          <a:blip r:embed="rId3">
+            <a:extLst/>
+          </a:blip>
+          <a:stretch>
+            <a:fillRect/>
+          </a:stretch>
+        </p:blipFill>
+        <p:spPr>
+          <a:xfrm>
+            <a:off x="518781" y="2969719"/>
+            <a:ext cx="5884445" cy="2373726"/>
+          </a:xfrm>
+          <a:prstGeom prst="rect">
+            <a:avLst/>
+          </a:prstGeom>
+          <a:ln w="12700">
+            <a:miter lim="400000"/>
+          </a:ln>
+        </p:spPr>
+      </p:pic>
+      <p:pic>
+        <p:nvPicPr>
+          <p:cNvPr id="265" name="pasted-image.png"/>
+          <p:cNvPicPr>
+            <a:picLocks noChangeAspect="1"/>
+          </p:cNvPicPr>
+          <p:nvPr/>
+        </p:nvPicPr>
+        <p:blipFill>
+          <a:blip r:embed="rId4">
+            <a:extLst/>
+          </a:blip>
+          <a:stretch>
+            <a:fillRect/>
+          </a:stretch>
+        </p:blipFill>
+        <p:spPr>
+          <a:xfrm>
+            <a:off x="466261" y="2854244"/>
+            <a:ext cx="6248401" cy="2489201"/>
+          </a:xfrm>
+          <a:prstGeom prst="rect">
+            <a:avLst/>
+          </a:prstGeom>
+          <a:ln w="12700">
+            <a:miter lim="400000"/>
+          </a:ln>
+        </p:spPr>
+      </p:pic>
     </p:spTree>
   </p:cSld>
   <p:clrMapOvr>
@@ -7926,132 +7990,36 @@
           <a:chExt cx="0" cy="0"/>
         </a:xfrm>
       </p:grpSpPr>
-      <p:sp>
-        <p:nvSpPr>
-          <p:cNvPr id="262" name="Shape 262"/>
-          <p:cNvSpPr/>
-          <p:nvPr>
-            <p:ph type="title"/>
-          </p:nvPr>
-        </p:nvSpPr>
-        <p:spPr>
-          <a:xfrm>
-            <a:off x="406400" y="1536700"/>
-            <a:ext cx="12192000" cy="1169261"/>
-          </a:xfrm>
-          <a:prstGeom prst="rect">
-            <a:avLst/>
-          </a:prstGeom>
-        </p:spPr>
-        <p:txBody>
-          <a:bodyPr/>
-          <a:lstStyle>
-            <a:lvl1pPr defTabSz="403097">
-              <a:spcBef>
-                <a:spcPts val="1900"/>
-              </a:spcBef>
-              <a:defRPr sz="8200"/>
-            </a:lvl1pPr>
-          </a:lstStyle>
-          <a:p>
-            <a:pPr/>
-            <a:r>
-              <a:t>Ensemble methods</a:t>
-            </a:r>
-          </a:p>
-        </p:txBody>
-      </p:sp>
-      <p:sp>
-        <p:nvSpPr>
-          <p:cNvPr id="263" name="Shape 263"/>
-          <p:cNvSpPr/>
-          <p:nvPr>
-            <p:ph type="body" idx="1"/>
-          </p:nvPr>
-        </p:nvSpPr>
-        <p:spPr>
-          <a:xfrm>
-            <a:off x="406400" y="3691433"/>
-            <a:ext cx="12192001" cy="4732604"/>
-          </a:xfrm>
-          <a:prstGeom prst="rect">
-            <a:avLst/>
-          </a:prstGeom>
-        </p:spPr>
-        <p:txBody>
-          <a:bodyPr anchor="t"/>
-          <a:lstStyle/>
-          <a:p>
-            <a:pPr marL="550656" indent="-550656" defTabSz="455674">
-              <a:lnSpc>
-                <a:spcPct val="100000"/>
-              </a:lnSpc>
-              <a:spcBef>
-                <a:spcPts val="2100"/>
-              </a:spcBef>
-              <a:buSzPct val="40000"/>
-              <a:buBlip>
-                <a:blip r:embed="rId2"/>
-              </a:buBlip>
-              <a:defRPr cap="none" spc="0" sz="4900">
-                <a:latin typeface="Avenir Next Medium"/>
-                <a:ea typeface="Avenir Next Medium"/>
-                <a:cs typeface="Avenir Next Medium"/>
-                <a:sym typeface="Avenir Next Medium"/>
-              </a:defRPr>
-            </a:pPr>
-            <a:r>
-              <a:t>Combining multiple models </a:t>
-            </a:r>
-          </a:p>
-          <a:p>
-            <a:pPr marL="550656" indent="-550656" defTabSz="455674">
-              <a:lnSpc>
-                <a:spcPct val="100000"/>
-              </a:lnSpc>
-              <a:spcBef>
-                <a:spcPts val="2100"/>
-              </a:spcBef>
-              <a:buSzPct val="40000"/>
-              <a:buBlip>
-                <a:blip r:embed="rId2"/>
-              </a:buBlip>
-              <a:defRPr cap="none" spc="0" sz="4900">
-                <a:latin typeface="Avenir Next Medium"/>
-                <a:ea typeface="Avenir Next Medium"/>
-                <a:cs typeface="Avenir Next Medium"/>
-                <a:sym typeface="Avenir Next Medium"/>
-              </a:defRPr>
-            </a:pPr>
-            <a:r>
-              <a:t>Akin to “Wisdom of the Crowds”</a:t>
-            </a:r>
-          </a:p>
-          <a:p>
-            <a:pPr marL="550656" indent="-550656" defTabSz="455674">
-              <a:lnSpc>
-                <a:spcPct val="100000"/>
-              </a:lnSpc>
-              <a:spcBef>
-                <a:spcPts val="2100"/>
-              </a:spcBef>
-              <a:buSzPct val="40000"/>
-              <a:buBlip>
-                <a:blip r:embed="rId2"/>
-              </a:buBlip>
-              <a:defRPr cap="none" spc="0" sz="4900">
-                <a:latin typeface="Avenir Next Medium"/>
-                <a:ea typeface="Avenir Next Medium"/>
-                <a:cs typeface="Avenir Next Medium"/>
-                <a:sym typeface="Avenir Next Medium"/>
-              </a:defRPr>
-            </a:pPr>
-            <a:r>
-              <a:t>Models can focus on different parts of the data</a:t>
-            </a:r>
-          </a:p>
-        </p:txBody>
-      </p:sp>
+      <p:pic>
+        <p:nvPicPr>
+          <p:cNvPr id="267" name="pasted-image.png"/>
+          <p:cNvPicPr>
+            <a:picLocks noChangeAspect="1"/>
+          </p:cNvPicPr>
+          <p:nvPr/>
+        </p:nvPicPr>
+        <p:blipFill>
+          <a:blip r:embed="rId2">
+            <a:extLst/>
+          </a:blip>
+          <a:srcRect l="0" t="0" r="0" b="0"/>
+          <a:stretch>
+            <a:fillRect/>
+          </a:stretch>
+        </p:blipFill>
+        <p:spPr>
+          <a:xfrm>
+            <a:off x="629127" y="-830680"/>
+            <a:ext cx="11746546" cy="11999160"/>
+          </a:xfrm>
+          <a:prstGeom prst="rect">
+            <a:avLst/>
+          </a:prstGeom>
+          <a:ln w="12700">
+            <a:miter lim="400000"/>
+          </a:ln>
+        </p:spPr>
+      </p:pic>
     </p:spTree>
   </p:cSld>
   <p:clrMapOvr>
@@ -8078,109 +8046,35 @@
           <a:chExt cx="0" cy="0"/>
         </a:xfrm>
       </p:grpSpPr>
-      <p:sp>
-        <p:nvSpPr>
-          <p:cNvPr id="265" name="Shape 265"/>
-          <p:cNvSpPr/>
-          <p:nvPr>
-            <p:ph type="title"/>
-          </p:nvPr>
-        </p:nvSpPr>
-        <p:spPr>
-          <a:xfrm>
-            <a:off x="406400" y="1536700"/>
-            <a:ext cx="12192000" cy="1169261"/>
-          </a:xfrm>
-          <a:prstGeom prst="rect">
-            <a:avLst/>
-          </a:prstGeom>
-        </p:spPr>
-        <p:txBody>
-          <a:bodyPr/>
-          <a:lstStyle>
-            <a:lvl1pPr defTabSz="403097">
-              <a:spcBef>
-                <a:spcPts val="1900"/>
-              </a:spcBef>
-              <a:defRPr sz="8200"/>
-            </a:lvl1pPr>
-          </a:lstStyle>
-          <a:p>
-            <a:pPr/>
-            <a:r>
-              <a:t>Bagging</a:t>
-            </a:r>
-          </a:p>
-        </p:txBody>
-      </p:sp>
-      <p:sp>
-        <p:nvSpPr>
-          <p:cNvPr id="266" name="Shape 266"/>
-          <p:cNvSpPr/>
-          <p:nvPr>
-            <p:ph type="body" idx="1"/>
-          </p:nvPr>
-        </p:nvSpPr>
-        <p:spPr>
-          <a:xfrm>
-            <a:off x="406400" y="3691433"/>
-            <a:ext cx="12192000" cy="4732604"/>
-          </a:xfrm>
-          <a:prstGeom prst="rect">
-            <a:avLst/>
-          </a:prstGeom>
-        </p:spPr>
-        <p:txBody>
-          <a:bodyPr anchor="t"/>
-          <a:lstStyle/>
-          <a:p>
-            <a:pPr marL="550656" indent="-550656" defTabSz="455674">
-              <a:lnSpc>
-                <a:spcPct val="100000"/>
-              </a:lnSpc>
-              <a:spcBef>
-                <a:spcPts val="2100"/>
-              </a:spcBef>
-              <a:buSzPct val="40000"/>
-              <a:buBlip>
-                <a:blip r:embed="rId2"/>
-              </a:buBlip>
-              <a:defRPr cap="none" spc="0" sz="4900">
-                <a:latin typeface="Avenir Next Medium"/>
-                <a:ea typeface="Avenir Next Medium"/>
-                <a:cs typeface="Avenir Next Medium"/>
-                <a:sym typeface="Avenir Next Medium"/>
-              </a:defRPr>
-            </a:pPr>
-            <a:r>
-              <a:t>Short for bootstrap aggregating</a:t>
-            </a:r>
-          </a:p>
-          <a:p>
-            <a:pPr marL="550656" indent="-550656" defTabSz="455674">
-              <a:lnSpc>
-                <a:spcPct val="100000"/>
-              </a:lnSpc>
-              <a:spcBef>
-                <a:spcPts val="2100"/>
-              </a:spcBef>
-              <a:buSzPct val="40000"/>
-              <a:buBlip>
-                <a:blip r:embed="rId2"/>
-              </a:buBlip>
-              <a:defRPr cap="none" spc="0" sz="4900">
-                <a:latin typeface="Avenir Next Medium"/>
-                <a:ea typeface="Avenir Next Medium"/>
-                <a:cs typeface="Avenir Next Medium"/>
-                <a:sym typeface="Avenir Next Medium"/>
-              </a:defRPr>
-            </a:pPr>
-            <a:r>
-              <a:t>Models are trained on random subsets of the data</a:t>
-            </a:r>
-          </a:p>
-        </p:txBody>
-      </p:sp>
+      <p:pic>
+        <p:nvPicPr>
+          <p:cNvPr id="269" name="pasted-image.png"/>
+          <p:cNvPicPr>
+            <a:picLocks noChangeAspect="1"/>
+          </p:cNvPicPr>
+          <p:nvPr/>
+        </p:nvPicPr>
+        <p:blipFill>
+          <a:blip r:embed="rId2">
+            <a:extLst/>
+          </a:blip>
+          <a:stretch>
+            <a:fillRect/>
+          </a:stretch>
+        </p:blipFill>
+        <p:spPr>
+          <a:xfrm>
+            <a:off x="1943100" y="717153"/>
+            <a:ext cx="9118601" cy="8966201"/>
+          </a:xfrm>
+          <a:prstGeom prst="rect">
+            <a:avLst/>
+          </a:prstGeom>
+          <a:ln w="12700">
+            <a:miter lim="400000"/>
+          </a:ln>
+        </p:spPr>
+      </p:pic>
     </p:spTree>
   </p:cSld>
   <p:clrMapOvr>
@@ -8207,30 +8101,9 @@
           <a:chExt cx="0" cy="0"/>
         </a:xfrm>
       </p:grpSpPr>
-      <p:sp>
-        <p:nvSpPr>
-          <p:cNvPr id="268" name="Shape 268"/>
-          <p:cNvSpPr/>
-          <p:nvPr>
-            <p:ph type="subTitle" sz="quarter" idx="1"/>
-          </p:nvPr>
-        </p:nvSpPr>
-        <p:spPr>
-          <a:prstGeom prst="rect">
-            <a:avLst/>
-          </a:prstGeom>
-        </p:spPr>
-        <p:txBody>
-          <a:bodyPr/>
-          <a:lstStyle/>
-          <a:p>
-            <a:pPr/>
-          </a:p>
-        </p:txBody>
-      </p:sp>
       <p:pic>
         <p:nvPicPr>
-          <p:cNvPr id="269" name="pasted-image.png"/>
+          <p:cNvPr id="271" name="pasted-image.png"/>
           <p:cNvPicPr>
             <a:picLocks noChangeAspect="1"/>
           </p:cNvPicPr>
@@ -8246,8 +8119,8 @@
         </p:blipFill>
         <p:spPr>
           <a:xfrm>
-            <a:off x="88900" y="1257300"/>
-            <a:ext cx="12827000" cy="7239000"/>
+            <a:off x="2311399" y="613833"/>
+            <a:ext cx="8382001" cy="9067801"/>
           </a:xfrm>
           <a:prstGeom prst="rect">
             <a:avLst/>
@@ -8283,109 +8156,65 @@
           <a:chExt cx="0" cy="0"/>
         </a:xfrm>
       </p:grpSpPr>
-      <p:sp>
-        <p:nvSpPr>
-          <p:cNvPr id="271" name="Shape 271"/>
-          <p:cNvSpPr/>
-          <p:nvPr>
-            <p:ph type="title"/>
-          </p:nvPr>
-        </p:nvSpPr>
-        <p:spPr>
-          <a:xfrm>
-            <a:off x="406400" y="1536700"/>
-            <a:ext cx="12192000" cy="1169261"/>
-          </a:xfrm>
-          <a:prstGeom prst="rect">
-            <a:avLst/>
-          </a:prstGeom>
-        </p:spPr>
-        <p:txBody>
-          <a:bodyPr/>
-          <a:lstStyle>
-            <a:lvl1pPr defTabSz="403097">
-              <a:spcBef>
-                <a:spcPts val="1900"/>
-              </a:spcBef>
-              <a:defRPr sz="8200"/>
-            </a:lvl1pPr>
-          </a:lstStyle>
-          <a:p>
-            <a:pPr/>
-            <a:r>
-              <a:t>Bagging: Final Step</a:t>
-            </a:r>
-          </a:p>
-        </p:txBody>
-      </p:sp>
-      <p:sp>
-        <p:nvSpPr>
-          <p:cNvPr id="272" name="Shape 272"/>
-          <p:cNvSpPr/>
-          <p:nvPr>
-            <p:ph type="body" idx="1"/>
-          </p:nvPr>
-        </p:nvSpPr>
-        <p:spPr>
-          <a:xfrm>
-            <a:off x="406400" y="3691433"/>
-            <a:ext cx="12192000" cy="4732604"/>
-          </a:xfrm>
-          <a:prstGeom prst="rect">
-            <a:avLst/>
-          </a:prstGeom>
-        </p:spPr>
-        <p:txBody>
-          <a:bodyPr anchor="t"/>
-          <a:lstStyle/>
-          <a:p>
-            <a:pPr marL="550656" indent="-550656" defTabSz="455674">
-              <a:lnSpc>
-                <a:spcPct val="100000"/>
-              </a:lnSpc>
-              <a:spcBef>
-                <a:spcPts val="2100"/>
-              </a:spcBef>
-              <a:buSzPct val="40000"/>
-              <a:buBlip>
-                <a:blip r:embed="rId2"/>
-              </a:buBlip>
-              <a:defRPr cap="none" spc="0" sz="4900">
-                <a:latin typeface="Avenir Next Medium"/>
-                <a:ea typeface="Avenir Next Medium"/>
-                <a:cs typeface="Avenir Next Medium"/>
-                <a:sym typeface="Avenir Next Medium"/>
-              </a:defRPr>
-            </a:pPr>
-            <a:r>
-              <a:t>Classification: Majority vote</a:t>
-            </a:r>
-          </a:p>
-          <a:p>
-            <a:pPr marL="550656" indent="-550656" defTabSz="455674">
-              <a:lnSpc>
-                <a:spcPct val="100000"/>
-              </a:lnSpc>
-              <a:spcBef>
-                <a:spcPts val="2100"/>
-              </a:spcBef>
-              <a:buSzPct val="40000"/>
-              <a:buBlip>
-                <a:blip r:embed="rId2"/>
-              </a:buBlip>
-              <a:defRPr cap="none" spc="0" sz="4900">
-                <a:latin typeface="Avenir Next Medium"/>
-                <a:ea typeface="Avenir Next Medium"/>
-                <a:cs typeface="Avenir Next Medium"/>
-                <a:sym typeface="Avenir Next Medium"/>
-              </a:defRPr>
-            </a:pPr>
-            <a:r>
-              <a:t>Regression: Average the outputs</a:t>
-            </a:r>
-          </a:p>
-        </p:txBody>
-      </p:sp>
+      <p:pic>
+        <p:nvPicPr>
+          <p:cNvPr id="273" name="pasted-image.png"/>
+          <p:cNvPicPr>
+            <a:picLocks noChangeAspect="1"/>
+          </p:cNvPicPr>
+          <p:nvPr/>
+        </p:nvPicPr>
+        <p:blipFill>
+          <a:blip r:embed="rId2">
+            <a:extLst/>
+          </a:blip>
+          <a:stretch>
+            <a:fillRect/>
+          </a:stretch>
+        </p:blipFill>
+        <p:spPr>
+          <a:xfrm>
+            <a:off x="-292101" y="886486"/>
+            <a:ext cx="9118601" cy="8966201"/>
+          </a:xfrm>
+          <a:prstGeom prst="rect">
+            <a:avLst/>
+          </a:prstGeom>
+          <a:ln w="12700">
+            <a:miter lim="400000"/>
+          </a:ln>
+        </p:spPr>
+      </p:pic>
+      <p:pic>
+        <p:nvPicPr>
+          <p:cNvPr id="274" name="Screen Shot 2019-10-29 at 2.52.16 PM.png"/>
+          <p:cNvPicPr>
+            <a:picLocks noChangeAspect="1"/>
+          </p:cNvPicPr>
+          <p:nvPr/>
+        </p:nvPicPr>
+        <p:blipFill>
+          <a:blip r:embed="rId3">
+            <a:extLst/>
+          </a:blip>
+          <a:srcRect l="0" t="0" r="48292" b="0"/>
+          <a:stretch>
+            <a:fillRect/>
+          </a:stretch>
+        </p:blipFill>
+        <p:spPr>
+          <a:xfrm>
+            <a:off x="7990416" y="2230966"/>
+            <a:ext cx="4570546" cy="1295401"/>
+          </a:xfrm>
+          <a:prstGeom prst="rect">
+            <a:avLst/>
+          </a:prstGeom>
+          <a:ln w="12700">
+            <a:miter lim="400000"/>
+          </a:ln>
+        </p:spPr>
+      </p:pic>
     </p:spTree>
   </p:cSld>
   <p:clrMapOvr>
@@ -8412,109 +8241,95 @@
           <a:chExt cx="0" cy="0"/>
         </a:xfrm>
       </p:grpSpPr>
-      <p:sp>
-        <p:nvSpPr>
-          <p:cNvPr id="274" name="Shape 274"/>
-          <p:cNvSpPr/>
-          <p:nvPr>
-            <p:ph type="title"/>
-          </p:nvPr>
-        </p:nvSpPr>
-        <p:spPr>
-          <a:xfrm>
-            <a:off x="406400" y="1536700"/>
-            <a:ext cx="12192000" cy="1169261"/>
-          </a:xfrm>
-          <a:prstGeom prst="rect">
-            <a:avLst/>
-          </a:prstGeom>
-        </p:spPr>
-        <p:txBody>
-          <a:bodyPr/>
-          <a:lstStyle>
-            <a:lvl1pPr defTabSz="403097">
-              <a:spcBef>
-                <a:spcPts val="1900"/>
-              </a:spcBef>
-              <a:defRPr sz="8200"/>
-            </a:lvl1pPr>
-          </a:lstStyle>
-          <a:p>
-            <a:pPr/>
-            <a:r>
-              <a:t>Random Forest</a:t>
-            </a:r>
-          </a:p>
-        </p:txBody>
-      </p:sp>
-      <p:sp>
-        <p:nvSpPr>
-          <p:cNvPr id="275" name="Shape 275"/>
-          <p:cNvSpPr/>
-          <p:nvPr>
-            <p:ph type="body" idx="1"/>
-          </p:nvPr>
-        </p:nvSpPr>
-        <p:spPr>
-          <a:xfrm>
-            <a:off x="406400" y="3953767"/>
-            <a:ext cx="12192000" cy="4291213"/>
-          </a:xfrm>
-          <a:prstGeom prst="rect">
-            <a:avLst/>
-          </a:prstGeom>
-        </p:spPr>
-        <p:txBody>
-          <a:bodyPr anchor="t"/>
-          <a:lstStyle/>
-          <a:p>
-            <a:pPr marL="546420" indent="-546420" defTabSz="452170">
-              <a:lnSpc>
-                <a:spcPct val="100000"/>
-              </a:lnSpc>
-              <a:spcBef>
-                <a:spcPts val="2100"/>
-              </a:spcBef>
-              <a:buSzPct val="40000"/>
-              <a:buBlip>
-                <a:blip r:embed="rId2"/>
-              </a:buBlip>
-              <a:defRPr cap="none" spc="0" sz="5850">
-                <a:latin typeface="Avenir Next Medium"/>
-                <a:ea typeface="Avenir Next Medium"/>
-                <a:cs typeface="Avenir Next Medium"/>
-                <a:sym typeface="Avenir Next Medium"/>
-              </a:defRPr>
-            </a:pPr>
-            <a:r>
-              <a:t>Train a multitude of decision trees</a:t>
-            </a:r>
-          </a:p>
-          <a:p>
-            <a:pPr marL="546420" indent="-546420" defTabSz="452170">
-              <a:lnSpc>
-                <a:spcPct val="100000"/>
-              </a:lnSpc>
-              <a:spcBef>
-                <a:spcPts val="2100"/>
-              </a:spcBef>
-              <a:buSzPct val="40000"/>
-              <a:buBlip>
-                <a:blip r:embed="rId2"/>
-              </a:buBlip>
-              <a:defRPr cap="none" spc="0" sz="5850">
-                <a:latin typeface="Avenir Next Medium"/>
-                <a:ea typeface="Avenir Next Medium"/>
-                <a:cs typeface="Avenir Next Medium"/>
-                <a:sym typeface="Avenir Next Medium"/>
-              </a:defRPr>
-            </a:pPr>
-            <a:r>
-              <a:t>Each tree uses a random subset of samples, features</a:t>
-            </a:r>
-          </a:p>
-        </p:txBody>
-      </p:sp>
+      <p:pic>
+        <p:nvPicPr>
+          <p:cNvPr id="276" name="pasted-image.png"/>
+          <p:cNvPicPr>
+            <a:picLocks noChangeAspect="1"/>
+          </p:cNvPicPr>
+          <p:nvPr/>
+        </p:nvPicPr>
+        <p:blipFill>
+          <a:blip r:embed="rId2">
+            <a:extLst/>
+          </a:blip>
+          <a:stretch>
+            <a:fillRect/>
+          </a:stretch>
+        </p:blipFill>
+        <p:spPr>
+          <a:xfrm>
+            <a:off x="-292100" y="886486"/>
+            <a:ext cx="9118600" cy="8966201"/>
+          </a:xfrm>
+          <a:prstGeom prst="rect">
+            <a:avLst/>
+          </a:prstGeom>
+          <a:ln w="12700">
+            <a:miter lim="400000"/>
+          </a:ln>
+        </p:spPr>
+      </p:pic>
+      <p:pic>
+        <p:nvPicPr>
+          <p:cNvPr id="277" name="Screen Shot 2019-10-29 at 2.52.16 PM.png"/>
+          <p:cNvPicPr>
+            <a:picLocks noChangeAspect="1"/>
+          </p:cNvPicPr>
+          <p:nvPr/>
+        </p:nvPicPr>
+        <p:blipFill>
+          <a:blip r:embed="rId3">
+            <a:extLst/>
+          </a:blip>
+          <a:srcRect l="0" t="0" r="48292" b="0"/>
+          <a:stretch>
+            <a:fillRect/>
+          </a:stretch>
+        </p:blipFill>
+        <p:spPr>
+          <a:xfrm>
+            <a:off x="7990416" y="2230966"/>
+            <a:ext cx="4570546" cy="1295401"/>
+          </a:xfrm>
+          <a:prstGeom prst="rect">
+            <a:avLst/>
+          </a:prstGeom>
+          <a:ln w="12700">
+            <a:miter lim="400000"/>
+          </a:ln>
+        </p:spPr>
+      </p:pic>
+      <p:pic>
+        <p:nvPicPr>
+          <p:cNvPr id="278" name="Screen Shot 2019-10-29 at 2.52.16 PM.png"/>
+          <p:cNvPicPr>
+            <a:picLocks noChangeAspect="1"/>
+          </p:cNvPicPr>
+          <p:nvPr/>
+        </p:nvPicPr>
+        <p:blipFill>
+          <a:blip r:embed="rId3">
+            <a:extLst/>
+          </a:blip>
+          <a:srcRect l="50009" t="0" r="0" b="0"/>
+          <a:stretch>
+            <a:fillRect/>
+          </a:stretch>
+        </p:blipFill>
+        <p:spPr>
+          <a:xfrm>
+            <a:off x="8397676" y="3367219"/>
+            <a:ext cx="4418741" cy="1295401"/>
+          </a:xfrm>
+          <a:prstGeom prst="rect">
+            <a:avLst/>
+          </a:prstGeom>
+          <a:ln w="12700">
+            <a:miter lim="400000"/>
+          </a:ln>
+        </p:spPr>
+      </p:pic>
     </p:spTree>
   </p:cSld>
   <p:clrMapOvr>
@@ -8670,53 +8485,9 @@
           <a:chExt cx="0" cy="0"/>
         </a:xfrm>
       </p:grpSpPr>
-      <p:sp>
-        <p:nvSpPr>
-          <p:cNvPr id="277" name="Shape 277"/>
-          <p:cNvSpPr/>
-          <p:nvPr>
-            <p:ph type="ctrTitle"/>
-          </p:nvPr>
-        </p:nvSpPr>
-        <p:spPr>
-          <a:prstGeom prst="rect">
-            <a:avLst/>
-          </a:prstGeom>
-        </p:spPr>
-        <p:txBody>
-          <a:bodyPr/>
-          <a:lstStyle/>
-          <a:p>
-            <a:pPr defTabSz="455675">
-              <a:defRPr sz="13259"/>
-            </a:pPr>
-          </a:p>
-        </p:txBody>
-      </p:sp>
-      <p:sp>
-        <p:nvSpPr>
-          <p:cNvPr id="278" name="Shape 278"/>
-          <p:cNvSpPr/>
-          <p:nvPr>
-            <p:ph type="subTitle" sz="quarter" idx="1"/>
-          </p:nvPr>
-        </p:nvSpPr>
-        <p:spPr>
-          <a:prstGeom prst="rect">
-            <a:avLst/>
-          </a:prstGeom>
-        </p:spPr>
-        <p:txBody>
-          <a:bodyPr/>
-          <a:lstStyle/>
-          <a:p>
-            <a:pPr/>
-          </a:p>
-        </p:txBody>
-      </p:sp>
       <p:pic>
         <p:nvPicPr>
-          <p:cNvPr id="279" name="pasted-image.png"/>
+          <p:cNvPr id="280" name="pasted-image.png"/>
           <p:cNvPicPr>
             <a:picLocks noChangeAspect="1"/>
           </p:cNvPicPr>
@@ -8732,8 +8503,8 @@
         </p:blipFill>
         <p:spPr>
           <a:xfrm>
-            <a:off x="0" y="1100666"/>
-            <a:ext cx="13004800" cy="7518401"/>
+            <a:off x="-292100" y="886486"/>
+            <a:ext cx="9118600" cy="8966201"/>
           </a:xfrm>
           <a:prstGeom prst="rect">
             <a:avLst/>
@@ -8745,7 +8516,7 @@
       </p:pic>
       <p:pic>
         <p:nvPicPr>
-          <p:cNvPr id="280" name="pasted-image.png"/>
+          <p:cNvPr id="281" name="Screen Shot 2019-10-29 at 2.52.16 PM.png"/>
           <p:cNvPicPr>
             <a:picLocks noChangeAspect="1"/>
           </p:cNvPicPr>
@@ -8755,14 +8526,75 @@
           <a:blip r:embed="rId3">
             <a:extLst/>
           </a:blip>
+          <a:srcRect l="0" t="0" r="48292" b="0"/>
           <a:stretch>
             <a:fillRect/>
           </a:stretch>
         </p:blipFill>
         <p:spPr>
           <a:xfrm>
-            <a:off x="0" y="-1"/>
-            <a:ext cx="13004801" cy="9753601"/>
+            <a:off x="7990416" y="2230966"/>
+            <a:ext cx="4570546" cy="1295401"/>
+          </a:xfrm>
+          <a:prstGeom prst="rect">
+            <a:avLst/>
+          </a:prstGeom>
+          <a:ln w="12700">
+            <a:miter lim="400000"/>
+          </a:ln>
+        </p:spPr>
+      </p:pic>
+      <p:pic>
+        <p:nvPicPr>
+          <p:cNvPr id="282" name="Screen Shot 2019-10-29 at 2.52.16 PM.png"/>
+          <p:cNvPicPr>
+            <a:picLocks noChangeAspect="1"/>
+          </p:cNvPicPr>
+          <p:nvPr/>
+        </p:nvPicPr>
+        <p:blipFill>
+          <a:blip r:embed="rId3">
+            <a:extLst/>
+          </a:blip>
+          <a:srcRect l="50009" t="0" r="0" b="0"/>
+          <a:stretch>
+            <a:fillRect/>
+          </a:stretch>
+        </p:blipFill>
+        <p:spPr>
+          <a:xfrm>
+            <a:off x="8397676" y="3367219"/>
+            <a:ext cx="4418741" cy="1295401"/>
+          </a:xfrm>
+          <a:prstGeom prst="rect">
+            <a:avLst/>
+          </a:prstGeom>
+          <a:ln w="12700">
+            <a:miter lim="400000"/>
+          </a:ln>
+        </p:spPr>
+      </p:pic>
+      <p:pic>
+        <p:nvPicPr>
+          <p:cNvPr id="283" name="Screen Shot 2019-10-29 at 2.52.10 PM.png"/>
+          <p:cNvPicPr>
+            <a:picLocks noChangeAspect="1"/>
+          </p:cNvPicPr>
+          <p:nvPr/>
+        </p:nvPicPr>
+        <p:blipFill>
+          <a:blip r:embed="rId4">
+            <a:extLst/>
+          </a:blip>
+          <a:srcRect l="0" t="0" r="50129" b="0"/>
+          <a:stretch>
+            <a:fillRect/>
+          </a:stretch>
+        </p:blipFill>
+        <p:spPr>
+          <a:xfrm>
+            <a:off x="8115829" y="4828976"/>
+            <a:ext cx="4319456" cy="1625601"/>
           </a:xfrm>
           <a:prstGeom prst="rect">
             <a:avLst/>
@@ -8798,109 +8630,155 @@
           <a:chExt cx="0" cy="0"/>
         </a:xfrm>
       </p:grpSpPr>
-      <p:sp>
-        <p:nvSpPr>
-          <p:cNvPr id="282" name="Shape 282"/>
-          <p:cNvSpPr/>
-          <p:nvPr>
-            <p:ph type="title"/>
-          </p:nvPr>
-        </p:nvSpPr>
-        <p:spPr>
-          <a:xfrm>
-            <a:off x="406400" y="1536700"/>
-            <a:ext cx="12192000" cy="1169261"/>
-          </a:xfrm>
-          <a:prstGeom prst="rect">
-            <a:avLst/>
-          </a:prstGeom>
-        </p:spPr>
-        <p:txBody>
-          <a:bodyPr/>
-          <a:lstStyle>
-            <a:lvl1pPr defTabSz="403097">
-              <a:spcBef>
-                <a:spcPts val="1900"/>
-              </a:spcBef>
-              <a:defRPr sz="8200"/>
-            </a:lvl1pPr>
-          </a:lstStyle>
-          <a:p>
-            <a:pPr/>
-            <a:r>
-              <a:t>Random features</a:t>
-            </a:r>
-          </a:p>
-        </p:txBody>
-      </p:sp>
-      <p:sp>
-        <p:nvSpPr>
-          <p:cNvPr id="283" name="Shape 283"/>
-          <p:cNvSpPr/>
-          <p:nvPr>
-            <p:ph type="body" idx="1"/>
-          </p:nvPr>
-        </p:nvSpPr>
-        <p:spPr>
-          <a:xfrm>
-            <a:off x="406400" y="3691433"/>
-            <a:ext cx="12192000" cy="4732604"/>
-          </a:xfrm>
-          <a:prstGeom prst="rect">
-            <a:avLst/>
-          </a:prstGeom>
-        </p:spPr>
-        <p:txBody>
-          <a:bodyPr anchor="t"/>
-          <a:lstStyle/>
-          <a:p>
-            <a:pPr marL="550656" indent="-550656" defTabSz="455674">
-              <a:lnSpc>
-                <a:spcPct val="100000"/>
-              </a:lnSpc>
-              <a:spcBef>
-                <a:spcPts val="2100"/>
-              </a:spcBef>
-              <a:buSzPct val="40000"/>
-              <a:buBlip>
-                <a:blip r:embed="rId2"/>
-              </a:buBlip>
-              <a:defRPr cap="none" spc="0" sz="4900">
-                <a:latin typeface="Avenir Next Medium"/>
-                <a:ea typeface="Avenir Next Medium"/>
-                <a:cs typeface="Avenir Next Medium"/>
-                <a:sym typeface="Avenir Next Medium"/>
-              </a:defRPr>
-            </a:pPr>
-            <a:r>
-              <a:t>Some features will be predictive</a:t>
-            </a:r>
-          </a:p>
-          <a:p>
-            <a:pPr marL="550656" indent="-550656" defTabSz="455674">
-              <a:lnSpc>
-                <a:spcPct val="100000"/>
-              </a:lnSpc>
-              <a:spcBef>
-                <a:spcPts val="2100"/>
-              </a:spcBef>
-              <a:buSzPct val="40000"/>
-              <a:buBlip>
-                <a:blip r:embed="rId2"/>
-              </a:buBlip>
-              <a:defRPr cap="none" spc="0" sz="4900">
-                <a:latin typeface="Avenir Next Medium"/>
-                <a:ea typeface="Avenir Next Medium"/>
-                <a:cs typeface="Avenir Next Medium"/>
-                <a:sym typeface="Avenir Next Medium"/>
-              </a:defRPr>
-            </a:pPr>
-            <a:r>
-              <a:t>Predictive features will end up being used by many models, and affecting final output</a:t>
-            </a:r>
-          </a:p>
-        </p:txBody>
-      </p:sp>
+      <p:pic>
+        <p:nvPicPr>
+          <p:cNvPr id="285" name="pasted-image.png"/>
+          <p:cNvPicPr>
+            <a:picLocks noChangeAspect="1"/>
+          </p:cNvPicPr>
+          <p:nvPr/>
+        </p:nvPicPr>
+        <p:blipFill>
+          <a:blip r:embed="rId2">
+            <a:extLst/>
+          </a:blip>
+          <a:stretch>
+            <a:fillRect/>
+          </a:stretch>
+        </p:blipFill>
+        <p:spPr>
+          <a:xfrm>
+            <a:off x="-292100" y="886486"/>
+            <a:ext cx="9118600" cy="8966201"/>
+          </a:xfrm>
+          <a:prstGeom prst="rect">
+            <a:avLst/>
+          </a:prstGeom>
+          <a:ln w="12700">
+            <a:miter lim="400000"/>
+          </a:ln>
+        </p:spPr>
+      </p:pic>
+      <p:pic>
+        <p:nvPicPr>
+          <p:cNvPr id="286" name="Screen Shot 2019-10-29 at 2.52.16 PM.png"/>
+          <p:cNvPicPr>
+            <a:picLocks noChangeAspect="1"/>
+          </p:cNvPicPr>
+          <p:nvPr/>
+        </p:nvPicPr>
+        <p:blipFill>
+          <a:blip r:embed="rId3">
+            <a:extLst/>
+          </a:blip>
+          <a:srcRect l="0" t="0" r="48292" b="0"/>
+          <a:stretch>
+            <a:fillRect/>
+          </a:stretch>
+        </p:blipFill>
+        <p:spPr>
+          <a:xfrm>
+            <a:off x="7990416" y="2230966"/>
+            <a:ext cx="4570546" cy="1295401"/>
+          </a:xfrm>
+          <a:prstGeom prst="rect">
+            <a:avLst/>
+          </a:prstGeom>
+          <a:ln w="12700">
+            <a:miter lim="400000"/>
+          </a:ln>
+        </p:spPr>
+      </p:pic>
+      <p:pic>
+        <p:nvPicPr>
+          <p:cNvPr id="287" name="Screen Shot 2019-10-29 at 2.52.16 PM.png"/>
+          <p:cNvPicPr>
+            <a:picLocks noChangeAspect="1"/>
+          </p:cNvPicPr>
+          <p:nvPr/>
+        </p:nvPicPr>
+        <p:blipFill>
+          <a:blip r:embed="rId3">
+            <a:extLst/>
+          </a:blip>
+          <a:srcRect l="50009" t="0" r="0" b="0"/>
+          <a:stretch>
+            <a:fillRect/>
+          </a:stretch>
+        </p:blipFill>
+        <p:spPr>
+          <a:xfrm>
+            <a:off x="8397676" y="3367219"/>
+            <a:ext cx="4418741" cy="1295401"/>
+          </a:xfrm>
+          <a:prstGeom prst="rect">
+            <a:avLst/>
+          </a:prstGeom>
+          <a:ln w="12700">
+            <a:miter lim="400000"/>
+          </a:ln>
+        </p:spPr>
+      </p:pic>
+      <p:pic>
+        <p:nvPicPr>
+          <p:cNvPr id="288" name="Screen Shot 2019-10-29 at 2.52.10 PM.png"/>
+          <p:cNvPicPr>
+            <a:picLocks noChangeAspect="1"/>
+          </p:cNvPicPr>
+          <p:nvPr/>
+        </p:nvPicPr>
+        <p:blipFill>
+          <a:blip r:embed="rId4">
+            <a:extLst/>
+          </a:blip>
+          <a:srcRect l="0" t="0" r="50129" b="0"/>
+          <a:stretch>
+            <a:fillRect/>
+          </a:stretch>
+        </p:blipFill>
+        <p:spPr>
+          <a:xfrm>
+            <a:off x="8115829" y="4828976"/>
+            <a:ext cx="4319456" cy="1625601"/>
+          </a:xfrm>
+          <a:prstGeom prst="rect">
+            <a:avLst/>
+          </a:prstGeom>
+          <a:ln w="12700">
+            <a:miter lim="400000"/>
+          </a:ln>
+        </p:spPr>
+      </p:pic>
+      <p:pic>
+        <p:nvPicPr>
+          <p:cNvPr id="289" name="Screen Shot 2019-10-29 at 2.52.10 PM.png"/>
+          <p:cNvPicPr>
+            <a:picLocks noChangeAspect="1"/>
+          </p:cNvPicPr>
+          <p:nvPr/>
+        </p:nvPicPr>
+        <p:blipFill>
+          <a:blip r:embed="rId4">
+            <a:extLst/>
+          </a:blip>
+          <a:srcRect l="49266" t="0" r="862" b="0"/>
+          <a:stretch>
+            <a:fillRect/>
+          </a:stretch>
+        </p:blipFill>
+        <p:spPr>
+          <a:xfrm>
+            <a:off x="8447286" y="5774266"/>
+            <a:ext cx="4319456" cy="1625601"/>
+          </a:xfrm>
+          <a:prstGeom prst="rect">
+            <a:avLst/>
+          </a:prstGeom>
+          <a:ln w="12700">
+            <a:miter lim="400000"/>
+          </a:ln>
+        </p:spPr>
+      </p:pic>
     </p:spTree>
   </p:cSld>
   <p:clrMapOvr>
@@ -8927,9 +8805,384 @@
           <a:chExt cx="0" cy="0"/>
         </a:xfrm>
       </p:grpSpPr>
+      <p:pic>
+        <p:nvPicPr>
+          <p:cNvPr id="291" name="pasted-image.png"/>
+          <p:cNvPicPr>
+            <a:picLocks noChangeAspect="1"/>
+          </p:cNvPicPr>
+          <p:nvPr/>
+        </p:nvPicPr>
+        <p:blipFill>
+          <a:blip r:embed="rId2">
+            <a:extLst/>
+          </a:blip>
+          <a:stretch>
+            <a:fillRect/>
+          </a:stretch>
+        </p:blipFill>
+        <p:spPr>
+          <a:xfrm>
+            <a:off x="381000" y="715433"/>
+            <a:ext cx="8382000" cy="9067801"/>
+          </a:xfrm>
+          <a:prstGeom prst="rect">
+            <a:avLst/>
+          </a:prstGeom>
+          <a:ln w="12700">
+            <a:miter lim="400000"/>
+          </a:ln>
+        </p:spPr>
+      </p:pic>
+      <p:pic>
+        <p:nvPicPr>
+          <p:cNvPr id="292" name="pasted-image.png"/>
+          <p:cNvPicPr>
+            <a:picLocks noChangeAspect="1"/>
+          </p:cNvPicPr>
+          <p:nvPr/>
+        </p:nvPicPr>
+        <p:blipFill>
+          <a:blip r:embed="rId3">
+            <a:extLst/>
+          </a:blip>
+          <a:srcRect l="0" t="0" r="41007" b="61961"/>
+          <a:stretch>
+            <a:fillRect/>
+          </a:stretch>
+        </p:blipFill>
+        <p:spPr>
+          <a:xfrm>
+            <a:off x="4802848" y="922403"/>
+            <a:ext cx="4989712" cy="1603839"/>
+          </a:xfrm>
+          <a:prstGeom prst="rect">
+            <a:avLst/>
+          </a:prstGeom>
+          <a:ln w="12700">
+            <a:miter lim="400000"/>
+          </a:ln>
+        </p:spPr>
+      </p:pic>
+    </p:spTree>
+  </p:cSld>
+  <p:clrMapOvr>
+    <a:masterClrMapping/>
+  </p:clrMapOvr>
+  <p:transition xmlns:p14="http://schemas.microsoft.com/office/powerpoint/2010/main" spd="med" advClick="1"/>
+</p:sld>
+</file>
+
+<file path=ppt/slides/slide33.xml><?xml version="1.0" encoding="utf-8"?>
+<p:sld xmlns:a="http://schemas.openxmlformats.org/drawingml/2006/main" xmlns:r="http://schemas.openxmlformats.org/officeDocument/2006/relationships" xmlns:p="http://schemas.openxmlformats.org/presentationml/2006/main" showMasterSp="1" showMasterPhAnim="1">
+  <p:cSld>
+    <p:spTree>
+      <p:nvGrpSpPr>
+        <p:cNvPr id="1" name=""/>
+        <p:cNvGrpSpPr/>
+        <p:nvPr/>
+      </p:nvGrpSpPr>
+      <p:grpSpPr>
+        <a:xfrm>
+          <a:off x="0" y="0"/>
+          <a:ext cx="0" cy="0"/>
+          <a:chOff x="0" y="0"/>
+          <a:chExt cx="0" cy="0"/>
+        </a:xfrm>
+      </p:grpSpPr>
+      <p:pic>
+        <p:nvPicPr>
+          <p:cNvPr id="294" name="pasted-image.png"/>
+          <p:cNvPicPr>
+            <a:picLocks noChangeAspect="1"/>
+          </p:cNvPicPr>
+          <p:nvPr/>
+        </p:nvPicPr>
+        <p:blipFill>
+          <a:blip r:embed="rId2">
+            <a:extLst/>
+          </a:blip>
+          <a:stretch>
+            <a:fillRect/>
+          </a:stretch>
+        </p:blipFill>
+        <p:spPr>
+          <a:xfrm>
+            <a:off x="380999" y="715433"/>
+            <a:ext cx="8382001" cy="9067801"/>
+          </a:xfrm>
+          <a:prstGeom prst="rect">
+            <a:avLst/>
+          </a:prstGeom>
+          <a:ln w="12700">
+            <a:miter lim="400000"/>
+          </a:ln>
+        </p:spPr>
+      </p:pic>
+      <p:pic>
+        <p:nvPicPr>
+          <p:cNvPr id="295" name="pasted-image.png"/>
+          <p:cNvPicPr>
+            <a:picLocks noChangeAspect="1"/>
+          </p:cNvPicPr>
+          <p:nvPr/>
+        </p:nvPicPr>
+        <p:blipFill>
+          <a:blip r:embed="rId3">
+            <a:extLst/>
+          </a:blip>
+          <a:srcRect l="0" t="0" r="41007" b="61961"/>
+          <a:stretch>
+            <a:fillRect/>
+          </a:stretch>
+        </p:blipFill>
+        <p:spPr>
+          <a:xfrm>
+            <a:off x="4802848" y="922403"/>
+            <a:ext cx="4989712" cy="1603839"/>
+          </a:xfrm>
+          <a:prstGeom prst="rect">
+            <a:avLst/>
+          </a:prstGeom>
+          <a:ln w="12700">
+            <a:miter lim="400000"/>
+          </a:ln>
+        </p:spPr>
+      </p:pic>
+      <p:pic>
+        <p:nvPicPr>
+          <p:cNvPr id="296" name="pasted-image.png"/>
+          <p:cNvPicPr>
+            <a:picLocks noChangeAspect="1"/>
+          </p:cNvPicPr>
+          <p:nvPr/>
+        </p:nvPicPr>
+        <p:blipFill>
+          <a:blip r:embed="rId3">
+            <a:extLst/>
+          </a:blip>
+          <a:srcRect l="58508" t="0" r="0" b="61961"/>
+          <a:stretch>
+            <a:fillRect/>
+          </a:stretch>
+        </p:blipFill>
+        <p:spPr>
+          <a:xfrm>
+            <a:off x="9878615" y="1049403"/>
+            <a:ext cx="3509434" cy="1603839"/>
+          </a:xfrm>
+          <a:prstGeom prst="rect">
+            <a:avLst/>
+          </a:prstGeom>
+          <a:ln w="12700">
+            <a:miter lim="400000"/>
+          </a:ln>
+        </p:spPr>
+      </p:pic>
+    </p:spTree>
+  </p:cSld>
+  <p:clrMapOvr>
+    <a:masterClrMapping/>
+  </p:clrMapOvr>
+  <p:transition xmlns:p14="http://schemas.microsoft.com/office/powerpoint/2010/main" spd="med" advClick="1"/>
+</p:sld>
+</file>
+
+<file path=ppt/slides/slide34.xml><?xml version="1.0" encoding="utf-8"?>
+<p:sld xmlns:a="http://schemas.openxmlformats.org/drawingml/2006/main" xmlns:r="http://schemas.openxmlformats.org/officeDocument/2006/relationships" xmlns:p="http://schemas.openxmlformats.org/presentationml/2006/main" showMasterSp="1" showMasterPhAnim="1">
+  <p:cSld>
+    <p:spTree>
+      <p:nvGrpSpPr>
+        <p:cNvPr id="1" name=""/>
+        <p:cNvGrpSpPr/>
+        <p:nvPr/>
+      </p:nvGrpSpPr>
+      <p:grpSpPr>
+        <a:xfrm>
+          <a:off x="0" y="0"/>
+          <a:ext cx="0" cy="0"/>
+          <a:chOff x="0" y="0"/>
+          <a:chExt cx="0" cy="0"/>
+        </a:xfrm>
+      </p:grpSpPr>
+      <p:pic>
+        <p:nvPicPr>
+          <p:cNvPr id="298" name="pasted-image.png"/>
+          <p:cNvPicPr>
+            <a:picLocks noChangeAspect="1"/>
+          </p:cNvPicPr>
+          <p:nvPr/>
+        </p:nvPicPr>
+        <p:blipFill>
+          <a:blip r:embed="rId2">
+            <a:extLst/>
+          </a:blip>
+          <a:stretch>
+            <a:fillRect/>
+          </a:stretch>
+        </p:blipFill>
+        <p:spPr>
+          <a:xfrm>
+            <a:off x="381000" y="715433"/>
+            <a:ext cx="8382000" cy="9067801"/>
+          </a:xfrm>
+          <a:prstGeom prst="rect">
+            <a:avLst/>
+          </a:prstGeom>
+          <a:ln w="12700">
+            <a:miter lim="400000"/>
+          </a:ln>
+        </p:spPr>
+      </p:pic>
+      <p:pic>
+        <p:nvPicPr>
+          <p:cNvPr id="299" name="pasted-image.png"/>
+          <p:cNvPicPr>
+            <a:picLocks noChangeAspect="1"/>
+          </p:cNvPicPr>
+          <p:nvPr/>
+        </p:nvPicPr>
+        <p:blipFill>
+          <a:blip r:embed="rId3">
+            <a:extLst/>
+          </a:blip>
+          <a:srcRect l="0" t="0" r="41007" b="61961"/>
+          <a:stretch>
+            <a:fillRect/>
+          </a:stretch>
+        </p:blipFill>
+        <p:spPr>
+          <a:xfrm>
+            <a:off x="4802848" y="922403"/>
+            <a:ext cx="4989712" cy="1603839"/>
+          </a:xfrm>
+          <a:prstGeom prst="rect">
+            <a:avLst/>
+          </a:prstGeom>
+          <a:ln w="12700">
+            <a:miter lim="400000"/>
+          </a:ln>
+        </p:spPr>
+      </p:pic>
+      <p:pic>
+        <p:nvPicPr>
+          <p:cNvPr id="300" name="pasted-image.png"/>
+          <p:cNvPicPr>
+            <a:picLocks noChangeAspect="1"/>
+          </p:cNvPicPr>
+          <p:nvPr/>
+        </p:nvPicPr>
+        <p:blipFill>
+          <a:blip r:embed="rId3">
+            <a:extLst/>
+          </a:blip>
+          <a:srcRect l="19908" t="63762" r="0" b="15254"/>
+          <a:stretch>
+            <a:fillRect/>
+          </a:stretch>
+        </p:blipFill>
+        <p:spPr>
+          <a:xfrm>
+            <a:off x="8086989" y="2846784"/>
+            <a:ext cx="6774260" cy="884701"/>
+          </a:xfrm>
+          <a:prstGeom prst="rect">
+            <a:avLst/>
+          </a:prstGeom>
+          <a:ln w="12700">
+            <a:miter lim="400000"/>
+          </a:ln>
+        </p:spPr>
+      </p:pic>
+      <p:pic>
+        <p:nvPicPr>
+          <p:cNvPr id="301" name="pasted-image.png"/>
+          <p:cNvPicPr>
+            <a:picLocks noChangeAspect="1"/>
+          </p:cNvPicPr>
+          <p:nvPr/>
+        </p:nvPicPr>
+        <p:blipFill>
+          <a:blip r:embed="rId3">
+            <a:extLst/>
+          </a:blip>
+          <a:srcRect l="18836" t="37154" r="59512" b="34957"/>
+          <a:stretch>
+            <a:fillRect/>
+          </a:stretch>
+        </p:blipFill>
+        <p:spPr>
+          <a:xfrm>
+            <a:off x="6383403" y="2726531"/>
+            <a:ext cx="1831248" cy="1175875"/>
+          </a:xfrm>
+          <a:prstGeom prst="rect">
+            <a:avLst/>
+          </a:prstGeom>
+          <a:ln w="12700">
+            <a:miter lim="400000"/>
+          </a:ln>
+        </p:spPr>
+      </p:pic>
+      <p:pic>
+        <p:nvPicPr>
+          <p:cNvPr id="302" name="pasted-image.png"/>
+          <p:cNvPicPr>
+            <a:picLocks noChangeAspect="1"/>
+          </p:cNvPicPr>
+          <p:nvPr/>
+        </p:nvPicPr>
+        <p:blipFill>
+          <a:blip r:embed="rId3">
+            <a:extLst/>
+          </a:blip>
+          <a:srcRect l="58508" t="0" r="0" b="61961"/>
+          <a:stretch>
+            <a:fillRect/>
+          </a:stretch>
+        </p:blipFill>
+        <p:spPr>
+          <a:xfrm>
+            <a:off x="9878615" y="1049403"/>
+            <a:ext cx="3509434" cy="1603839"/>
+          </a:xfrm>
+          <a:prstGeom prst="rect">
+            <a:avLst/>
+          </a:prstGeom>
+          <a:ln w="12700">
+            <a:miter lim="400000"/>
+          </a:ln>
+        </p:spPr>
+      </p:pic>
+    </p:spTree>
+  </p:cSld>
+  <p:clrMapOvr>
+    <a:masterClrMapping/>
+  </p:clrMapOvr>
+  <p:transition xmlns:p14="http://schemas.microsoft.com/office/powerpoint/2010/main" spd="med" advClick="1"/>
+</p:sld>
+</file>
+
+<file path=ppt/slides/slide35.xml><?xml version="1.0" encoding="utf-8"?>
+<p:sld xmlns:a="http://schemas.openxmlformats.org/drawingml/2006/main" xmlns:r="http://schemas.openxmlformats.org/officeDocument/2006/relationships" xmlns:p="http://schemas.openxmlformats.org/presentationml/2006/main" showMasterSp="1" showMasterPhAnim="1">
+  <p:cSld>
+    <p:spTree>
+      <p:nvGrpSpPr>
+        <p:cNvPr id="1" name=""/>
+        <p:cNvGrpSpPr/>
+        <p:nvPr/>
+      </p:nvGrpSpPr>
+      <p:grpSpPr>
+        <a:xfrm>
+          <a:off x="0" y="0"/>
+          <a:ext cx="0" cy="0"/>
+          <a:chOff x="0" y="0"/>
+          <a:chExt cx="0" cy="0"/>
+        </a:xfrm>
+      </p:grpSpPr>
       <p:sp>
         <p:nvSpPr>
-          <p:cNvPr id="285" name="Shape 285"/>
+          <p:cNvPr id="304" name="Shape 304"/>
           <p:cNvSpPr/>
           <p:nvPr>
             <p:ph type="title"/>
@@ -8937,8 +9190,8 @@
         </p:nvSpPr>
         <p:spPr>
           <a:xfrm>
-            <a:off x="2802101" y="4038600"/>
-            <a:ext cx="7400598" cy="4521200"/>
+            <a:off x="406400" y="1536700"/>
+            <a:ext cx="12192000" cy="1169261"/>
           </a:xfrm>
           <a:prstGeom prst="rect">
             <a:avLst/>
@@ -8946,11 +9199,600 @@
         </p:spPr>
         <p:txBody>
           <a:bodyPr/>
+          <a:lstStyle>
+            <a:lvl1pPr defTabSz="403097">
+              <a:spcBef>
+                <a:spcPts val="1900"/>
+              </a:spcBef>
+              <a:defRPr sz="8200"/>
+            </a:lvl1pPr>
+          </a:lstStyle>
+          <a:p>
+            <a:pPr/>
+            <a:r>
+              <a:t>Pros of Decision Trees</a:t>
+            </a:r>
+          </a:p>
+        </p:txBody>
+      </p:sp>
+      <p:sp>
+        <p:nvSpPr>
+          <p:cNvPr id="305" name="Shape 305"/>
+          <p:cNvSpPr/>
+          <p:nvPr>
+            <p:ph type="body" idx="1"/>
+          </p:nvPr>
+        </p:nvSpPr>
+        <p:spPr>
+          <a:xfrm>
+            <a:off x="406400" y="4538100"/>
+            <a:ext cx="12192000" cy="4732603"/>
+          </a:xfrm>
+          <a:prstGeom prst="rect">
+            <a:avLst/>
+          </a:prstGeom>
+        </p:spPr>
+        <p:txBody>
+          <a:bodyPr anchor="t"/>
           <a:lstStyle/>
           <a:p>
+            <a:pPr marL="550656" indent="-550656" defTabSz="455674">
+              <a:lnSpc>
+                <a:spcPct val="100000"/>
+              </a:lnSpc>
+              <a:spcBef>
+                <a:spcPts val="2100"/>
+              </a:spcBef>
+              <a:buSzPct val="40000"/>
+              <a:buBlip>
+                <a:blip r:embed="rId2"/>
+              </a:buBlip>
+              <a:defRPr cap="none" spc="0" sz="4900">
+                <a:latin typeface="Avenir Next Medium"/>
+                <a:ea typeface="Avenir Next Medium"/>
+                <a:cs typeface="Avenir Next Medium"/>
+                <a:sym typeface="Avenir Next Medium"/>
+              </a:defRPr>
+            </a:pPr>
+            <a:r>
+              <a:t>Transparent, interpretable by humans</a:t>
+            </a:r>
+          </a:p>
+          <a:p>
+            <a:pPr marL="550656" indent="-550656" defTabSz="455674">
+              <a:lnSpc>
+                <a:spcPct val="100000"/>
+              </a:lnSpc>
+              <a:spcBef>
+                <a:spcPts val="2100"/>
+              </a:spcBef>
+              <a:buSzPct val="40000"/>
+              <a:buBlip>
+                <a:blip r:embed="rId2"/>
+              </a:buBlip>
+              <a:defRPr cap="none" spc="0" sz="4900">
+                <a:latin typeface="Avenir Next Medium"/>
+                <a:ea typeface="Avenir Next Medium"/>
+                <a:cs typeface="Avenir Next Medium"/>
+                <a:sym typeface="Avenir Next Medium"/>
+              </a:defRPr>
+            </a:pPr>
+            <a:r>
+              <a:t>Inputs can be categorical or numeric</a:t>
+            </a:r>
+          </a:p>
+          <a:p>
+            <a:pPr marL="550656" indent="-550656" defTabSz="455674">
+              <a:lnSpc>
+                <a:spcPct val="100000"/>
+              </a:lnSpc>
+              <a:spcBef>
+                <a:spcPts val="2100"/>
+              </a:spcBef>
+              <a:buSzPct val="40000"/>
+              <a:buBlip>
+                <a:blip r:embed="rId2"/>
+              </a:buBlip>
+              <a:defRPr cap="none" spc="0" sz="4900">
+                <a:latin typeface="Avenir Next Medium"/>
+                <a:ea typeface="Avenir Next Medium"/>
+                <a:cs typeface="Avenir Next Medium"/>
+                <a:sym typeface="Avenir Next Medium"/>
+              </a:defRPr>
+            </a:pPr>
+            <a:r>
+              <a:t>Can do regression or classification</a:t>
+            </a:r>
+          </a:p>
+        </p:txBody>
+      </p:sp>
+    </p:spTree>
+  </p:cSld>
+  <p:clrMapOvr>
+    <a:masterClrMapping/>
+  </p:clrMapOvr>
+  <p:transition xmlns:p14="http://schemas.microsoft.com/office/powerpoint/2010/main" spd="med" advClick="1"/>
+</p:sld>
+</file>
+
+<file path=ppt/slides/slide36.xml><?xml version="1.0" encoding="utf-8"?>
+<p:sld xmlns:a="http://schemas.openxmlformats.org/drawingml/2006/main" xmlns:r="http://schemas.openxmlformats.org/officeDocument/2006/relationships" xmlns:p="http://schemas.openxmlformats.org/presentationml/2006/main" showMasterSp="1" showMasterPhAnim="1">
+  <p:cSld>
+    <p:spTree>
+      <p:nvGrpSpPr>
+        <p:cNvPr id="1" name=""/>
+        <p:cNvGrpSpPr/>
+        <p:nvPr/>
+      </p:nvGrpSpPr>
+      <p:grpSpPr>
+        <a:xfrm>
+          <a:off x="0" y="0"/>
+          <a:ext cx="0" cy="0"/>
+          <a:chOff x="0" y="0"/>
+          <a:chExt cx="0" cy="0"/>
+        </a:xfrm>
+      </p:grpSpPr>
+      <p:sp>
+        <p:nvSpPr>
+          <p:cNvPr id="307" name="Shape 307"/>
+          <p:cNvSpPr/>
+          <p:nvPr>
+            <p:ph type="title"/>
+          </p:nvPr>
+        </p:nvSpPr>
+        <p:spPr>
+          <a:xfrm>
+            <a:off x="406400" y="1536700"/>
+            <a:ext cx="12192000" cy="1169261"/>
+          </a:xfrm>
+          <a:prstGeom prst="rect">
+            <a:avLst/>
+          </a:prstGeom>
+        </p:spPr>
+        <p:txBody>
+          <a:bodyPr/>
+          <a:lstStyle>
+            <a:lvl1pPr defTabSz="403097">
+              <a:spcBef>
+                <a:spcPts val="1900"/>
+              </a:spcBef>
+              <a:defRPr sz="8200"/>
+            </a:lvl1pPr>
+          </a:lstStyle>
+          <a:p>
             <a:pPr/>
             <a:r>
-              <a:t>Exercises</a:t>
+              <a:t>Pros of Decision Trees</a:t>
+            </a:r>
+          </a:p>
+        </p:txBody>
+      </p:sp>
+      <p:sp>
+        <p:nvSpPr>
+          <p:cNvPr id="308" name="Shape 308"/>
+          <p:cNvSpPr/>
+          <p:nvPr>
+            <p:ph type="body" idx="1"/>
+          </p:nvPr>
+        </p:nvSpPr>
+        <p:spPr>
+          <a:xfrm>
+            <a:off x="406400" y="4538100"/>
+            <a:ext cx="12192000" cy="4732603"/>
+          </a:xfrm>
+          <a:prstGeom prst="rect">
+            <a:avLst/>
+          </a:prstGeom>
+        </p:spPr>
+        <p:txBody>
+          <a:bodyPr anchor="t"/>
+          <a:lstStyle/>
+          <a:p>
+            <a:pPr marL="550656" indent="-550656" defTabSz="455674">
+              <a:lnSpc>
+                <a:spcPct val="100000"/>
+              </a:lnSpc>
+              <a:spcBef>
+                <a:spcPts val="2100"/>
+              </a:spcBef>
+              <a:buSzPct val="40000"/>
+              <a:buBlip>
+                <a:blip r:embed="rId2"/>
+              </a:buBlip>
+              <a:defRPr cap="none" spc="0" sz="4900">
+                <a:latin typeface="Avenir Next Medium"/>
+                <a:ea typeface="Avenir Next Medium"/>
+                <a:cs typeface="Avenir Next Medium"/>
+                <a:sym typeface="Avenir Next Medium"/>
+              </a:defRPr>
+            </a:pPr>
+            <a:r>
+              <a:t>Transparent, interpretable by humans</a:t>
+            </a:r>
+          </a:p>
+          <a:p>
+            <a:pPr marL="550656" indent="-550656" defTabSz="455674">
+              <a:lnSpc>
+                <a:spcPct val="100000"/>
+              </a:lnSpc>
+              <a:spcBef>
+                <a:spcPts val="2100"/>
+              </a:spcBef>
+              <a:buSzPct val="40000"/>
+              <a:buBlip>
+                <a:blip r:embed="rId2"/>
+              </a:buBlip>
+              <a:defRPr cap="none" spc="0" sz="4900">
+                <a:latin typeface="Avenir Next Medium"/>
+                <a:ea typeface="Avenir Next Medium"/>
+                <a:cs typeface="Avenir Next Medium"/>
+                <a:sym typeface="Avenir Next Medium"/>
+              </a:defRPr>
+            </a:pPr>
+            <a:r>
+              <a:t>Inputs can be categorical or numeric</a:t>
+            </a:r>
+          </a:p>
+          <a:p>
+            <a:pPr marL="550656" indent="-550656" defTabSz="455674">
+              <a:lnSpc>
+                <a:spcPct val="100000"/>
+              </a:lnSpc>
+              <a:spcBef>
+                <a:spcPts val="2100"/>
+              </a:spcBef>
+              <a:buSzPct val="40000"/>
+              <a:buBlip>
+                <a:blip r:embed="rId2"/>
+              </a:buBlip>
+              <a:defRPr cap="none" spc="0" sz="4900">
+                <a:latin typeface="Avenir Next Medium"/>
+                <a:ea typeface="Avenir Next Medium"/>
+                <a:cs typeface="Avenir Next Medium"/>
+                <a:sym typeface="Avenir Next Medium"/>
+              </a:defRPr>
+            </a:pPr>
+            <a:r>
+              <a:t>Can do regression or classification</a:t>
+            </a:r>
+          </a:p>
+        </p:txBody>
+      </p:sp>
+    </p:spTree>
+  </p:cSld>
+  <p:clrMapOvr>
+    <a:masterClrMapping/>
+  </p:clrMapOvr>
+  <p:transition xmlns:p14="http://schemas.microsoft.com/office/powerpoint/2010/main" spd="med" advClick="1"/>
+</p:sld>
+</file>
+
+<file path=ppt/slides/slide37.xml><?xml version="1.0" encoding="utf-8"?>
+<p:sld xmlns:a="http://schemas.openxmlformats.org/drawingml/2006/main" xmlns:r="http://schemas.openxmlformats.org/officeDocument/2006/relationships" xmlns:p="http://schemas.openxmlformats.org/presentationml/2006/main" showMasterSp="1" showMasterPhAnim="1">
+  <p:cSld>
+    <p:spTree>
+      <p:nvGrpSpPr>
+        <p:cNvPr id="1" name=""/>
+        <p:cNvGrpSpPr/>
+        <p:nvPr/>
+      </p:nvGrpSpPr>
+      <p:grpSpPr>
+        <a:xfrm>
+          <a:off x="0" y="0"/>
+          <a:ext cx="0" cy="0"/>
+          <a:chOff x="0" y="0"/>
+          <a:chExt cx="0" cy="0"/>
+        </a:xfrm>
+      </p:grpSpPr>
+      <p:sp>
+        <p:nvSpPr>
+          <p:cNvPr id="310" name="Shape 310"/>
+          <p:cNvSpPr/>
+          <p:nvPr>
+            <p:ph type="title"/>
+          </p:nvPr>
+        </p:nvSpPr>
+        <p:spPr>
+          <a:xfrm>
+            <a:off x="406400" y="1536700"/>
+            <a:ext cx="12192000" cy="1169261"/>
+          </a:xfrm>
+          <a:prstGeom prst="rect">
+            <a:avLst/>
+          </a:prstGeom>
+        </p:spPr>
+        <p:txBody>
+          <a:bodyPr/>
+          <a:lstStyle>
+            <a:lvl1pPr defTabSz="403097">
+              <a:spcBef>
+                <a:spcPts val="1900"/>
+              </a:spcBef>
+              <a:defRPr sz="8200"/>
+            </a:lvl1pPr>
+          </a:lstStyle>
+          <a:p>
+            <a:pPr/>
+            <a:r>
+              <a:t>Cons of Decision Trees</a:t>
+            </a:r>
+          </a:p>
+        </p:txBody>
+      </p:sp>
+      <p:sp>
+        <p:nvSpPr>
+          <p:cNvPr id="311" name="Shape 311"/>
+          <p:cNvSpPr/>
+          <p:nvPr>
+            <p:ph type="body" sz="half" idx="1"/>
+          </p:nvPr>
+        </p:nvSpPr>
+        <p:spPr>
+          <a:xfrm>
+            <a:off x="406400" y="4538100"/>
+            <a:ext cx="12192000" cy="3759466"/>
+          </a:xfrm>
+          <a:prstGeom prst="rect">
+            <a:avLst/>
+          </a:prstGeom>
+        </p:spPr>
+        <p:txBody>
+          <a:bodyPr anchor="t"/>
+          <a:lstStyle/>
+          <a:p>
+            <a:pPr marL="550656" indent="-550656" defTabSz="455674">
+              <a:lnSpc>
+                <a:spcPct val="100000"/>
+              </a:lnSpc>
+              <a:spcBef>
+                <a:spcPts val="2100"/>
+              </a:spcBef>
+              <a:buSzPct val="40000"/>
+              <a:buBlip>
+                <a:blip r:embed="rId2"/>
+              </a:buBlip>
+              <a:defRPr cap="none" spc="0" sz="4900">
+                <a:latin typeface="Avenir Next Medium"/>
+                <a:ea typeface="Avenir Next Medium"/>
+                <a:cs typeface="Avenir Next Medium"/>
+                <a:sym typeface="Avenir Next Medium"/>
+              </a:defRPr>
+            </a:pPr>
+            <a:r>
+              <a:t>High variance. Unstable even with small changes in training set.</a:t>
+            </a:r>
+          </a:p>
+          <a:p>
+            <a:pPr marL="550656" indent="-550656" defTabSz="455674">
+              <a:lnSpc>
+                <a:spcPct val="100000"/>
+              </a:lnSpc>
+              <a:spcBef>
+                <a:spcPts val="2100"/>
+              </a:spcBef>
+              <a:buSzPct val="40000"/>
+              <a:buBlip>
+                <a:blip r:embed="rId2"/>
+              </a:buBlip>
+              <a:defRPr cap="none" spc="0" sz="4900">
+                <a:latin typeface="Avenir Next Medium"/>
+                <a:ea typeface="Avenir Next Medium"/>
+                <a:cs typeface="Avenir Next Medium"/>
+                <a:sym typeface="Avenir Next Medium"/>
+              </a:defRPr>
+            </a:pPr>
+            <a:r>
+              <a:t>Each order is called a “statement”</a:t>
+            </a:r>
+          </a:p>
+        </p:txBody>
+      </p:sp>
+    </p:spTree>
+  </p:cSld>
+  <p:clrMapOvr>
+    <a:masterClrMapping/>
+  </p:clrMapOvr>
+  <p:transition xmlns:p14="http://schemas.microsoft.com/office/powerpoint/2010/main" spd="med" advClick="1"/>
+</p:sld>
+</file>
+
+<file path=ppt/slides/slide38.xml><?xml version="1.0" encoding="utf-8"?>
+<p:sld xmlns:a="http://schemas.openxmlformats.org/drawingml/2006/main" xmlns:r="http://schemas.openxmlformats.org/officeDocument/2006/relationships" xmlns:p="http://schemas.openxmlformats.org/presentationml/2006/main" showMasterSp="1" showMasterPhAnim="1">
+  <p:cSld>
+    <p:spTree>
+      <p:nvGrpSpPr>
+        <p:cNvPr id="1" name=""/>
+        <p:cNvGrpSpPr/>
+        <p:nvPr/>
+      </p:nvGrpSpPr>
+      <p:grpSpPr>
+        <a:xfrm>
+          <a:off x="0" y="0"/>
+          <a:ext cx="0" cy="0"/>
+          <a:chOff x="0" y="0"/>
+          <a:chExt cx="0" cy="0"/>
+        </a:xfrm>
+      </p:grpSpPr>
+      <p:sp>
+        <p:nvSpPr>
+          <p:cNvPr id="313" name="Shape 313"/>
+          <p:cNvSpPr/>
+          <p:nvPr>
+            <p:ph type="title"/>
+          </p:nvPr>
+        </p:nvSpPr>
+        <p:spPr>
+          <a:xfrm>
+            <a:off x="905970" y="4058406"/>
+            <a:ext cx="11501959" cy="3602708"/>
+          </a:xfrm>
+          <a:prstGeom prst="rect">
+            <a:avLst/>
+          </a:prstGeom>
+        </p:spPr>
+        <p:txBody>
+          <a:bodyPr/>
+          <a:lstStyle>
+            <a:lvl1pPr defTabSz="473201">
+              <a:defRPr sz="13770"/>
+            </a:lvl1pPr>
+          </a:lstStyle>
+          <a:p>
+            <a:pPr/>
+            <a:r>
+              <a:t>Ensemble Methods</a:t>
+            </a:r>
+          </a:p>
+        </p:txBody>
+      </p:sp>
+    </p:spTree>
+  </p:cSld>
+  <p:clrMapOvr>
+    <a:masterClrMapping/>
+  </p:clrMapOvr>
+  <p:transition xmlns:p14="http://schemas.microsoft.com/office/powerpoint/2010/main" spd="med" advClick="1"/>
+</p:sld>
+</file>
+
+<file path=ppt/slides/slide39.xml><?xml version="1.0" encoding="utf-8"?>
+<p:sld xmlns:a="http://schemas.openxmlformats.org/drawingml/2006/main" xmlns:r="http://schemas.openxmlformats.org/officeDocument/2006/relationships" xmlns:p="http://schemas.openxmlformats.org/presentationml/2006/main" showMasterSp="1" showMasterPhAnim="1">
+  <p:cSld>
+    <p:spTree>
+      <p:nvGrpSpPr>
+        <p:cNvPr id="1" name=""/>
+        <p:cNvGrpSpPr/>
+        <p:nvPr/>
+      </p:nvGrpSpPr>
+      <p:grpSpPr>
+        <a:xfrm>
+          <a:off x="0" y="0"/>
+          <a:ext cx="0" cy="0"/>
+          <a:chOff x="0" y="0"/>
+          <a:chExt cx="0" cy="0"/>
+        </a:xfrm>
+      </p:grpSpPr>
+      <p:sp>
+        <p:nvSpPr>
+          <p:cNvPr id="315" name="Shape 315"/>
+          <p:cNvSpPr/>
+          <p:nvPr>
+            <p:ph type="title"/>
+          </p:nvPr>
+        </p:nvSpPr>
+        <p:spPr>
+          <a:xfrm>
+            <a:off x="406400" y="1536700"/>
+            <a:ext cx="12192000" cy="1169261"/>
+          </a:xfrm>
+          <a:prstGeom prst="rect">
+            <a:avLst/>
+          </a:prstGeom>
+        </p:spPr>
+        <p:txBody>
+          <a:bodyPr/>
+          <a:lstStyle>
+            <a:lvl1pPr defTabSz="403097">
+              <a:spcBef>
+                <a:spcPts val="1900"/>
+              </a:spcBef>
+              <a:defRPr sz="8200"/>
+            </a:lvl1pPr>
+          </a:lstStyle>
+          <a:p>
+            <a:pPr/>
+            <a:r>
+              <a:t>Ensemble methods</a:t>
+            </a:r>
+          </a:p>
+        </p:txBody>
+      </p:sp>
+      <p:sp>
+        <p:nvSpPr>
+          <p:cNvPr id="316" name="Shape 316"/>
+          <p:cNvSpPr/>
+          <p:nvPr>
+            <p:ph type="body" idx="1"/>
+          </p:nvPr>
+        </p:nvSpPr>
+        <p:spPr>
+          <a:xfrm>
+            <a:off x="406400" y="3691433"/>
+            <a:ext cx="12192000" cy="4732604"/>
+          </a:xfrm>
+          <a:prstGeom prst="rect">
+            <a:avLst/>
+          </a:prstGeom>
+        </p:spPr>
+        <p:txBody>
+          <a:bodyPr anchor="t"/>
+          <a:lstStyle/>
+          <a:p>
+            <a:pPr marL="550656" indent="-550656" defTabSz="455674">
+              <a:lnSpc>
+                <a:spcPct val="100000"/>
+              </a:lnSpc>
+              <a:spcBef>
+                <a:spcPts val="2100"/>
+              </a:spcBef>
+              <a:buSzPct val="40000"/>
+              <a:buBlip>
+                <a:blip r:embed="rId2"/>
+              </a:buBlip>
+              <a:defRPr cap="none" spc="0" sz="4900">
+                <a:latin typeface="Avenir Next Medium"/>
+                <a:ea typeface="Avenir Next Medium"/>
+                <a:cs typeface="Avenir Next Medium"/>
+                <a:sym typeface="Avenir Next Medium"/>
+              </a:defRPr>
+            </a:pPr>
+            <a:r>
+              <a:t>Combining multiple models </a:t>
+            </a:r>
+          </a:p>
+          <a:p>
+            <a:pPr marL="550656" indent="-550656" defTabSz="455674">
+              <a:lnSpc>
+                <a:spcPct val="100000"/>
+              </a:lnSpc>
+              <a:spcBef>
+                <a:spcPts val="2100"/>
+              </a:spcBef>
+              <a:buSzPct val="40000"/>
+              <a:buBlip>
+                <a:blip r:embed="rId2"/>
+              </a:buBlip>
+              <a:defRPr cap="none" spc="0" sz="4900">
+                <a:latin typeface="Avenir Next Medium"/>
+                <a:ea typeface="Avenir Next Medium"/>
+                <a:cs typeface="Avenir Next Medium"/>
+                <a:sym typeface="Avenir Next Medium"/>
+              </a:defRPr>
+            </a:pPr>
+            <a:r>
+              <a:t>Akin to “Wisdom of the Crowds”</a:t>
+            </a:r>
+          </a:p>
+          <a:p>
+            <a:pPr marL="550656" indent="-550656" defTabSz="455674">
+              <a:lnSpc>
+                <a:spcPct val="100000"/>
+              </a:lnSpc>
+              <a:spcBef>
+                <a:spcPts val="2100"/>
+              </a:spcBef>
+              <a:buSzPct val="40000"/>
+              <a:buBlip>
+                <a:blip r:embed="rId2"/>
+              </a:buBlip>
+              <a:defRPr cap="none" spc="0" sz="4900">
+                <a:latin typeface="Avenir Next Medium"/>
+                <a:ea typeface="Avenir Next Medium"/>
+                <a:cs typeface="Avenir Next Medium"/>
+                <a:sym typeface="Avenir Next Medium"/>
+              </a:defRPr>
+            </a:pPr>
+            <a:r>
+              <a:t>Models can focus on different parts of the data</a:t>
             </a:r>
           </a:p>
         </p:txBody>
@@ -9104,6 +9946,780 @@
             </a:r>
             <a:r>
               <a:t>+ … + 1</a:t>
+            </a:r>
+          </a:p>
+        </p:txBody>
+      </p:sp>
+    </p:spTree>
+  </p:cSld>
+  <p:clrMapOvr>
+    <a:masterClrMapping/>
+  </p:clrMapOvr>
+  <p:transition xmlns:p14="http://schemas.microsoft.com/office/powerpoint/2010/main" spd="med" advClick="1"/>
+</p:sld>
+</file>
+
+<file path=ppt/slides/slide40.xml><?xml version="1.0" encoding="utf-8"?>
+<p:sld xmlns:a="http://schemas.openxmlformats.org/drawingml/2006/main" xmlns:r="http://schemas.openxmlformats.org/officeDocument/2006/relationships" xmlns:p="http://schemas.openxmlformats.org/presentationml/2006/main" showMasterSp="1" showMasterPhAnim="1">
+  <p:cSld>
+    <p:spTree>
+      <p:nvGrpSpPr>
+        <p:cNvPr id="1" name=""/>
+        <p:cNvGrpSpPr/>
+        <p:nvPr/>
+      </p:nvGrpSpPr>
+      <p:grpSpPr>
+        <a:xfrm>
+          <a:off x="0" y="0"/>
+          <a:ext cx="0" cy="0"/>
+          <a:chOff x="0" y="0"/>
+          <a:chExt cx="0" cy="0"/>
+        </a:xfrm>
+      </p:grpSpPr>
+      <p:sp>
+        <p:nvSpPr>
+          <p:cNvPr id="318" name="Shape 318"/>
+          <p:cNvSpPr/>
+          <p:nvPr>
+            <p:ph type="title"/>
+          </p:nvPr>
+        </p:nvSpPr>
+        <p:spPr>
+          <a:xfrm>
+            <a:off x="406400" y="1536700"/>
+            <a:ext cx="12192000" cy="1169261"/>
+          </a:xfrm>
+          <a:prstGeom prst="rect">
+            <a:avLst/>
+          </a:prstGeom>
+        </p:spPr>
+        <p:txBody>
+          <a:bodyPr/>
+          <a:lstStyle>
+            <a:lvl1pPr defTabSz="403097">
+              <a:spcBef>
+                <a:spcPts val="1900"/>
+              </a:spcBef>
+              <a:defRPr sz="8200"/>
+            </a:lvl1pPr>
+          </a:lstStyle>
+          <a:p>
+            <a:pPr/>
+            <a:r>
+              <a:t>Bagging</a:t>
+            </a:r>
+          </a:p>
+        </p:txBody>
+      </p:sp>
+      <p:sp>
+        <p:nvSpPr>
+          <p:cNvPr id="319" name="Shape 319"/>
+          <p:cNvSpPr/>
+          <p:nvPr>
+            <p:ph type="body" idx="1"/>
+          </p:nvPr>
+        </p:nvSpPr>
+        <p:spPr>
+          <a:xfrm>
+            <a:off x="406400" y="3691433"/>
+            <a:ext cx="12192000" cy="4732604"/>
+          </a:xfrm>
+          <a:prstGeom prst="rect">
+            <a:avLst/>
+          </a:prstGeom>
+        </p:spPr>
+        <p:txBody>
+          <a:bodyPr anchor="t"/>
+          <a:lstStyle/>
+          <a:p>
+            <a:pPr marL="550656" indent="-550656" defTabSz="455674">
+              <a:lnSpc>
+                <a:spcPct val="100000"/>
+              </a:lnSpc>
+              <a:spcBef>
+                <a:spcPts val="2100"/>
+              </a:spcBef>
+              <a:buSzPct val="40000"/>
+              <a:buBlip>
+                <a:blip r:embed="rId2"/>
+              </a:buBlip>
+              <a:defRPr cap="none" spc="0" sz="4900">
+                <a:latin typeface="Avenir Next Medium"/>
+                <a:ea typeface="Avenir Next Medium"/>
+                <a:cs typeface="Avenir Next Medium"/>
+                <a:sym typeface="Avenir Next Medium"/>
+              </a:defRPr>
+            </a:pPr>
+            <a:r>
+              <a:t>Short for bootstrap aggregating</a:t>
+            </a:r>
+          </a:p>
+          <a:p>
+            <a:pPr marL="550656" indent="-550656" defTabSz="455674">
+              <a:lnSpc>
+                <a:spcPct val="100000"/>
+              </a:lnSpc>
+              <a:spcBef>
+                <a:spcPts val="2100"/>
+              </a:spcBef>
+              <a:buSzPct val="40000"/>
+              <a:buBlip>
+                <a:blip r:embed="rId2"/>
+              </a:buBlip>
+              <a:defRPr cap="none" spc="0" sz="4900">
+                <a:latin typeface="Avenir Next Medium"/>
+                <a:ea typeface="Avenir Next Medium"/>
+                <a:cs typeface="Avenir Next Medium"/>
+                <a:sym typeface="Avenir Next Medium"/>
+              </a:defRPr>
+            </a:pPr>
+            <a:r>
+              <a:t>Models are trained on random subsets of the data</a:t>
+            </a:r>
+          </a:p>
+        </p:txBody>
+      </p:sp>
+    </p:spTree>
+  </p:cSld>
+  <p:clrMapOvr>
+    <a:masterClrMapping/>
+  </p:clrMapOvr>
+  <p:transition xmlns:p14="http://schemas.microsoft.com/office/powerpoint/2010/main" spd="med" advClick="1"/>
+</p:sld>
+</file>
+
+<file path=ppt/slides/slide41.xml><?xml version="1.0" encoding="utf-8"?>
+<p:sld xmlns:a="http://schemas.openxmlformats.org/drawingml/2006/main" xmlns:r="http://schemas.openxmlformats.org/officeDocument/2006/relationships" xmlns:p="http://schemas.openxmlformats.org/presentationml/2006/main" showMasterSp="1" showMasterPhAnim="1">
+  <p:cSld>
+    <p:spTree>
+      <p:nvGrpSpPr>
+        <p:cNvPr id="1" name=""/>
+        <p:cNvGrpSpPr/>
+        <p:nvPr/>
+      </p:nvGrpSpPr>
+      <p:grpSpPr>
+        <a:xfrm>
+          <a:off x="0" y="0"/>
+          <a:ext cx="0" cy="0"/>
+          <a:chOff x="0" y="0"/>
+          <a:chExt cx="0" cy="0"/>
+        </a:xfrm>
+      </p:grpSpPr>
+      <p:sp>
+        <p:nvSpPr>
+          <p:cNvPr id="321" name="Shape 321"/>
+          <p:cNvSpPr/>
+          <p:nvPr>
+            <p:ph type="subTitle" sz="quarter" idx="1"/>
+          </p:nvPr>
+        </p:nvSpPr>
+        <p:spPr>
+          <a:prstGeom prst="rect">
+            <a:avLst/>
+          </a:prstGeom>
+        </p:spPr>
+        <p:txBody>
+          <a:bodyPr/>
+          <a:lstStyle/>
+          <a:p>
+            <a:pPr/>
+          </a:p>
+        </p:txBody>
+      </p:sp>
+      <p:pic>
+        <p:nvPicPr>
+          <p:cNvPr id="322" name="pasted-image.png"/>
+          <p:cNvPicPr>
+            <a:picLocks noChangeAspect="1"/>
+          </p:cNvPicPr>
+          <p:nvPr/>
+        </p:nvPicPr>
+        <p:blipFill>
+          <a:blip r:embed="rId2">
+            <a:extLst/>
+          </a:blip>
+          <a:stretch>
+            <a:fillRect/>
+          </a:stretch>
+        </p:blipFill>
+        <p:spPr>
+          <a:xfrm>
+            <a:off x="88900" y="1257300"/>
+            <a:ext cx="12827000" cy="7239000"/>
+          </a:xfrm>
+          <a:prstGeom prst="rect">
+            <a:avLst/>
+          </a:prstGeom>
+          <a:ln w="12700">
+            <a:miter lim="400000"/>
+          </a:ln>
+        </p:spPr>
+      </p:pic>
+    </p:spTree>
+  </p:cSld>
+  <p:clrMapOvr>
+    <a:masterClrMapping/>
+  </p:clrMapOvr>
+  <p:transition xmlns:p14="http://schemas.microsoft.com/office/powerpoint/2010/main" spd="med" advClick="1"/>
+</p:sld>
+</file>
+
+<file path=ppt/slides/slide42.xml><?xml version="1.0" encoding="utf-8"?>
+<p:sld xmlns:a="http://schemas.openxmlformats.org/drawingml/2006/main" xmlns:r="http://schemas.openxmlformats.org/officeDocument/2006/relationships" xmlns:p="http://schemas.openxmlformats.org/presentationml/2006/main" showMasterSp="1" showMasterPhAnim="1">
+  <p:cSld>
+    <p:spTree>
+      <p:nvGrpSpPr>
+        <p:cNvPr id="1" name=""/>
+        <p:cNvGrpSpPr/>
+        <p:nvPr/>
+      </p:nvGrpSpPr>
+      <p:grpSpPr>
+        <a:xfrm>
+          <a:off x="0" y="0"/>
+          <a:ext cx="0" cy="0"/>
+          <a:chOff x="0" y="0"/>
+          <a:chExt cx="0" cy="0"/>
+        </a:xfrm>
+      </p:grpSpPr>
+      <p:sp>
+        <p:nvSpPr>
+          <p:cNvPr id="324" name="Shape 324"/>
+          <p:cNvSpPr/>
+          <p:nvPr>
+            <p:ph type="title"/>
+          </p:nvPr>
+        </p:nvSpPr>
+        <p:spPr>
+          <a:xfrm>
+            <a:off x="406400" y="1536700"/>
+            <a:ext cx="12192000" cy="1169261"/>
+          </a:xfrm>
+          <a:prstGeom prst="rect">
+            <a:avLst/>
+          </a:prstGeom>
+        </p:spPr>
+        <p:txBody>
+          <a:bodyPr/>
+          <a:lstStyle>
+            <a:lvl1pPr defTabSz="403097">
+              <a:spcBef>
+                <a:spcPts val="1900"/>
+              </a:spcBef>
+              <a:defRPr sz="8200"/>
+            </a:lvl1pPr>
+          </a:lstStyle>
+          <a:p>
+            <a:pPr/>
+            <a:r>
+              <a:t>Bagging: Final Step</a:t>
+            </a:r>
+          </a:p>
+        </p:txBody>
+      </p:sp>
+      <p:sp>
+        <p:nvSpPr>
+          <p:cNvPr id="325" name="Shape 325"/>
+          <p:cNvSpPr/>
+          <p:nvPr>
+            <p:ph type="body" idx="1"/>
+          </p:nvPr>
+        </p:nvSpPr>
+        <p:spPr>
+          <a:xfrm>
+            <a:off x="406400" y="3691433"/>
+            <a:ext cx="12192000" cy="4732604"/>
+          </a:xfrm>
+          <a:prstGeom prst="rect">
+            <a:avLst/>
+          </a:prstGeom>
+        </p:spPr>
+        <p:txBody>
+          <a:bodyPr anchor="t"/>
+          <a:lstStyle/>
+          <a:p>
+            <a:pPr marL="550656" indent="-550656" defTabSz="455674">
+              <a:lnSpc>
+                <a:spcPct val="100000"/>
+              </a:lnSpc>
+              <a:spcBef>
+                <a:spcPts val="2100"/>
+              </a:spcBef>
+              <a:buSzPct val="40000"/>
+              <a:buBlip>
+                <a:blip r:embed="rId2"/>
+              </a:buBlip>
+              <a:defRPr cap="none" spc="0" sz="4900">
+                <a:latin typeface="Avenir Next Medium"/>
+                <a:ea typeface="Avenir Next Medium"/>
+                <a:cs typeface="Avenir Next Medium"/>
+                <a:sym typeface="Avenir Next Medium"/>
+              </a:defRPr>
+            </a:pPr>
+            <a:r>
+              <a:t>Classification: Majority vote</a:t>
+            </a:r>
+          </a:p>
+          <a:p>
+            <a:pPr marL="550656" indent="-550656" defTabSz="455674">
+              <a:lnSpc>
+                <a:spcPct val="100000"/>
+              </a:lnSpc>
+              <a:spcBef>
+                <a:spcPts val="2100"/>
+              </a:spcBef>
+              <a:buSzPct val="40000"/>
+              <a:buBlip>
+                <a:blip r:embed="rId2"/>
+              </a:buBlip>
+              <a:defRPr cap="none" spc="0" sz="4900">
+                <a:latin typeface="Avenir Next Medium"/>
+                <a:ea typeface="Avenir Next Medium"/>
+                <a:cs typeface="Avenir Next Medium"/>
+                <a:sym typeface="Avenir Next Medium"/>
+              </a:defRPr>
+            </a:pPr>
+            <a:r>
+              <a:t>Regression: Average the outputs</a:t>
+            </a:r>
+          </a:p>
+        </p:txBody>
+      </p:sp>
+    </p:spTree>
+  </p:cSld>
+  <p:clrMapOvr>
+    <a:masterClrMapping/>
+  </p:clrMapOvr>
+  <p:transition xmlns:p14="http://schemas.microsoft.com/office/powerpoint/2010/main" spd="med" advClick="1"/>
+</p:sld>
+</file>
+
+<file path=ppt/slides/slide43.xml><?xml version="1.0" encoding="utf-8"?>
+<p:sld xmlns:a="http://schemas.openxmlformats.org/drawingml/2006/main" xmlns:r="http://schemas.openxmlformats.org/officeDocument/2006/relationships" xmlns:p="http://schemas.openxmlformats.org/presentationml/2006/main" showMasterSp="1" showMasterPhAnim="1">
+  <p:cSld>
+    <p:spTree>
+      <p:nvGrpSpPr>
+        <p:cNvPr id="1" name=""/>
+        <p:cNvGrpSpPr/>
+        <p:nvPr/>
+      </p:nvGrpSpPr>
+      <p:grpSpPr>
+        <a:xfrm>
+          <a:off x="0" y="0"/>
+          <a:ext cx="0" cy="0"/>
+          <a:chOff x="0" y="0"/>
+          <a:chExt cx="0" cy="0"/>
+        </a:xfrm>
+      </p:grpSpPr>
+      <p:sp>
+        <p:nvSpPr>
+          <p:cNvPr id="327" name="Shape 327"/>
+          <p:cNvSpPr/>
+          <p:nvPr>
+            <p:ph type="title"/>
+          </p:nvPr>
+        </p:nvSpPr>
+        <p:spPr>
+          <a:xfrm>
+            <a:off x="406400" y="1536700"/>
+            <a:ext cx="12192000" cy="1169261"/>
+          </a:xfrm>
+          <a:prstGeom prst="rect">
+            <a:avLst/>
+          </a:prstGeom>
+        </p:spPr>
+        <p:txBody>
+          <a:bodyPr/>
+          <a:lstStyle>
+            <a:lvl1pPr defTabSz="403097">
+              <a:spcBef>
+                <a:spcPts val="1900"/>
+              </a:spcBef>
+              <a:defRPr sz="8200"/>
+            </a:lvl1pPr>
+          </a:lstStyle>
+          <a:p>
+            <a:pPr/>
+            <a:r>
+              <a:t>Random Forest</a:t>
+            </a:r>
+          </a:p>
+        </p:txBody>
+      </p:sp>
+      <p:sp>
+        <p:nvSpPr>
+          <p:cNvPr id="328" name="Shape 328"/>
+          <p:cNvSpPr/>
+          <p:nvPr>
+            <p:ph type="body" idx="1"/>
+          </p:nvPr>
+        </p:nvSpPr>
+        <p:spPr>
+          <a:xfrm>
+            <a:off x="406400" y="3953767"/>
+            <a:ext cx="12192000" cy="4291213"/>
+          </a:xfrm>
+          <a:prstGeom prst="rect">
+            <a:avLst/>
+          </a:prstGeom>
+        </p:spPr>
+        <p:txBody>
+          <a:bodyPr anchor="t"/>
+          <a:lstStyle/>
+          <a:p>
+            <a:pPr marL="546420" indent="-546420" defTabSz="452170">
+              <a:lnSpc>
+                <a:spcPct val="100000"/>
+              </a:lnSpc>
+              <a:spcBef>
+                <a:spcPts val="2100"/>
+              </a:spcBef>
+              <a:buSzPct val="40000"/>
+              <a:buBlip>
+                <a:blip r:embed="rId2"/>
+              </a:buBlip>
+              <a:defRPr cap="none" spc="0" sz="5850">
+                <a:latin typeface="Avenir Next Medium"/>
+                <a:ea typeface="Avenir Next Medium"/>
+                <a:cs typeface="Avenir Next Medium"/>
+                <a:sym typeface="Avenir Next Medium"/>
+              </a:defRPr>
+            </a:pPr>
+            <a:r>
+              <a:t>Train a multitude of decision trees</a:t>
+            </a:r>
+          </a:p>
+          <a:p>
+            <a:pPr marL="546420" indent="-546420" defTabSz="452170">
+              <a:lnSpc>
+                <a:spcPct val="100000"/>
+              </a:lnSpc>
+              <a:spcBef>
+                <a:spcPts val="2100"/>
+              </a:spcBef>
+              <a:buSzPct val="40000"/>
+              <a:buBlip>
+                <a:blip r:embed="rId2"/>
+              </a:buBlip>
+              <a:defRPr cap="none" spc="0" sz="5850">
+                <a:latin typeface="Avenir Next Medium"/>
+                <a:ea typeface="Avenir Next Medium"/>
+                <a:cs typeface="Avenir Next Medium"/>
+                <a:sym typeface="Avenir Next Medium"/>
+              </a:defRPr>
+            </a:pPr>
+            <a:r>
+              <a:t>Each tree uses a random subset of samples, features</a:t>
+            </a:r>
+          </a:p>
+        </p:txBody>
+      </p:sp>
+    </p:spTree>
+  </p:cSld>
+  <p:clrMapOvr>
+    <a:masterClrMapping/>
+  </p:clrMapOvr>
+  <p:transition xmlns:p14="http://schemas.microsoft.com/office/powerpoint/2010/main" spd="med" advClick="1"/>
+</p:sld>
+</file>
+
+<file path=ppt/slides/slide44.xml><?xml version="1.0" encoding="utf-8"?>
+<p:sld xmlns:a="http://schemas.openxmlformats.org/drawingml/2006/main" xmlns:r="http://schemas.openxmlformats.org/officeDocument/2006/relationships" xmlns:p="http://schemas.openxmlformats.org/presentationml/2006/main" showMasterSp="1" showMasterPhAnim="1">
+  <p:cSld>
+    <p:spTree>
+      <p:nvGrpSpPr>
+        <p:cNvPr id="1" name=""/>
+        <p:cNvGrpSpPr/>
+        <p:nvPr/>
+      </p:nvGrpSpPr>
+      <p:grpSpPr>
+        <a:xfrm>
+          <a:off x="0" y="0"/>
+          <a:ext cx="0" cy="0"/>
+          <a:chOff x="0" y="0"/>
+          <a:chExt cx="0" cy="0"/>
+        </a:xfrm>
+      </p:grpSpPr>
+      <p:sp>
+        <p:nvSpPr>
+          <p:cNvPr id="330" name="Shape 330"/>
+          <p:cNvSpPr/>
+          <p:nvPr>
+            <p:ph type="ctrTitle"/>
+          </p:nvPr>
+        </p:nvSpPr>
+        <p:spPr>
+          <a:prstGeom prst="rect">
+            <a:avLst/>
+          </a:prstGeom>
+        </p:spPr>
+        <p:txBody>
+          <a:bodyPr/>
+          <a:lstStyle/>
+          <a:p>
+            <a:pPr defTabSz="455675">
+              <a:defRPr sz="13259"/>
+            </a:pPr>
+          </a:p>
+        </p:txBody>
+      </p:sp>
+      <p:sp>
+        <p:nvSpPr>
+          <p:cNvPr id="331" name="Shape 331"/>
+          <p:cNvSpPr/>
+          <p:nvPr>
+            <p:ph type="subTitle" sz="quarter" idx="1"/>
+          </p:nvPr>
+        </p:nvSpPr>
+        <p:spPr>
+          <a:prstGeom prst="rect">
+            <a:avLst/>
+          </a:prstGeom>
+        </p:spPr>
+        <p:txBody>
+          <a:bodyPr/>
+          <a:lstStyle/>
+          <a:p>
+            <a:pPr/>
+          </a:p>
+        </p:txBody>
+      </p:sp>
+      <p:pic>
+        <p:nvPicPr>
+          <p:cNvPr id="332" name="pasted-image.png"/>
+          <p:cNvPicPr>
+            <a:picLocks noChangeAspect="1"/>
+          </p:cNvPicPr>
+          <p:nvPr/>
+        </p:nvPicPr>
+        <p:blipFill>
+          <a:blip r:embed="rId2">
+            <a:extLst/>
+          </a:blip>
+          <a:stretch>
+            <a:fillRect/>
+          </a:stretch>
+        </p:blipFill>
+        <p:spPr>
+          <a:xfrm>
+            <a:off x="0" y="1100666"/>
+            <a:ext cx="13004800" cy="7518401"/>
+          </a:xfrm>
+          <a:prstGeom prst="rect">
+            <a:avLst/>
+          </a:prstGeom>
+          <a:ln w="12700">
+            <a:miter lim="400000"/>
+          </a:ln>
+        </p:spPr>
+      </p:pic>
+      <p:pic>
+        <p:nvPicPr>
+          <p:cNvPr id="333" name="pasted-image.png"/>
+          <p:cNvPicPr>
+            <a:picLocks noChangeAspect="1"/>
+          </p:cNvPicPr>
+          <p:nvPr/>
+        </p:nvPicPr>
+        <p:blipFill>
+          <a:blip r:embed="rId3">
+            <a:extLst/>
+          </a:blip>
+          <a:stretch>
+            <a:fillRect/>
+          </a:stretch>
+        </p:blipFill>
+        <p:spPr>
+          <a:xfrm>
+            <a:off x="0" y="-1"/>
+            <a:ext cx="13004801" cy="9753601"/>
+          </a:xfrm>
+          <a:prstGeom prst="rect">
+            <a:avLst/>
+          </a:prstGeom>
+          <a:ln w="12700">
+            <a:miter lim="400000"/>
+          </a:ln>
+        </p:spPr>
+      </p:pic>
+    </p:spTree>
+  </p:cSld>
+  <p:clrMapOvr>
+    <a:masterClrMapping/>
+  </p:clrMapOvr>
+  <p:transition xmlns:p14="http://schemas.microsoft.com/office/powerpoint/2010/main" spd="med" advClick="1"/>
+</p:sld>
+</file>
+
+<file path=ppt/slides/slide45.xml><?xml version="1.0" encoding="utf-8"?>
+<p:sld xmlns:a="http://schemas.openxmlformats.org/drawingml/2006/main" xmlns:r="http://schemas.openxmlformats.org/officeDocument/2006/relationships" xmlns:p="http://schemas.openxmlformats.org/presentationml/2006/main" showMasterSp="1" showMasterPhAnim="1">
+  <p:cSld>
+    <p:spTree>
+      <p:nvGrpSpPr>
+        <p:cNvPr id="1" name=""/>
+        <p:cNvGrpSpPr/>
+        <p:nvPr/>
+      </p:nvGrpSpPr>
+      <p:grpSpPr>
+        <a:xfrm>
+          <a:off x="0" y="0"/>
+          <a:ext cx="0" cy="0"/>
+          <a:chOff x="0" y="0"/>
+          <a:chExt cx="0" cy="0"/>
+        </a:xfrm>
+      </p:grpSpPr>
+      <p:sp>
+        <p:nvSpPr>
+          <p:cNvPr id="335" name="Shape 335"/>
+          <p:cNvSpPr/>
+          <p:nvPr>
+            <p:ph type="title"/>
+          </p:nvPr>
+        </p:nvSpPr>
+        <p:spPr>
+          <a:xfrm>
+            <a:off x="406400" y="1536700"/>
+            <a:ext cx="12192000" cy="1169261"/>
+          </a:xfrm>
+          <a:prstGeom prst="rect">
+            <a:avLst/>
+          </a:prstGeom>
+        </p:spPr>
+        <p:txBody>
+          <a:bodyPr/>
+          <a:lstStyle>
+            <a:lvl1pPr defTabSz="403097">
+              <a:spcBef>
+                <a:spcPts val="1900"/>
+              </a:spcBef>
+              <a:defRPr sz="8200"/>
+            </a:lvl1pPr>
+          </a:lstStyle>
+          <a:p>
+            <a:pPr/>
+            <a:r>
+              <a:t>Random features</a:t>
+            </a:r>
+          </a:p>
+        </p:txBody>
+      </p:sp>
+      <p:sp>
+        <p:nvSpPr>
+          <p:cNvPr id="336" name="Shape 336"/>
+          <p:cNvSpPr/>
+          <p:nvPr>
+            <p:ph type="body" idx="1"/>
+          </p:nvPr>
+        </p:nvSpPr>
+        <p:spPr>
+          <a:xfrm>
+            <a:off x="406400" y="3691433"/>
+            <a:ext cx="12192000" cy="4732604"/>
+          </a:xfrm>
+          <a:prstGeom prst="rect">
+            <a:avLst/>
+          </a:prstGeom>
+        </p:spPr>
+        <p:txBody>
+          <a:bodyPr anchor="t"/>
+          <a:lstStyle/>
+          <a:p>
+            <a:pPr marL="550656" indent="-550656" defTabSz="455674">
+              <a:lnSpc>
+                <a:spcPct val="100000"/>
+              </a:lnSpc>
+              <a:spcBef>
+                <a:spcPts val="2100"/>
+              </a:spcBef>
+              <a:buSzPct val="40000"/>
+              <a:buBlip>
+                <a:blip r:embed="rId2"/>
+              </a:buBlip>
+              <a:defRPr cap="none" spc="0" sz="4900">
+                <a:latin typeface="Avenir Next Medium"/>
+                <a:ea typeface="Avenir Next Medium"/>
+                <a:cs typeface="Avenir Next Medium"/>
+                <a:sym typeface="Avenir Next Medium"/>
+              </a:defRPr>
+            </a:pPr>
+            <a:r>
+              <a:t>Some features will be predictive</a:t>
+            </a:r>
+          </a:p>
+          <a:p>
+            <a:pPr marL="550656" indent="-550656" defTabSz="455674">
+              <a:lnSpc>
+                <a:spcPct val="100000"/>
+              </a:lnSpc>
+              <a:spcBef>
+                <a:spcPts val="2100"/>
+              </a:spcBef>
+              <a:buSzPct val="40000"/>
+              <a:buBlip>
+                <a:blip r:embed="rId2"/>
+              </a:buBlip>
+              <a:defRPr cap="none" spc="0" sz="4900">
+                <a:latin typeface="Avenir Next Medium"/>
+                <a:ea typeface="Avenir Next Medium"/>
+                <a:cs typeface="Avenir Next Medium"/>
+                <a:sym typeface="Avenir Next Medium"/>
+              </a:defRPr>
+            </a:pPr>
+            <a:r>
+              <a:t>Predictive features will end up being used by many models, and affecting final output</a:t>
+            </a:r>
+          </a:p>
+        </p:txBody>
+      </p:sp>
+    </p:spTree>
+  </p:cSld>
+  <p:clrMapOvr>
+    <a:masterClrMapping/>
+  </p:clrMapOvr>
+  <p:transition xmlns:p14="http://schemas.microsoft.com/office/powerpoint/2010/main" spd="med" advClick="1"/>
+</p:sld>
+</file>
+
+<file path=ppt/slides/slide46.xml><?xml version="1.0" encoding="utf-8"?>
+<p:sld xmlns:a="http://schemas.openxmlformats.org/drawingml/2006/main" xmlns:r="http://schemas.openxmlformats.org/officeDocument/2006/relationships" xmlns:p="http://schemas.openxmlformats.org/presentationml/2006/main" showMasterSp="1" showMasterPhAnim="1">
+  <p:cSld>
+    <p:spTree>
+      <p:nvGrpSpPr>
+        <p:cNvPr id="1" name=""/>
+        <p:cNvGrpSpPr/>
+        <p:nvPr/>
+      </p:nvGrpSpPr>
+      <p:grpSpPr>
+        <a:xfrm>
+          <a:off x="0" y="0"/>
+          <a:ext cx="0" cy="0"/>
+          <a:chOff x="0" y="0"/>
+          <a:chExt cx="0" cy="0"/>
+        </a:xfrm>
+      </p:grpSpPr>
+      <p:sp>
+        <p:nvSpPr>
+          <p:cNvPr id="338" name="Shape 338"/>
+          <p:cNvSpPr/>
+          <p:nvPr>
+            <p:ph type="title"/>
+          </p:nvPr>
+        </p:nvSpPr>
+        <p:spPr>
+          <a:xfrm>
+            <a:off x="2802101" y="4038600"/>
+            <a:ext cx="7400598" cy="4521200"/>
+          </a:xfrm>
+          <a:prstGeom prst="rect">
+            <a:avLst/>
+          </a:prstGeom>
+        </p:spPr>
+        <p:txBody>
+          <a:bodyPr/>
+          <a:lstStyle/>
+          <a:p>
+            <a:pPr/>
+            <a:r>
+              <a:t>Exercises</a:t>
             </a:r>
           </a:p>
         </p:txBody>
@@ -9284,8 +10900,8 @@
         </p:blipFill>
         <p:spPr>
           <a:xfrm>
-            <a:off x="-1" y="0"/>
-            <a:ext cx="5469776" cy="9753600"/>
+            <a:off x="0" y="0"/>
+            <a:ext cx="5469775" cy="9753600"/>
           </a:xfrm>
           <a:prstGeom prst="rect">
             <a:avLst/>
@@ -9533,7 +11149,7 @@
         <p:spPr>
           <a:xfrm>
             <a:off x="3344370" y="3075446"/>
-            <a:ext cx="11091260" cy="3602708"/>
+            <a:ext cx="11091259" cy="3602708"/>
           </a:xfrm>
           <a:prstGeom prst="rect">
             <a:avLst/>

--- a/Session5/Session5_Slides.pptx
+++ b/Session5/Session5_Slides.pptx
@@ -551,6 +551,250 @@
     </a:lvl9pPr>
   </p:notesStyle>
 </p:notesMaster>
+</file>
+
+<file path=ppt/notesSlides/notesSlide1.xml><?xml version="1.0" encoding="utf-8"?>
+<p:notes xmlns:a="http://schemas.openxmlformats.org/drawingml/2006/main" xmlns:r="http://schemas.openxmlformats.org/officeDocument/2006/relationships" xmlns:p="http://schemas.openxmlformats.org/presentationml/2006/main">
+  <p:cSld>
+    <p:spTree>
+      <p:nvGrpSpPr>
+        <p:cNvPr id="1" name=""/>
+        <p:cNvGrpSpPr/>
+        <p:nvPr/>
+      </p:nvGrpSpPr>
+      <p:grpSpPr>
+        <a:xfrm>
+          <a:off x="0" y="0"/>
+          <a:ext cx="0" cy="0"/>
+          <a:chOff x="0" y="0"/>
+          <a:chExt cx="0" cy="0"/>
+        </a:xfrm>
+      </p:grpSpPr>
+      <p:sp>
+        <p:nvSpPr>
+          <p:cNvPr id="2" name="Slide Image Placeholder 1"/>
+          <p:cNvSpPr>
+            <a:spLocks noGrp="1" noRot="1" noChangeAspect="1"/>
+          </p:cNvSpPr>
+          <p:nvPr>
+            <p:ph type="sldImg"/>
+          </p:nvPr>
+        </p:nvSpPr>
+        <p:spPr/>
+      </p:sp>
+      <p:sp>
+        <p:nvSpPr>
+          <p:cNvPr id="3" name="Notes Placeholder 2"/>
+          <p:cNvSpPr>
+            <a:spLocks noGrp="1"/>
+          </p:cNvSpPr>
+          <p:nvPr>
+            <p:ph type="body" idx="1"/>
+          </p:nvPr>
+        </p:nvSpPr>
+        <p:spPr/>
+        <p:txBody>
+          <a:bodyPr/>
+          <a:lstStyle/>
+          <a:p>
+            <a:pPr marL="0" marR="0" lvl="0" indent="0" defTabSz="457200" eaLnBrk="1" fontAlgn="auto" latinLnBrk="0" hangingPunct="1">
+              <a:lnSpc>
+                <a:spcPct val="117999"/>
+              </a:lnSpc>
+              <a:spcBef>
+                <a:spcPts val="0"/>
+              </a:spcBef>
+              <a:spcAft>
+                <a:spcPts val="0"/>
+              </a:spcAft>
+              <a:buClrTx/>
+              <a:buSzTx/>
+              <a:buFontTx/>
+              <a:buNone/>
+              <a:tabLst/>
+              <a:defRPr/>
+            </a:pPr>
+            <a:r>
+              <a:rPr lang="en-US" dirty="0"/>
+              <a:t>P(</a:t>
+            </a:r>
+            <a:r>
+              <a:rPr lang="el-GR" dirty="0"/>
+              <a:t>θ|</a:t>
+            </a:r>
+            <a:r>
+              <a:rPr lang="en-US" dirty="0"/>
+              <a:t>D) is the posterior</a:t>
+            </a:r>
+          </a:p>
+        </p:txBody>
+      </p:sp>
+    </p:spTree>
+    <p:extLst>
+      <p:ext uri="{BB962C8B-B14F-4D97-AF65-F5344CB8AC3E}">
+        <p14:creationId xmlns:p14="http://schemas.microsoft.com/office/powerpoint/2010/main" val="3190331148"/>
+      </p:ext>
+    </p:extLst>
+  </p:cSld>
+  <p:clrMapOvr>
+    <a:masterClrMapping/>
+  </p:clrMapOvr>
+</p:notes>
+</file>
+
+<file path=ppt/notesSlides/notesSlide2.xml><?xml version="1.0" encoding="utf-8"?>
+<p:notes xmlns:a="http://schemas.openxmlformats.org/drawingml/2006/main" xmlns:r="http://schemas.openxmlformats.org/officeDocument/2006/relationships" xmlns:p="http://schemas.openxmlformats.org/presentationml/2006/main">
+  <p:cSld>
+    <p:spTree>
+      <p:nvGrpSpPr>
+        <p:cNvPr id="1" name=""/>
+        <p:cNvGrpSpPr/>
+        <p:nvPr/>
+      </p:nvGrpSpPr>
+      <p:grpSpPr>
+        <a:xfrm>
+          <a:off x="0" y="0"/>
+          <a:ext cx="0" cy="0"/>
+          <a:chOff x="0" y="0"/>
+          <a:chExt cx="0" cy="0"/>
+        </a:xfrm>
+      </p:grpSpPr>
+      <p:sp>
+        <p:nvSpPr>
+          <p:cNvPr id="2" name="Slide Image Placeholder 1"/>
+          <p:cNvSpPr>
+            <a:spLocks noGrp="1" noRot="1" noChangeAspect="1"/>
+          </p:cNvSpPr>
+          <p:nvPr>
+            <p:ph type="sldImg"/>
+          </p:nvPr>
+        </p:nvSpPr>
+        <p:spPr/>
+      </p:sp>
+      <p:sp>
+        <p:nvSpPr>
+          <p:cNvPr id="3" name="Notes Placeholder 2"/>
+          <p:cNvSpPr>
+            <a:spLocks noGrp="1"/>
+          </p:cNvSpPr>
+          <p:nvPr>
+            <p:ph type="body" idx="1"/>
+          </p:nvPr>
+        </p:nvSpPr>
+        <p:spPr/>
+        <p:txBody>
+          <a:bodyPr/>
+          <a:lstStyle/>
+          <a:p>
+            <a:pPr marL="0" marR="0" lvl="0" indent="0" defTabSz="457200" eaLnBrk="1" fontAlgn="auto" latinLnBrk="0" hangingPunct="1">
+              <a:lnSpc>
+                <a:spcPct val="117999"/>
+              </a:lnSpc>
+              <a:spcBef>
+                <a:spcPts val="0"/>
+              </a:spcBef>
+              <a:spcAft>
+                <a:spcPts val="0"/>
+              </a:spcAft>
+              <a:buClrTx/>
+              <a:buSzTx/>
+              <a:buFontTx/>
+              <a:buNone/>
+              <a:tabLst/>
+              <a:defRPr/>
+            </a:pPr>
+            <a:r>
+              <a:rPr lang="en-US" dirty="0"/>
+              <a:t>P(D|</a:t>
+            </a:r>
+            <a:r>
+              <a:rPr lang="el-GR" dirty="0"/>
+              <a:t>θ)</a:t>
+            </a:r>
+            <a:r>
+              <a:rPr lang="en-US" dirty="0"/>
+              <a:t> is the </a:t>
+            </a:r>
+            <a:r>
+              <a:rPr lang="en-US" dirty="0" err="1"/>
+              <a:t>liklihood</a:t>
+            </a:r>
+            <a:endParaRPr lang="el-GR" dirty="0"/>
+          </a:p>
+        </p:txBody>
+      </p:sp>
+    </p:spTree>
+    <p:extLst>
+      <p:ext uri="{BB962C8B-B14F-4D97-AF65-F5344CB8AC3E}">
+        <p14:creationId xmlns:p14="http://schemas.microsoft.com/office/powerpoint/2010/main" val="3167711030"/>
+      </p:ext>
+    </p:extLst>
+  </p:cSld>
+  <p:clrMapOvr>
+    <a:masterClrMapping/>
+  </p:clrMapOvr>
+</p:notes>
+</file>
+
+<file path=ppt/notesSlides/notesSlide3.xml><?xml version="1.0" encoding="utf-8"?>
+<p:notes xmlns:a="http://schemas.openxmlformats.org/drawingml/2006/main" xmlns:r="http://schemas.openxmlformats.org/officeDocument/2006/relationships" xmlns:p="http://schemas.openxmlformats.org/presentationml/2006/main">
+  <p:cSld>
+    <p:spTree>
+      <p:nvGrpSpPr>
+        <p:cNvPr id="1" name=""/>
+        <p:cNvGrpSpPr/>
+        <p:nvPr/>
+      </p:nvGrpSpPr>
+      <p:grpSpPr>
+        <a:xfrm>
+          <a:off x="0" y="0"/>
+          <a:ext cx="0" cy="0"/>
+          <a:chOff x="0" y="0"/>
+          <a:chExt cx="0" cy="0"/>
+        </a:xfrm>
+      </p:grpSpPr>
+      <p:sp>
+        <p:nvSpPr>
+          <p:cNvPr id="2" name="Slide Image Placeholder 1"/>
+          <p:cNvSpPr>
+            <a:spLocks noGrp="1" noRot="1" noChangeAspect="1"/>
+          </p:cNvSpPr>
+          <p:nvPr>
+            <p:ph type="sldImg"/>
+          </p:nvPr>
+        </p:nvSpPr>
+        <p:spPr/>
+      </p:sp>
+      <p:sp>
+        <p:nvSpPr>
+          <p:cNvPr id="3" name="Notes Placeholder 2"/>
+          <p:cNvSpPr>
+            <a:spLocks noGrp="1"/>
+          </p:cNvSpPr>
+          <p:nvPr>
+            <p:ph type="body" idx="1"/>
+          </p:nvPr>
+        </p:nvSpPr>
+        <p:spPr/>
+        <p:txBody>
+          <a:bodyPr/>
+          <a:lstStyle/>
+          <a:p>
+            <a:endParaRPr lang="en-US" dirty="0"/>
+          </a:p>
+        </p:txBody>
+      </p:sp>
+    </p:spTree>
+    <p:extLst>
+      <p:ext uri="{BB962C8B-B14F-4D97-AF65-F5344CB8AC3E}">
+        <p14:creationId xmlns:p14="http://schemas.microsoft.com/office/powerpoint/2010/main" val="2776079662"/>
+      </p:ext>
+    </p:extLst>
+  </p:cSld>
+  <p:clrMapOvr>
+    <a:masterClrMapping/>
+  </p:clrMapOvr>
+</p:notes>
 </file>
 
 <file path=ppt/slideLayouts/slideLayout1.xml><?xml version="1.0" encoding="utf-8"?>
@@ -12867,7 +13111,7 @@
           </a:ln>
           <a:extLst>
             <a:ext uri="{C572A759-6A51-4108-AA02-DFA0A04FC94B}">
-              <ma14:wrappingTextBoxFlag xmlns="" xmlns:ma14="http://schemas.microsoft.com/office/mac/drawingml/2011/main" val="1"/>
+              <ma14:wrappingTextBoxFlag xmlns:ma14="http://schemas.microsoft.com/office/mac/drawingml/2011/main" xmlns="" val="1"/>
             </a:ext>
           </a:extLst>
         </p:spPr>
@@ -12906,7 +13150,7 @@
           </a:ln>
           <a:extLst>
             <a:ext uri="{C572A759-6A51-4108-AA02-DFA0A04FC94B}">
-              <ma14:wrappingTextBoxFlag xmlns="" xmlns:ma14="http://schemas.microsoft.com/office/mac/drawingml/2011/main" val="1"/>
+              <ma14:wrappingTextBoxFlag xmlns:ma14="http://schemas.microsoft.com/office/mac/drawingml/2011/main" xmlns="" val="1"/>
             </a:ext>
           </a:extLst>
         </p:spPr>
@@ -13952,8 +14196,8 @@
         </p:nvSpPr>
         <p:spPr>
           <a:xfrm>
-            <a:off x="3565727" y="2539998"/>
-            <a:ext cx="1392429" cy="1117604"/>
+            <a:off x="3565727" y="2431951"/>
+            <a:ext cx="1354538" cy="1333698"/>
           </a:xfrm>
           <a:prstGeom prst="rect">
             <a:avLst/>
@@ -13966,7 +14210,7 @@
           </a:ln>
           <a:extLst>
             <a:ext uri="{C572A759-6A51-4108-AA02-DFA0A04FC94B}">
-              <ma14:wrappingTextBoxFlag xmlns="" xmlns:ma14="http://schemas.microsoft.com/office/mac/drawingml/2011/main" val="1"/>
+              <ma14:wrappingTextBoxFlag xmlns:ma14="http://schemas.microsoft.com/office/mac/drawingml/2011/main" xmlns="" val="1"/>
             </a:ext>
           </a:extLst>
         </p:spPr>
@@ -13985,7 +14229,16 @@
           </a:lstStyle>
           <a:p>
             <a:r>
-              <a:t>P(A)</a:t>
+              <a:rPr dirty="0"/>
+              <a:t>P(</a:t>
+            </a:r>
+            <a:r>
+              <a:rPr lang="el-GR" dirty="0"/>
+              <a:t>θ</a:t>
+            </a:r>
+            <a:r>
+              <a:rPr dirty="0"/>
+              <a:t>)</a:t>
             </a:r>
           </a:p>
         </p:txBody>
@@ -14054,8 +14307,8 @@
         </p:nvSpPr>
         <p:spPr>
           <a:xfrm>
-            <a:off x="3565727" y="2539998"/>
-            <a:ext cx="1392429" cy="1117604"/>
+            <a:off x="3565727" y="2431951"/>
+            <a:ext cx="1354538" cy="1333698"/>
           </a:xfrm>
           <a:prstGeom prst="rect">
             <a:avLst/>
@@ -14068,7 +14321,7 @@
           </a:ln>
           <a:extLst>
             <a:ext uri="{C572A759-6A51-4108-AA02-DFA0A04FC94B}">
-              <ma14:wrappingTextBoxFlag xmlns="" xmlns:ma14="http://schemas.microsoft.com/office/mac/drawingml/2011/main" val="1"/>
+              <ma14:wrappingTextBoxFlag xmlns:ma14="http://schemas.microsoft.com/office/mac/drawingml/2011/main" xmlns="" val="1"/>
             </a:ext>
           </a:extLst>
         </p:spPr>
@@ -14087,7 +14340,16 @@
           </a:lstStyle>
           <a:p>
             <a:r>
-              <a:t>P(A)</a:t>
+              <a:rPr dirty="0"/>
+              <a:t>P(</a:t>
+            </a:r>
+            <a:r>
+              <a:rPr lang="el-GR" dirty="0"/>
+              <a:t>θ</a:t>
+            </a:r>
+            <a:r>
+              <a:rPr dirty="0"/>
+              <a:t>)</a:t>
             </a:r>
           </a:p>
         </p:txBody>
@@ -14177,8 +14439,8 @@
         </p:nvSpPr>
         <p:spPr>
           <a:xfrm>
-            <a:off x="7095202" y="1191881"/>
-            <a:ext cx="1411733" cy="1117604"/>
+            <a:off x="7095202" y="1083834"/>
+            <a:ext cx="1412246" cy="1333698"/>
           </a:xfrm>
           <a:prstGeom prst="rect">
             <a:avLst/>
@@ -14191,7 +14453,7 @@
           </a:ln>
           <a:extLst>
             <a:ext uri="{C572A759-6A51-4108-AA02-DFA0A04FC94B}">
-              <ma14:wrappingTextBoxFlag xmlns="" xmlns:ma14="http://schemas.microsoft.com/office/mac/drawingml/2011/main" val="1"/>
+              <ma14:wrappingTextBoxFlag xmlns:ma14="http://schemas.microsoft.com/office/mac/drawingml/2011/main" xmlns="" val="1"/>
             </a:ext>
           </a:extLst>
         </p:spPr>
@@ -14213,7 +14475,16 @@
           </a:lstStyle>
           <a:p>
             <a:r>
-              <a:t>P(B)</a:t>
+              <a:rPr dirty="0"/>
+              <a:t>P(</a:t>
+            </a:r>
+            <a:r>
+              <a:rPr lang="en-US" dirty="0"/>
+              <a:t>D</a:t>
+            </a:r>
+            <a:r>
+              <a:rPr dirty="0"/>
+              <a:t>)</a:t>
             </a:r>
           </a:p>
         </p:txBody>
@@ -14325,8 +14596,8 @@
         </p:nvSpPr>
         <p:spPr>
           <a:xfrm>
-            <a:off x="2408756" y="7412704"/>
-            <a:ext cx="2313941" cy="1117604"/>
+            <a:off x="2408756" y="7304657"/>
+            <a:ext cx="2285882" cy="1333698"/>
           </a:xfrm>
           <a:prstGeom prst="rect">
             <a:avLst/>
@@ -14339,7 +14610,7 @@
           </a:ln>
           <a:extLst>
             <a:ext uri="{C572A759-6A51-4108-AA02-DFA0A04FC94B}">
-              <ma14:wrappingTextBoxFlag xmlns:ma14="http://schemas.microsoft.com/office/mac/drawingml/2011/main" xmlns="" val="1"/>
+              <ma14:wrappingTextBoxFlag xmlns="" xmlns:ma14="http://schemas.microsoft.com/office/mac/drawingml/2011/main" val="1"/>
             </a:ext>
           </a:extLst>
         </p:spPr>
@@ -14364,8 +14635,16 @@
               <a:t>P(</a:t>
             </a:r>
             <a:r>
-              <a:rPr dirty="0" err="1"/>
-              <a:t>A&amp;B</a:t>
+              <a:rPr lang="el-GR" dirty="0"/>
+              <a:t>θ</a:t>
+            </a:r>
+            <a:r>
+              <a:rPr dirty="0"/>
+              <a:t>&amp;</a:t>
+            </a:r>
+            <a:r>
+              <a:rPr lang="en-US" dirty="0"/>
+              <a:t>D</a:t>
             </a:r>
             <a:r>
               <a:rPr dirty="0"/>
@@ -14723,7 +15002,7 @@
           </a:ln>
           <a:extLst>
             <a:ext uri="{C572A759-6A51-4108-AA02-DFA0A04FC94B}">
-              <ma14:wrappingTextBoxFlag xmlns="" xmlns:ma14="http://schemas.microsoft.com/office/mac/drawingml/2011/main" val="1"/>
+              <ma14:wrappingTextBoxFlag xmlns:ma14="http://schemas.microsoft.com/office/mac/drawingml/2011/main" xmlns="" val="1"/>
             </a:ext>
           </a:extLst>
         </p:spPr>
@@ -14746,8 +15025,16 @@
               <a:t>P(</a:t>
             </a:r>
             <a:r>
-              <a:rPr dirty="0" err="1"/>
-              <a:t>A|B</a:t>
+              <a:rPr lang="el-GR" dirty="0"/>
+              <a:t>θ</a:t>
+            </a:r>
+            <a:r>
+              <a:rPr dirty="0"/>
+              <a:t>|</a:t>
+            </a:r>
+            <a:r>
+              <a:rPr lang="en-US" dirty="0"/>
+              <a:t>D</a:t>
             </a:r>
             <a:r>
               <a:rPr dirty="0"/>
@@ -14765,8 +15052,8 @@
         </p:nvSpPr>
         <p:spPr>
           <a:xfrm>
-            <a:off x="2241719" y="1253528"/>
-            <a:ext cx="9664325" cy="1117605"/>
+            <a:off x="2241719" y="913009"/>
+            <a:ext cx="9664325" cy="1333698"/>
           </a:xfrm>
           <a:prstGeom prst="rect">
             <a:avLst/>
@@ -14779,7 +15066,7 @@
           </a:ln>
           <a:extLst>
             <a:ext uri="{C572A759-6A51-4108-AA02-DFA0A04FC94B}">
-              <ma14:wrappingTextBoxFlag xmlns="" xmlns:ma14="http://schemas.microsoft.com/office/mac/drawingml/2011/main" val="1"/>
+              <ma14:wrappingTextBoxFlag xmlns:ma14="http://schemas.microsoft.com/office/mac/drawingml/2011/main" xmlns="" val="1"/>
             </a:ext>
           </a:extLst>
         </p:spPr>
@@ -14799,7 +15086,23 @@
           <a:p>
             <a:r>
               <a:rPr dirty="0"/>
-              <a:t>What fraction of B is also A?</a:t>
+              <a:t>What fraction of </a:t>
+            </a:r>
+            <a:r>
+              <a:rPr lang="en-US" dirty="0"/>
+              <a:t>D</a:t>
+            </a:r>
+            <a:r>
+              <a:rPr dirty="0"/>
+              <a:t> is also </a:t>
+            </a:r>
+            <a:r>
+              <a:rPr lang="el-GR" dirty="0"/>
+              <a:t>θ</a:t>
+            </a:r>
+            <a:r>
+              <a:rPr dirty="0"/>
+              <a:t>?</a:t>
             </a:r>
           </a:p>
         </p:txBody>
@@ -14830,7 +15133,7 @@
           </a:ln>
           <a:extLst>
             <a:ext uri="{C572A759-6A51-4108-AA02-DFA0A04FC94B}">
-              <ma14:wrappingTextBoxFlag xmlns:ma14="http://schemas.microsoft.com/office/mac/drawingml/2011/main" xmlns="" val="1"/>
+              <ma14:wrappingTextBoxFlag xmlns="" xmlns:ma14="http://schemas.microsoft.com/office/mac/drawingml/2011/main" val="1"/>
             </a:ext>
           </a:extLst>
         </p:spPr>
@@ -14883,7 +15186,7 @@
               </a:ln>
               <a:extLst>
                 <a:ext uri="{C572A759-6A51-4108-AA02-DFA0A04FC94B}">
-                  <ma14:wrappingTextBoxFlag xmlns:ma14="http://schemas.microsoft.com/office/mac/drawingml/2011/main" xmlns="" val="1"/>
+                  <ma14:wrappingTextBoxFlag xmlns="" xmlns:ma14="http://schemas.microsoft.com/office/mac/drawingml/2011/main" val="1"/>
                 </a:ext>
               </a:extLst>
             </p:spPr>
@@ -14901,6 +15204,7 @@
                 </a:lvl1pPr>
               </a:lstStyle>
               <a:p>
+                <a:pPr/>
                 <a14:m>
                   <m:oMathPara xmlns:m="http://schemas.openxmlformats.org/officeDocument/2006/math">
                     <m:oMathParaPr>
@@ -14935,13 +15239,13 @@
                             <m:t>(</m:t>
                           </m:r>
                           <m:r>
-                            <a:rPr lang="en-US" b="0" i="1" smtClean="0">
+                            <a:rPr lang="el-GR" i="1">
                               <a:solidFill>
                                 <a:schemeClr val="accent6"/>
                               </a:solidFill>
                               <a:latin typeface="Cambria Math" panose="02040503050406030204" pitchFamily="18" charset="0"/>
                             </a:rPr>
-                            <m:t>𝐴</m:t>
+                            <m:t>𝜃</m:t>
                           </m:r>
                           <m:r>
                             <a:rPr lang="en-US" b="0" i="1" smtClean="0">
@@ -15042,9 +15346,9 @@
                 <a:avLst/>
               </a:prstGeom>
               <a:blipFill>
-                <a:blip r:embed="rId2"/>
+                <a:blip r:embed="rId3"/>
                 <a:stretch>
-                  <a:fillRect/>
+                  <a:fillRect l="-4620" t="-472" r="-7921" b="-15094"/>
                 </a:stretch>
               </a:blipFill>
               <a:ln w="12700">
@@ -15052,7 +15356,7 @@
               </a:ln>
               <a:extLst>
                 <a:ext uri="{C572A759-6A51-4108-AA02-DFA0A04FC94B}">
-                  <ma14:wrappingTextBoxFlag xmlns:ma14="http://schemas.microsoft.com/office/mac/drawingml/2011/main" xmlns="" val="1"/>
+                  <ma14:wrappingTextBoxFlag xmlns="" xmlns:ma14="http://schemas.microsoft.com/office/mac/drawingml/2011/main" xmlns:a14="http://schemas.microsoft.com/office/drawing/2010/main" val="1"/>
                 </a:ext>
               </a:extLst>
             </p:spPr>
@@ -15281,7 +15585,7 @@
                 <a:cs typeface="DIN Condensed"/>
                 <a:sym typeface="DIN Condensed"/>
               </a:rPr>
-              <a:t>P(B)</a:t>
+              <a:t>P(D)</a:t>
             </a:r>
           </a:p>
         </p:txBody>
@@ -15371,7 +15675,7 @@
           <p:nvPr/>
         </p:nvPicPr>
         <p:blipFill>
-          <a:blip r:embed="rId2"/>
+          <a:blip r:embed="rId3"/>
           <a:stretch>
             <a:fillRect/>
           </a:stretch>
@@ -15499,8 +15803,8 @@
         </p:nvSpPr>
         <p:spPr>
           <a:xfrm>
-            <a:off x="2241719" y="529928"/>
-            <a:ext cx="9664325" cy="2564805"/>
+            <a:off x="2241719" y="1145481"/>
+            <a:ext cx="9664325" cy="1333698"/>
           </a:xfrm>
           <a:prstGeom prst="rect">
             <a:avLst/>
@@ -15511,7 +15815,7 @@
           </a:ln>
           <a:extLst>
             <a:ext uri="{C572A759-6A51-4108-AA02-DFA0A04FC94B}">
-              <ma14:wrappingTextBoxFlag xmlns:ma14="http://schemas.microsoft.com/office/mac/drawingml/2011/main" xmlns="" val="1"/>
+              <ma14:wrappingTextBoxFlag xmlns="" xmlns:ma14="http://schemas.microsoft.com/office/mac/drawingml/2011/main" val="1"/>
             </a:ext>
           </a:extLst>
         </p:spPr>
@@ -15534,12 +15838,20 @@
               <a:t>What fraction of </a:t>
             </a:r>
             <a:r>
+              <a:rPr lang="el-GR" dirty="0"/>
+              <a:t>θ</a:t>
+            </a:r>
+            <a:r>
+              <a:rPr dirty="0"/>
+              <a:t> is also </a:t>
+            </a:r>
+            <a:r>
               <a:rPr lang="en-US" dirty="0"/>
-              <a:t>A</a:t>
+              <a:t>D</a:t>
             </a:r>
             <a:r>
               <a:rPr dirty="0"/>
-              <a:t> is also ?</a:t>
+              <a:t>?</a:t>
             </a:r>
           </a:p>
         </p:txBody>
@@ -15570,7 +15882,7 @@
           </a:ln>
           <a:extLst>
             <a:ext uri="{C572A759-6A51-4108-AA02-DFA0A04FC94B}">
-              <ma14:wrappingTextBoxFlag xmlns:ma14="http://schemas.microsoft.com/office/mac/drawingml/2011/main" xmlns="" val="1"/>
+              <ma14:wrappingTextBoxFlag xmlns="" xmlns:ma14="http://schemas.microsoft.com/office/mac/drawingml/2011/main" val="1"/>
             </a:ext>
           </a:extLst>
         </p:spPr>
@@ -15593,16 +15905,16 @@
               <a:t>P(</a:t>
             </a:r>
             <a:r>
-              <a:rPr lang="en-US" dirty="0" err="1"/>
-              <a:t>B</a:t>
-            </a:r>
-            <a:r>
-              <a:rPr dirty="0" err="1"/>
+              <a:rPr lang="en-US" dirty="0"/>
+              <a:t>D</a:t>
+            </a:r>
+            <a:r>
+              <a:rPr dirty="0"/>
               <a:t>|</a:t>
             </a:r>
             <a:r>
-              <a:rPr lang="en-US" dirty="0" err="1"/>
-              <a:t>A</a:t>
+              <a:rPr lang="el-GR" dirty="0"/>
+              <a:t>θ</a:t>
             </a:r>
             <a:r>
               <a:rPr dirty="0"/>
@@ -15638,7 +15950,7 @@
           </a:ln>
           <a:extLst>
             <a:ext uri="{C572A759-6A51-4108-AA02-DFA0A04FC94B}">
-              <ma14:wrappingTextBoxFlag xmlns="" xmlns:ma14="http://schemas.microsoft.com/office/mac/drawingml/2011/main" val="1"/>
+              <ma14:wrappingTextBoxFlag xmlns:ma14="http://schemas.microsoft.com/office/mac/drawingml/2011/main" xmlns="" val="1"/>
             </a:ext>
           </a:extLst>
         </p:spPr>
@@ -15691,7 +16003,7 @@
               </a:ln>
               <a:extLst>
                 <a:ext uri="{C572A759-6A51-4108-AA02-DFA0A04FC94B}">
-                  <ma14:wrappingTextBoxFlag xmlns="" xmlns:ma14="http://schemas.microsoft.com/office/mac/drawingml/2011/main" val="1"/>
+                  <ma14:wrappingTextBoxFlag xmlns:ma14="http://schemas.microsoft.com/office/mac/drawingml/2011/main" xmlns="" val="1"/>
                 </a:ext>
               </a:extLst>
             </p:spPr>
@@ -15744,13 +16056,13 @@
                             <m:t>(</m:t>
                           </m:r>
                           <m:r>
-                            <a:rPr lang="en-US" b="0" i="1" smtClean="0">
+                            <a:rPr lang="el-GR" i="1">
                               <a:solidFill>
                                 <a:schemeClr val="accent6"/>
                               </a:solidFill>
                               <a:latin typeface="Cambria Math" panose="02040503050406030204" pitchFamily="18" charset="0"/>
                             </a:rPr>
-                            <m:t>𝐴</m:t>
+                            <m:t>𝜃</m:t>
                           </m:r>
                           <m:r>
                             <a:rPr lang="en-US" b="0" i="1" smtClean="0">
@@ -15768,7 +16080,7 @@
                               </a:solidFill>
                               <a:latin typeface="Cambria Math" panose="02040503050406030204" pitchFamily="18" charset="0"/>
                             </a:rPr>
-                            <m:t>𝐵</m:t>
+                            <m:t>𝐷</m:t>
                           </m:r>
                           <m:r>
                             <a:rPr lang="en-US" b="0" i="1" smtClean="0">
@@ -15800,13 +16112,13 @@
                             <m:t>(</m:t>
                           </m:r>
                           <m:r>
-                            <a:rPr lang="en-US" b="0" i="1" smtClean="0">
+                            <a:rPr lang="el-GR" i="1">
                               <a:solidFill>
                                 <a:srgbClr val="FF0000"/>
                               </a:solidFill>
                               <a:latin typeface="Cambria Math" panose="02040503050406030204" pitchFamily="18" charset="0"/>
                             </a:rPr>
-                            <m:t>𝐴</m:t>
+                            <m:t>𝜃</m:t>
                           </m:r>
                           <m:r>
                             <a:rPr lang="en-US" b="0" i="1" smtClean="0">
@@ -15851,9 +16163,9 @@
                 <a:avLst/>
               </a:prstGeom>
               <a:blipFill>
-                <a:blip r:embed="rId3"/>
+                <a:blip r:embed="rId4"/>
                 <a:stretch>
-                  <a:fillRect/>
+                  <a:fillRect l="-5298" t="-1429" r="-8609" b="-15714"/>
                 </a:stretch>
               </a:blipFill>
               <a:ln w="12700">
@@ -15861,7 +16173,7 @@
               </a:ln>
               <a:extLst>
                 <a:ext uri="{C572A759-6A51-4108-AA02-DFA0A04FC94B}">
-                  <ma14:wrappingTextBoxFlag xmlns="" xmlns:ma14="http://schemas.microsoft.com/office/mac/drawingml/2011/main" val="1"/>
+                  <ma14:wrappingTextBoxFlag xmlns:ma14="http://schemas.microsoft.com/office/mac/drawingml/2011/main" xmlns="" xmlns:a14="http://schemas.microsoft.com/office/drawing/2010/main" val="1"/>
                 </a:ext>
               </a:extLst>
             </p:spPr>
@@ -16008,7 +16320,41 @@
                 <a:cs typeface="DIN Condensed"/>
                 <a:sym typeface="DIN Condensed"/>
               </a:rPr>
-              <a:t>P(A)</a:t>
+              <a:t>P(</a:t>
+            </a:r>
+            <a:r>
+              <a:rPr kumimoji="0" lang="el-GR" sz="4000" b="0" i="0" u="none" strike="noStrike" cap="none" spc="0" normalizeH="0" baseline="0" dirty="0">
+                <a:ln>
+                  <a:noFill/>
+                </a:ln>
+                <a:solidFill>
+                  <a:srgbClr val="FF0000"/>
+                </a:solidFill>
+                <a:effectLst/>
+                <a:uFillTx/>
+                <a:latin typeface="+mn-lt"/>
+                <a:ea typeface="DIN Condensed"/>
+                <a:cs typeface="DIN Condensed"/>
+                <a:sym typeface="DIN Condensed"/>
+              </a:rPr>
+              <a:t>θ</a:t>
+            </a:r>
+            <a:r>
+              <a:rPr kumimoji="0" lang="en-US" sz="4000" b="0" i="0" u="none" strike="noStrike" cap="none" spc="0" normalizeH="0" baseline="0" dirty="0">
+                <a:ln>
+                  <a:noFill/>
+                </a:ln>
+                <a:solidFill>
+                  <a:srgbClr val="FF0000"/>
+                </a:solidFill>
+                <a:effectLst/>
+                <a:uFillTx/>
+                <a:latin typeface="+mn-lt"/>
+                <a:ea typeface="DIN Condensed"/>
+                <a:cs typeface="DIN Condensed"/>
+                <a:sym typeface="DIN Condensed"/>
+              </a:rPr>
+              <a:t>)</a:t>
             </a:r>
           </a:p>
         </p:txBody>
@@ -16087,21 +16433,10 @@
               </a:bodyPr>
               <a:lstStyle/>
               <a:p>
-                <a:pPr marL="0" marR="0" indent="0" algn="l" defTabSz="584200" rtl="0" fontAlgn="auto" latinLnBrk="0" hangingPunct="0">
-                  <a:lnSpc>
-                    <a:spcPct val="100000"/>
-                  </a:lnSpc>
+                <a:pPr>
                   <a:spcBef>
                     <a:spcPts val="0"/>
                   </a:spcBef>
-                  <a:spcAft>
-                    <a:spcPts val="0"/>
-                  </a:spcAft>
-                  <a:buClrTx/>
-                  <a:buSzTx/>
-                  <a:buFontTx/>
-                  <a:buNone/>
-                  <a:tabLst/>
                 </a:pPr>
                 <a14:m>
                   <m:oMathPara xmlns:m="http://schemas.openxmlformats.org/officeDocument/2006/math">
@@ -16143,19 +16478,13 @@
                         </m:dPr>
                         <m:e>
                           <m:r>
-                            <a:rPr kumimoji="0" lang="en-US" sz="7000" b="0" i="1" u="none" strike="noStrike" cap="none" spc="0" normalizeH="0" baseline="0" smtClean="0">
-                              <a:ln>
-                                <a:noFill/>
-                              </a:ln>
+                            <a:rPr lang="el-GR" sz="7000" i="1">
                               <a:solidFill>
                                 <a:schemeClr val="accent3"/>
                               </a:solidFill>
-                              <a:effectLst/>
-                              <a:uFillTx/>
                               <a:latin typeface="Cambria Math" panose="02040503050406030204" pitchFamily="18" charset="0"/>
-                              <a:sym typeface="DIN Condensed"/>
                             </a:rPr>
-                            <m:t>𝐴</m:t>
+                            <m:t>𝜃</m:t>
                           </m:r>
                         </m:e>
                         <m:e>
@@ -16172,7 +16501,7 @@
                               <a:latin typeface="Cambria Math" panose="02040503050406030204" pitchFamily="18" charset="0"/>
                               <a:sym typeface="DIN Condensed"/>
                             </a:rPr>
-                            <m:t>𝐵</m:t>
+                            <m:t>𝐷</m:t>
                           </m:r>
                         </m:e>
                       </m:d>
@@ -16255,24 +16584,18 @@
                                   <a:latin typeface="Cambria Math" panose="02040503050406030204" pitchFamily="18" charset="0"/>
                                   <a:sym typeface="DIN Condensed"/>
                                 </a:rPr>
-                                <m:t>𝐵</m:t>
+                                <m:t>𝐷</m:t>
                               </m:r>
                             </m:e>
                             <m:e>
                               <m:r>
-                                <a:rPr kumimoji="0" lang="en-US" sz="7000" b="0" i="1" u="none" strike="noStrike" cap="none" spc="0" normalizeH="0" baseline="0" smtClean="0">
-                                  <a:ln>
-                                    <a:noFill/>
-                                  </a:ln>
+                                <a:rPr lang="el-GR" sz="7000" i="1">
                                   <a:solidFill>
                                     <a:schemeClr val="tx2"/>
                                   </a:solidFill>
-                                  <a:effectLst/>
-                                  <a:uFillTx/>
                                   <a:latin typeface="Cambria Math" panose="02040503050406030204" pitchFamily="18" charset="0"/>
-                                  <a:sym typeface="DIN Condensed"/>
                                 </a:rPr>
-                                <m:t>𝐴</m:t>
+                                <m:t>𝜃</m:t>
                               </m:r>
                             </m:e>
                           </m:d>
@@ -16307,19 +16630,13 @@
                             <m:t>(</m:t>
                           </m:r>
                           <m:r>
-                            <a:rPr kumimoji="0" lang="en-US" sz="7000" b="0" i="1" u="none" strike="noStrike" cap="none" spc="0" normalizeH="0" baseline="0" smtClean="0">
-                              <a:ln>
-                                <a:noFill/>
-                              </a:ln>
+                            <a:rPr lang="el-GR" sz="7000" i="1">
                               <a:solidFill>
                                 <a:srgbClr val="FF0000"/>
                               </a:solidFill>
-                              <a:effectLst/>
-                              <a:uFillTx/>
                               <a:latin typeface="Cambria Math" panose="02040503050406030204" pitchFamily="18" charset="0"/>
-                              <a:sym typeface="DIN Condensed"/>
                             </a:rPr>
-                            <m:t>𝐴</m:t>
+                            <m:t>𝜃</m:t>
                           </m:r>
                           <m:r>
                             <a:rPr kumimoji="0" lang="en-US" sz="7000" b="0" i="1" u="none" strike="noStrike" cap="none" spc="0" normalizeH="0" baseline="0" smtClean="0">
@@ -16381,7 +16698,7 @@
                               <a:latin typeface="Cambria Math" panose="02040503050406030204" pitchFamily="18" charset="0"/>
                               <a:sym typeface="DIN Condensed"/>
                             </a:rPr>
-                            <m:t>𝐵</m:t>
+                            <m:t>𝐷</m:t>
                           </m:r>
                           <m:r>
                             <a:rPr kumimoji="0" lang="en-US" sz="7000" b="0" i="1" u="none" strike="noStrike" cap="none" spc="0" normalizeH="0" baseline="0" smtClean="0">
@@ -16445,7 +16762,7 @@
               <a:blipFill>
                 <a:blip r:embed="rId2"/>
                 <a:stretch>
-                  <a:fillRect/>
+                  <a:fillRect r="-1440"/>
                 </a:stretch>
               </a:blipFill>
               <a:ln w="12700" cap="flat">
@@ -16478,7 +16795,7 @@
         <p:spPr>
           <a:xfrm>
             <a:off x="469907" y="1753444"/>
-            <a:ext cx="7950895" cy="1179810"/>
+            <a:ext cx="6056145" cy="1179810"/>
           </a:xfrm>
           <a:prstGeom prst="rect">
             <a:avLst/>
@@ -16491,7 +16808,7 @@
           </a:ln>
           <a:extLst>
             <a:ext uri="{C572A759-6A51-4108-AA02-DFA0A04FC94B}">
-              <ma14:wrappingTextBoxFlag xmlns="" xmlns:ma14="http://schemas.microsoft.com/office/mac/drawingml/2011/main" val="1"/>
+              <ma14:wrappingTextBoxFlag xmlns:ma14="http://schemas.microsoft.com/office/mac/drawingml/2011/main" xmlns="" val="1"/>
             </a:ext>
           </a:extLst>
         </p:spPr>
@@ -16515,15 +16832,55 @@
                   <a:schemeClr val="accent6"/>
                 </a:solidFill>
               </a:rPr>
-              <a:t>P(A &amp; B) </a:t>
+              <a:t>P(</a:t>
+            </a:r>
+            <a:r>
+              <a:rPr lang="el-GR" sz="7000" dirty="0">
+                <a:solidFill>
+                  <a:schemeClr val="accent6"/>
+                </a:solidFill>
+              </a:rPr>
+              <a:t>θ</a:t>
+            </a:r>
+            <a:r>
+              <a:rPr sz="7000" dirty="0">
+                <a:solidFill>
+                  <a:schemeClr val="accent6"/>
+                </a:solidFill>
+              </a:rPr>
+              <a:t> &amp; </a:t>
+            </a:r>
+            <a:r>
+              <a:rPr lang="en-US" sz="7000" dirty="0">
+                <a:solidFill>
+                  <a:schemeClr val="accent6"/>
+                </a:solidFill>
+              </a:rPr>
+              <a:t>D</a:t>
+            </a:r>
+            <a:r>
+              <a:rPr sz="7000" dirty="0">
+                <a:solidFill>
+                  <a:schemeClr val="accent6"/>
+                </a:solidFill>
+              </a:rPr>
+              <a:t>) </a:t>
             </a:r>
             <a:r>
               <a:rPr sz="7000" dirty="0"/>
               <a:t>= P(</a:t>
             </a:r>
             <a:r>
-              <a:rPr sz="7000" dirty="0" err="1"/>
-              <a:t>B|A</a:t>
+              <a:rPr lang="en-US" sz="7000" dirty="0"/>
+              <a:t>D</a:t>
+            </a:r>
+            <a:r>
+              <a:rPr sz="7000" dirty="0"/>
+              <a:t>|</a:t>
+            </a:r>
+            <a:r>
+              <a:rPr lang="el-GR" sz="7000" dirty="0"/>
+              <a:t>θ</a:t>
             </a:r>
             <a:r>
               <a:rPr sz="7000" dirty="0"/>
@@ -16535,7 +16892,23 @@
                   <a:srgbClr val="FF0000"/>
                 </a:solidFill>
               </a:rPr>
-              <a:t>P(A)</a:t>
+              <a:t>P(</a:t>
+            </a:r>
+            <a:r>
+              <a:rPr lang="el-GR" sz="7000" dirty="0">
+                <a:solidFill>
+                  <a:srgbClr val="FF0000"/>
+                </a:solidFill>
+              </a:rPr>
+              <a:t>θ</a:t>
+            </a:r>
+            <a:r>
+              <a:rPr sz="7000" dirty="0">
+                <a:solidFill>
+                  <a:srgbClr val="FF0000"/>
+                </a:solidFill>
+              </a:rPr>
+              <a:t>)</a:t>
             </a:r>
           </a:p>
         </p:txBody>
@@ -16648,7 +17021,7 @@
         <p:spPr>
           <a:xfrm>
             <a:off x="469907" y="7649947"/>
-            <a:ext cx="7920438" cy="1179810"/>
+            <a:ext cx="6073779" cy="1179810"/>
           </a:xfrm>
           <a:prstGeom prst="rect">
             <a:avLst/>
@@ -16661,7 +17034,7 @@
           </a:ln>
           <a:extLst>
             <a:ext uri="{C572A759-6A51-4108-AA02-DFA0A04FC94B}">
-              <ma14:wrappingTextBoxFlag xmlns:ma14="http://schemas.microsoft.com/office/mac/drawingml/2011/main" xmlns="" val="1"/>
+              <ma14:wrappingTextBoxFlag xmlns="" xmlns:ma14="http://schemas.microsoft.com/office/mac/drawingml/2011/main" val="1"/>
             </a:ext>
           </a:extLst>
         </p:spPr>
@@ -16685,23 +17058,55 @@
                   <a:schemeClr val="accent6"/>
                 </a:solidFill>
               </a:rPr>
-              <a:t>P(A &amp; B) </a:t>
+              <a:t>P(</a:t>
+            </a:r>
+            <a:r>
+              <a:rPr lang="el-GR" sz="7000" dirty="0">
+                <a:solidFill>
+                  <a:schemeClr val="accent6"/>
+                </a:solidFill>
+              </a:rPr>
+              <a:t>θ</a:t>
+            </a:r>
+            <a:r>
+              <a:rPr sz="7000" dirty="0">
+                <a:solidFill>
+                  <a:schemeClr val="accent6"/>
+                </a:solidFill>
+              </a:rPr>
+              <a:t> &amp; </a:t>
+            </a:r>
+            <a:r>
+              <a:rPr lang="en-US" sz="7000" dirty="0">
+                <a:solidFill>
+                  <a:schemeClr val="accent6"/>
+                </a:solidFill>
+              </a:rPr>
+              <a:t>D</a:t>
+            </a:r>
+            <a:r>
+              <a:rPr sz="7000" dirty="0">
+                <a:solidFill>
+                  <a:schemeClr val="accent6"/>
+                </a:solidFill>
+              </a:rPr>
+              <a:t>) </a:t>
             </a:r>
             <a:r>
               <a:rPr sz="7000" dirty="0"/>
               <a:t>= P(</a:t>
             </a:r>
             <a:r>
-              <a:rPr lang="en-US" sz="7000" dirty="0" err="1"/>
-              <a:t>A</a:t>
-            </a:r>
-            <a:r>
-              <a:rPr sz="7000" dirty="0" err="1"/>
+              <a:rPr lang="el-GR" sz="7000" dirty="0"/>
+              <a:t>θ</a:t>
+            </a:r>
+            <a:r>
+              <a:rPr sz="7000" dirty="0"/>
               <a:t>|</a:t>
             </a:r>
             <a:r>
-              <a:rPr lang="en-US" sz="7000" dirty="0" err="1"/>
-              <a:t>B</a:t>
+              <a:rPr lang="en-US" sz="7000" dirty="0"/>
+              <a:t>D</a:t>
             </a:r>
             <a:r>
               <a:rPr sz="7000" dirty="0"/>
@@ -16721,7 +17126,7 @@
                   <a:schemeClr val="accent1"/>
                 </a:solidFill>
               </a:rPr>
-              <a:t>B</a:t>
+              <a:t>D</a:t>
             </a:r>
             <a:r>
               <a:rPr sz="7000" dirty="0">
@@ -17090,7 +17495,7 @@
           <p:nvPr/>
         </p:nvPicPr>
         <p:blipFill>
-          <a:blip r:embed="rId2"/>
+          <a:blip r:embed="rId3"/>
           <a:stretch>
             <a:fillRect/>
           </a:stretch>
@@ -17153,7 +17558,7 @@
           </a:ln>
           <a:extLst>
             <a:ext uri="{C572A759-6A51-4108-AA02-DFA0A04FC94B}">
-              <ma14:wrappingTextBoxFlag xmlns="" xmlns:ma14="http://schemas.microsoft.com/office/mac/drawingml/2011/main" val="1"/>
+              <ma14:wrappingTextBoxFlag xmlns:ma14="http://schemas.microsoft.com/office/mac/drawingml/2011/main" xmlns="" val="1"/>
             </a:ext>
           </a:extLst>
         </p:spPr>
@@ -17179,12 +17584,28 @@
               </a:defRPr>
             </a:pPr>
             <a:r>
-              <a:rPr>
+              <a:rPr dirty="0">
                 <a:solidFill>
                   <a:srgbClr val="A7A7A7"/>
                 </a:solidFill>
               </a:rPr>
-              <a:t>P(BC|+test) = P(+test|BC)P(BC) / P(+test)</a:t>
+              <a:t>P(BC|+test) = P(+</a:t>
+            </a:r>
+            <a:r>
+              <a:rPr dirty="0" err="1">
+                <a:solidFill>
+                  <a:srgbClr val="A7A7A7"/>
+                </a:solidFill>
+              </a:rPr>
+              <a:t>test|BC</a:t>
+            </a:r>
+            <a:r>
+              <a:rPr dirty="0">
+                <a:solidFill>
+                  <a:srgbClr val="A7A7A7"/>
+                </a:solidFill>
+              </a:rPr>
+              <a:t>)P(BC) / P(+test)</a:t>
             </a:r>
           </a:p>
         </p:txBody>
@@ -17424,6 +17845,7 @@
           </a:lstStyle>
           <a:p>
             <a:r>
+              <a:rPr dirty="0"/>
               <a:t>Bayes Theorem</a:t>
             </a:r>
           </a:p>
@@ -17684,6 +18106,7 @@
           </a:lstStyle>
           <a:p>
             <a:r>
+              <a:rPr dirty="0"/>
               <a:t>Detecting Spam</a:t>
             </a:r>
           </a:p>
@@ -17882,7 +18305,7 @@
           </a:ln>
           <a:extLst>
             <a:ext uri="{C572A759-6A51-4108-AA02-DFA0A04FC94B}">
-              <ma14:wrappingTextBoxFlag xmlns="" xmlns:ma14="http://schemas.microsoft.com/office/mac/drawingml/2011/main" val="1"/>
+              <ma14:wrappingTextBoxFlag xmlns:ma14="http://schemas.microsoft.com/office/mac/drawingml/2011/main" xmlns="" val="1"/>
             </a:ext>
           </a:extLst>
         </p:spPr>
@@ -18027,7 +18450,7 @@
           </a:ln>
           <a:extLst>
             <a:ext uri="{C572A759-6A51-4108-AA02-DFA0A04FC94B}">
-              <ma14:wrappingTextBoxFlag xmlns="" xmlns:ma14="http://schemas.microsoft.com/office/mac/drawingml/2011/main" val="1"/>
+              <ma14:wrappingTextBoxFlag xmlns:ma14="http://schemas.microsoft.com/office/mac/drawingml/2011/main" xmlns="" val="1"/>
             </a:ext>
           </a:extLst>
         </p:spPr>
@@ -18244,7 +18667,7 @@
           </a:ln>
           <a:extLst>
             <a:ext uri="{C572A759-6A51-4108-AA02-DFA0A04FC94B}">
-              <ma14:wrappingTextBoxFlag xmlns="" xmlns:ma14="http://schemas.microsoft.com/office/mac/drawingml/2011/main" val="1"/>
+              <ma14:wrappingTextBoxFlag xmlns:ma14="http://schemas.microsoft.com/office/mac/drawingml/2011/main" xmlns="" val="1"/>
             </a:ext>
           </a:extLst>
         </p:spPr>
@@ -18466,7 +18889,7 @@
         </p:spPr>
         <p:txBody>
           <a:bodyPr>
-            <a:normAutofit fontScale="90000"/>
+            <a:normAutofit/>
           </a:bodyPr>
           <a:lstStyle>
             <a:lvl1pPr>
@@ -18789,7 +19212,7 @@
         </p:spPr>
         <p:txBody>
           <a:bodyPr>
-            <a:normAutofit fontScale="90000"/>
+            <a:normAutofit/>
           </a:bodyPr>
           <a:lstStyle>
             <a:lvl1pPr>
@@ -18973,7 +19396,7 @@
           </a:ln>
           <a:extLst>
             <a:ext uri="{C572A759-6A51-4108-AA02-DFA0A04FC94B}">
-              <ma14:wrappingTextBoxFlag xmlns="" xmlns:ma14="http://schemas.microsoft.com/office/mac/drawingml/2011/main" val="1"/>
+              <ma14:wrappingTextBoxFlag xmlns:ma14="http://schemas.microsoft.com/office/mac/drawingml/2011/main" xmlns="" val="1"/>
             </a:ext>
           </a:extLst>
         </p:spPr>
@@ -19149,7 +19572,7 @@
           </a:ln>
           <a:extLst>
             <a:ext uri="{C572A759-6A51-4108-AA02-DFA0A04FC94B}">
-              <ma14:wrappingTextBoxFlag xmlns="" xmlns:ma14="http://schemas.microsoft.com/office/mac/drawingml/2011/main" val="1"/>
+              <ma14:wrappingTextBoxFlag xmlns:ma14="http://schemas.microsoft.com/office/mac/drawingml/2011/main" xmlns="" val="1"/>
             </a:ext>
           </a:extLst>
         </p:spPr>
@@ -19247,8 +19670,8 @@
           </a:p>
         </p:txBody>
       </p:sp>
-      <mc:AlternateContent xmlns:mc="http://schemas.openxmlformats.org/markup-compatibility/2006">
-        <mc:Choice xmlns:a14="http://schemas.microsoft.com/office/drawing/2010/main" Requires="a14">
+      <mc:AlternateContent xmlns:mc="http://schemas.openxmlformats.org/markup-compatibility/2006" xmlns:a14="http://schemas.microsoft.com/office/drawing/2010/main">
+        <mc:Choice Requires="a14">
           <p:sp>
             <p:nvSpPr>
               <p:cNvPr id="7" name="Text Placeholder 6">
@@ -19294,7 +19717,7 @@
                         <m:dPr>
                           <m:endChr m:val="|"/>
                           <m:ctrlPr>
-                            <a:rPr lang="en-US" sz="3700" b="0" smtClean="0">
+                            <a:rPr lang="en-US" sz="3700" b="0" i="1" smtClean="0">
                               <a:solidFill>
                                 <a:srgbClr val="A7A7A7"/>
                               </a:solidFill>
@@ -19528,7 +19951,7 @@
             </p:txBody>
           </p:sp>
         </mc:Choice>
-        <mc:Fallback>
+        <mc:Fallback xmlns="">
           <p:sp>
             <p:nvSpPr>
               <p:cNvPr id="7" name="Text Placeholder 6">
@@ -19886,7 +20309,7 @@
         </p:style>
         <p:txBody>
           <a:bodyPr rot="0" spcFirstLastPara="1" vertOverflow="overflow" horzOverflow="overflow" vert="horz" wrap="square" lIns="50800" tIns="0" rIns="50800" bIns="0" numCol="1" spcCol="38100" rtlCol="0" anchor="ctr">
-            <a:normAutofit fontScale="85000" lnSpcReduction="10000"/>
+            <a:normAutofit/>
           </a:bodyPr>
           <a:lstStyle/>
           <a:p>
@@ -20510,6 +20933,7 @@
           </a:lstStyle>
           <a:p>
             <a:r>
+              <a:rPr dirty="0"/>
               <a:t>Bayes’ Theorem</a:t>
             </a:r>
           </a:p>
@@ -20562,6 +20986,7 @@
           </a:lstStyle>
           <a:p>
             <a:r>
+              <a:rPr dirty="0"/>
               <a:t>How to evaluate evidence using probability theory</a:t>
             </a:r>
           </a:p>
@@ -20669,6 +21094,7 @@
           </a:lstStyle>
           <a:p>
             <a:r>
+              <a:rPr dirty="0"/>
               <a:t>Probability</a:t>
             </a:r>
           </a:p>
@@ -20799,7 +21225,7 @@
         </p:spPr>
         <p:txBody>
           <a:bodyPr>
-            <a:normAutofit fontScale="90000"/>
+            <a:normAutofit/>
           </a:bodyPr>
           <a:lstStyle>
             <a:lvl1pPr defTabSz="385572">
@@ -20808,6 +21234,7 @@
           </a:lstStyle>
           <a:p>
             <a:r>
+              <a:rPr dirty="0"/>
               <a:t>Conditional Probability</a:t>
             </a:r>
           </a:p>
@@ -20860,7 +21287,24 @@
           </a:lstStyle>
           <a:p>
             <a:r>
-              <a:t>P(A|B) = % of cases where A is true, assuming B is true</a:t>
+              <a:rPr dirty="0"/>
+              <a:t>P(A|</a:t>
+            </a:r>
+            <a:r>
+              <a:rPr lang="en-US" dirty="0"/>
+              <a:t>D</a:t>
+            </a:r>
+            <a:r>
+              <a:rPr dirty="0"/>
+              <a:t>) = % of cases where A is true, assuming </a:t>
+            </a:r>
+            <a:r>
+              <a:rPr lang="en-US" dirty="0"/>
+              <a:t>D</a:t>
+            </a:r>
+            <a:r>
+              <a:rPr dirty="0"/>
+              <a:t> is true</a:t>
             </a:r>
           </a:p>
         </p:txBody>
@@ -20970,6 +21414,7 @@
               </a:defRPr>
             </a:pPr>
             <a:r>
+              <a:rPr dirty="0"/>
               <a:t>I learn: 40% of plane crashes happen during bad weather</a:t>
             </a:r>
           </a:p>
@@ -20997,10 +21442,11 @@
               </a:defRPr>
             </a:pPr>
             <a:r>
+              <a:rPr dirty="0"/>
               <a:t>If there’s bad weather, </a:t>
             </a:r>
             <a:r>
-              <a:rPr>
+              <a:rPr dirty="0">
                 <a:solidFill>
                   <a:schemeClr val="accent5"/>
                 </a:solidFill>
@@ -21116,7 +21562,15 @@
             </a:pPr>
             <a:r>
               <a:rPr dirty="0"/>
-              <a:t>P(A) = airplane crash = 0.</a:t>
+              <a:t>P(</a:t>
+            </a:r>
+            <a:r>
+              <a:rPr lang="el-GR" dirty="0"/>
+              <a:t>θ</a:t>
+            </a:r>
+            <a:r>
+              <a:rPr dirty="0"/>
+              <a:t>) = airplane crash = 0.</a:t>
             </a:r>
             <a:r>
               <a:rPr lang="en-US" dirty="0"/>
@@ -21152,7 +21606,15 @@
             </a:pPr>
             <a:r>
               <a:rPr dirty="0"/>
-              <a:t>P(B) = bad weather = 0.</a:t>
+              <a:t>P(</a:t>
+            </a:r>
+            <a:r>
+              <a:rPr lang="en-US" dirty="0"/>
+              <a:t>D</a:t>
+            </a:r>
+            <a:r>
+              <a:rPr dirty="0"/>
+              <a:t>) = bad weather = 0.</a:t>
             </a:r>
             <a:r>
               <a:rPr lang="en-US" dirty="0"/>
@@ -21188,8 +21650,16 @@
               <a:t>P(</a:t>
             </a:r>
             <a:r>
-              <a:rPr dirty="0" err="1"/>
-              <a:t>B|A</a:t>
+              <a:rPr lang="en-US" dirty="0"/>
+              <a:t>D</a:t>
+            </a:r>
+            <a:r>
+              <a:rPr dirty="0"/>
+              <a:t>|</a:t>
+            </a:r>
+            <a:r>
+              <a:rPr lang="el-GR" dirty="0"/>
+              <a:t>θ</a:t>
             </a:r>
             <a:r>
               <a:rPr dirty="0"/>
@@ -21254,6 +21724,7 @@
           </a:lstStyle>
           <a:p>
             <a:r>
+              <a:rPr dirty="0"/>
               <a:t>Bayes’ Theorem</a:t>
             </a:r>
           </a:p>
@@ -21306,7 +21777,40 @@
           </a:lstStyle>
           <a:p>
             <a:r>
-              <a:t>How to find P(A|B) given P(B|A)</a:t>
+              <a:rPr dirty="0"/>
+              <a:t>How to find P(</a:t>
+            </a:r>
+            <a:r>
+              <a:rPr lang="el-GR" dirty="0"/>
+              <a:t>θ</a:t>
+            </a:r>
+            <a:r>
+              <a:rPr dirty="0"/>
+              <a:t>|</a:t>
+            </a:r>
+            <a:r>
+              <a:rPr lang="en-US" dirty="0"/>
+              <a:t>D</a:t>
+            </a:r>
+            <a:r>
+              <a:rPr dirty="0"/>
+              <a:t>) given P(</a:t>
+            </a:r>
+            <a:r>
+              <a:rPr lang="en-US" dirty="0"/>
+              <a:t>D</a:t>
+            </a:r>
+            <a:r>
+              <a:rPr dirty="0"/>
+              <a:t>|</a:t>
+            </a:r>
+            <a:r>
+              <a:rPr lang="el-GR" dirty="0"/>
+              <a:t>θ</a:t>
+            </a:r>
+            <a:r>
+              <a:rPr dirty="0"/>
+              <a:t>)</a:t>
             </a:r>
           </a:p>
         </p:txBody>

--- a/Session5/Session5_Slides.pptx
+++ b/Session5/Session5_Slides.pptx
@@ -13111,7 +13111,7 @@
           </a:ln>
           <a:extLst>
             <a:ext uri="{C572A759-6A51-4108-AA02-DFA0A04FC94B}">
-              <ma14:wrappingTextBoxFlag xmlns:ma14="http://schemas.microsoft.com/office/mac/drawingml/2011/main" xmlns="" val="1"/>
+              <ma14:wrappingTextBoxFlag xmlns="" xmlns:ma14="http://schemas.microsoft.com/office/mac/drawingml/2011/main" val="1"/>
             </a:ext>
           </a:extLst>
         </p:spPr>
@@ -13150,7 +13150,7 @@
           </a:ln>
           <a:extLst>
             <a:ext uri="{C572A759-6A51-4108-AA02-DFA0A04FC94B}">
-              <ma14:wrappingTextBoxFlag xmlns:ma14="http://schemas.microsoft.com/office/mac/drawingml/2011/main" xmlns="" val="1"/>
+              <ma14:wrappingTextBoxFlag xmlns="" xmlns:ma14="http://schemas.microsoft.com/office/mac/drawingml/2011/main" val="1"/>
             </a:ext>
           </a:extLst>
         </p:spPr>
@@ -14210,7 +14210,7 @@
           </a:ln>
           <a:extLst>
             <a:ext uri="{C572A759-6A51-4108-AA02-DFA0A04FC94B}">
-              <ma14:wrappingTextBoxFlag xmlns:ma14="http://schemas.microsoft.com/office/mac/drawingml/2011/main" xmlns="" val="1"/>
+              <ma14:wrappingTextBoxFlag xmlns="" xmlns:ma14="http://schemas.microsoft.com/office/mac/drawingml/2011/main" val="1"/>
             </a:ext>
           </a:extLst>
         </p:spPr>
@@ -14321,7 +14321,7 @@
           </a:ln>
           <a:extLst>
             <a:ext uri="{C572A759-6A51-4108-AA02-DFA0A04FC94B}">
-              <ma14:wrappingTextBoxFlag xmlns:ma14="http://schemas.microsoft.com/office/mac/drawingml/2011/main" xmlns="" val="1"/>
+              <ma14:wrappingTextBoxFlag xmlns="" xmlns:ma14="http://schemas.microsoft.com/office/mac/drawingml/2011/main" val="1"/>
             </a:ext>
           </a:extLst>
         </p:spPr>
@@ -14453,7 +14453,7 @@
           </a:ln>
           <a:extLst>
             <a:ext uri="{C572A759-6A51-4108-AA02-DFA0A04FC94B}">
-              <ma14:wrappingTextBoxFlag xmlns:ma14="http://schemas.microsoft.com/office/mac/drawingml/2011/main" xmlns="" val="1"/>
+              <ma14:wrappingTextBoxFlag xmlns="" xmlns:ma14="http://schemas.microsoft.com/office/mac/drawingml/2011/main" val="1"/>
             </a:ext>
           </a:extLst>
         </p:spPr>
@@ -14610,7 +14610,7 @@
           </a:ln>
           <a:extLst>
             <a:ext uri="{C572A759-6A51-4108-AA02-DFA0A04FC94B}">
-              <ma14:wrappingTextBoxFlag xmlns="" xmlns:ma14="http://schemas.microsoft.com/office/mac/drawingml/2011/main" val="1"/>
+              <ma14:wrappingTextBoxFlag xmlns:ma14="http://schemas.microsoft.com/office/mac/drawingml/2011/main" xmlns="" val="1"/>
             </a:ext>
           </a:extLst>
         </p:spPr>
@@ -15002,7 +15002,7 @@
           </a:ln>
           <a:extLst>
             <a:ext uri="{C572A759-6A51-4108-AA02-DFA0A04FC94B}">
-              <ma14:wrappingTextBoxFlag xmlns:ma14="http://schemas.microsoft.com/office/mac/drawingml/2011/main" xmlns="" val="1"/>
+              <ma14:wrappingTextBoxFlag xmlns="" xmlns:ma14="http://schemas.microsoft.com/office/mac/drawingml/2011/main" val="1"/>
             </a:ext>
           </a:extLst>
         </p:spPr>
@@ -15066,7 +15066,7 @@
           </a:ln>
           <a:extLst>
             <a:ext uri="{C572A759-6A51-4108-AA02-DFA0A04FC94B}">
-              <ma14:wrappingTextBoxFlag xmlns:ma14="http://schemas.microsoft.com/office/mac/drawingml/2011/main" xmlns="" val="1"/>
+              <ma14:wrappingTextBoxFlag xmlns="" xmlns:ma14="http://schemas.microsoft.com/office/mac/drawingml/2011/main" val="1"/>
             </a:ext>
           </a:extLst>
         </p:spPr>
@@ -15133,7 +15133,7 @@
           </a:ln>
           <a:extLst>
             <a:ext uri="{C572A759-6A51-4108-AA02-DFA0A04FC94B}">
-              <ma14:wrappingTextBoxFlag xmlns="" xmlns:ma14="http://schemas.microsoft.com/office/mac/drawingml/2011/main" val="1"/>
+              <ma14:wrappingTextBoxFlag xmlns:ma14="http://schemas.microsoft.com/office/mac/drawingml/2011/main" xmlns="" val="1"/>
             </a:ext>
           </a:extLst>
         </p:spPr>
@@ -15186,7 +15186,7 @@
               </a:ln>
               <a:extLst>
                 <a:ext uri="{C572A759-6A51-4108-AA02-DFA0A04FC94B}">
-                  <ma14:wrappingTextBoxFlag xmlns="" xmlns:ma14="http://schemas.microsoft.com/office/mac/drawingml/2011/main" val="1"/>
+                  <ma14:wrappingTextBoxFlag xmlns:ma14="http://schemas.microsoft.com/office/mac/drawingml/2011/main" xmlns="" val="1"/>
                 </a:ext>
               </a:extLst>
             </p:spPr>
@@ -15263,7 +15263,7 @@
                               </a:solidFill>
                               <a:latin typeface="Cambria Math" panose="02040503050406030204" pitchFamily="18" charset="0"/>
                             </a:rPr>
-                            <m:t>𝐵</m:t>
+                            <m:t>𝐷</m:t>
                           </m:r>
                           <m:r>
                             <a:rPr lang="en-US" b="0" i="1" smtClean="0">
@@ -15301,7 +15301,7 @@
                               </a:solidFill>
                               <a:latin typeface="Cambria Math" panose="02040503050406030204" pitchFamily="18" charset="0"/>
                             </a:rPr>
-                            <m:t>𝐵</m:t>
+                            <m:t>𝐷</m:t>
                           </m:r>
                           <m:r>
                             <a:rPr lang="en-US" b="0" i="1" smtClean="0">
@@ -15348,7 +15348,7 @@
               <a:blipFill>
                 <a:blip r:embed="rId3"/>
                 <a:stretch>
-                  <a:fillRect l="-4620" t="-472" r="-7921" b="-15094"/>
+                  <a:fillRect l="-4950" t="-472" r="-8251" b="-15094"/>
                 </a:stretch>
               </a:blipFill>
               <a:ln w="12700">
@@ -15356,7 +15356,7 @@
               </a:ln>
               <a:extLst>
                 <a:ext uri="{C572A759-6A51-4108-AA02-DFA0A04FC94B}">
-                  <ma14:wrappingTextBoxFlag xmlns="" xmlns:ma14="http://schemas.microsoft.com/office/mac/drawingml/2011/main" xmlns:a14="http://schemas.microsoft.com/office/drawing/2010/main" val="1"/>
+                  <ma14:wrappingTextBoxFlag xmlns:ma14="http://schemas.microsoft.com/office/mac/drawingml/2011/main" xmlns="" xmlns:a14="http://schemas.microsoft.com/office/drawing/2010/main" val="1"/>
                 </a:ext>
               </a:extLst>
             </p:spPr>
@@ -15815,7 +15815,7 @@
           </a:ln>
           <a:extLst>
             <a:ext uri="{C572A759-6A51-4108-AA02-DFA0A04FC94B}">
-              <ma14:wrappingTextBoxFlag xmlns="" xmlns:ma14="http://schemas.microsoft.com/office/mac/drawingml/2011/main" val="1"/>
+              <ma14:wrappingTextBoxFlag xmlns:ma14="http://schemas.microsoft.com/office/mac/drawingml/2011/main" xmlns="" val="1"/>
             </a:ext>
           </a:extLst>
         </p:spPr>
@@ -15882,7 +15882,7 @@
           </a:ln>
           <a:extLst>
             <a:ext uri="{C572A759-6A51-4108-AA02-DFA0A04FC94B}">
-              <ma14:wrappingTextBoxFlag xmlns="" xmlns:ma14="http://schemas.microsoft.com/office/mac/drawingml/2011/main" val="1"/>
+              <ma14:wrappingTextBoxFlag xmlns:ma14="http://schemas.microsoft.com/office/mac/drawingml/2011/main" xmlns="" val="1"/>
             </a:ext>
           </a:extLst>
         </p:spPr>
@@ -15950,7 +15950,7 @@
           </a:ln>
           <a:extLst>
             <a:ext uri="{C572A759-6A51-4108-AA02-DFA0A04FC94B}">
-              <ma14:wrappingTextBoxFlag xmlns:ma14="http://schemas.microsoft.com/office/mac/drawingml/2011/main" xmlns="" val="1"/>
+              <ma14:wrappingTextBoxFlag xmlns="" xmlns:ma14="http://schemas.microsoft.com/office/mac/drawingml/2011/main" val="1"/>
             </a:ext>
           </a:extLst>
         </p:spPr>
@@ -15975,8 +15975,8 @@
           </a:p>
         </p:txBody>
       </p:sp>
-      <mc:AlternateContent xmlns:mc="http://schemas.openxmlformats.org/markup-compatibility/2006">
-        <mc:Choice xmlns:a14="http://schemas.microsoft.com/office/drawing/2010/main" Requires="a14">
+      <mc:AlternateContent xmlns:mc="http://schemas.openxmlformats.org/markup-compatibility/2006" xmlns:a14="http://schemas.microsoft.com/office/drawing/2010/main">
+        <mc:Choice Requires="a14">
           <p:sp>
             <p:nvSpPr>
               <p:cNvPr id="13" name="Shape 237">
@@ -16003,7 +16003,7 @@
               </a:ln>
               <a:extLst>
                 <a:ext uri="{C572A759-6A51-4108-AA02-DFA0A04FC94B}">
-                  <ma14:wrappingTextBoxFlag xmlns:ma14="http://schemas.microsoft.com/office/mac/drawingml/2011/main" xmlns="" val="1"/>
+                  <ma14:wrappingTextBoxFlag xmlns="" xmlns:ma14="http://schemas.microsoft.com/office/mac/drawingml/2011/main" val="1"/>
                 </a:ext>
               </a:extLst>
             </p:spPr>
@@ -16139,7 +16139,7 @@
             </p:txBody>
           </p:sp>
         </mc:Choice>
-        <mc:Fallback>
+        <mc:Fallback xmlns="">
           <p:sp>
             <p:nvSpPr>
               <p:cNvPr id="13" name="Shape 237">
@@ -16385,8 +16385,8 @@
           <a:chExt cx="0" cy="0"/>
         </a:xfrm>
       </p:grpSpPr>
-      <mc:AlternateContent xmlns:mc="http://schemas.openxmlformats.org/markup-compatibility/2006">
-        <mc:Choice xmlns:a14="http://schemas.microsoft.com/office/drawing/2010/main" Requires="a14">
+      <mc:AlternateContent xmlns:mc="http://schemas.openxmlformats.org/markup-compatibility/2006" xmlns:a14="http://schemas.microsoft.com/office/drawing/2010/main">
+        <mc:Choice Requires="a14">
           <p:sp>
             <p:nvSpPr>
               <p:cNvPr id="13" name="TextBox 12">
@@ -16736,7 +16736,7 @@
             </p:txBody>
           </p:sp>
         </mc:Choice>
-        <mc:Fallback>
+        <mc:Fallback xmlns="">
           <p:sp>
             <p:nvSpPr>
               <p:cNvPr id="13" name="TextBox 12">
@@ -16808,7 +16808,7 @@
           </a:ln>
           <a:extLst>
             <a:ext uri="{C572A759-6A51-4108-AA02-DFA0A04FC94B}">
-              <ma14:wrappingTextBoxFlag xmlns:ma14="http://schemas.microsoft.com/office/mac/drawingml/2011/main" xmlns="" val="1"/>
+              <ma14:wrappingTextBoxFlag xmlns="" xmlns:ma14="http://schemas.microsoft.com/office/mac/drawingml/2011/main" val="1"/>
             </a:ext>
           </a:extLst>
         </p:spPr>
@@ -17034,7 +17034,7 @@
           </a:ln>
           <a:extLst>
             <a:ext uri="{C572A759-6A51-4108-AA02-DFA0A04FC94B}">
-              <ma14:wrappingTextBoxFlag xmlns="" xmlns:ma14="http://schemas.microsoft.com/office/mac/drawingml/2011/main" val="1"/>
+              <ma14:wrappingTextBoxFlag xmlns:ma14="http://schemas.microsoft.com/office/mac/drawingml/2011/main" xmlns="" val="1"/>
             </a:ext>
           </a:extLst>
         </p:spPr>
@@ -17558,7 +17558,7 @@
           </a:ln>
           <a:extLst>
             <a:ext uri="{C572A759-6A51-4108-AA02-DFA0A04FC94B}">
-              <ma14:wrappingTextBoxFlag xmlns:ma14="http://schemas.microsoft.com/office/mac/drawingml/2011/main" xmlns="" val="1"/>
+              <ma14:wrappingTextBoxFlag xmlns="" xmlns:ma14="http://schemas.microsoft.com/office/mac/drawingml/2011/main" val="1"/>
             </a:ext>
           </a:extLst>
         </p:spPr>
@@ -18305,7 +18305,7 @@
           </a:ln>
           <a:extLst>
             <a:ext uri="{C572A759-6A51-4108-AA02-DFA0A04FC94B}">
-              <ma14:wrappingTextBoxFlag xmlns:ma14="http://schemas.microsoft.com/office/mac/drawingml/2011/main" xmlns="" val="1"/>
+              <ma14:wrappingTextBoxFlag xmlns="" xmlns:ma14="http://schemas.microsoft.com/office/mac/drawingml/2011/main" val="1"/>
             </a:ext>
           </a:extLst>
         </p:spPr>
@@ -18450,7 +18450,7 @@
           </a:ln>
           <a:extLst>
             <a:ext uri="{C572A759-6A51-4108-AA02-DFA0A04FC94B}">
-              <ma14:wrappingTextBoxFlag xmlns:ma14="http://schemas.microsoft.com/office/mac/drawingml/2011/main" xmlns="" val="1"/>
+              <ma14:wrappingTextBoxFlag xmlns="" xmlns:ma14="http://schemas.microsoft.com/office/mac/drawingml/2011/main" val="1"/>
             </a:ext>
           </a:extLst>
         </p:spPr>
@@ -18667,7 +18667,7 @@
           </a:ln>
           <a:extLst>
             <a:ext uri="{C572A759-6A51-4108-AA02-DFA0A04FC94B}">
-              <ma14:wrappingTextBoxFlag xmlns:ma14="http://schemas.microsoft.com/office/mac/drawingml/2011/main" xmlns="" val="1"/>
+              <ma14:wrappingTextBoxFlag xmlns="" xmlns:ma14="http://schemas.microsoft.com/office/mac/drawingml/2011/main" val="1"/>
             </a:ext>
           </a:extLst>
         </p:spPr>
@@ -19396,7 +19396,7 @@
           </a:ln>
           <a:extLst>
             <a:ext uri="{C572A759-6A51-4108-AA02-DFA0A04FC94B}">
-              <ma14:wrappingTextBoxFlag xmlns:ma14="http://schemas.microsoft.com/office/mac/drawingml/2011/main" xmlns="" val="1"/>
+              <ma14:wrappingTextBoxFlag xmlns="" xmlns:ma14="http://schemas.microsoft.com/office/mac/drawingml/2011/main" val="1"/>
             </a:ext>
           </a:extLst>
         </p:spPr>
@@ -19572,7 +19572,7 @@
           </a:ln>
           <a:extLst>
             <a:ext uri="{C572A759-6A51-4108-AA02-DFA0A04FC94B}">
-              <ma14:wrappingTextBoxFlag xmlns:ma14="http://schemas.microsoft.com/office/mac/drawingml/2011/main" xmlns="" val="1"/>
+              <ma14:wrappingTextBoxFlag xmlns="" xmlns:ma14="http://schemas.microsoft.com/office/mac/drawingml/2011/main" val="1"/>
             </a:ext>
           </a:extLst>
         </p:spPr>

--- a/Session5/Session5_Slides.pptx
+++ b/Session5/Session5_Slides.pptx
@@ -13111,7 +13111,7 @@
           </a:ln>
           <a:extLst>
             <a:ext uri="{C572A759-6A51-4108-AA02-DFA0A04FC94B}">
-              <ma14:wrappingTextBoxFlag xmlns="" xmlns:ma14="http://schemas.microsoft.com/office/mac/drawingml/2011/main" val="1"/>
+              <ma14:wrappingTextBoxFlag xmlns:ma14="http://schemas.microsoft.com/office/mac/drawingml/2011/main" xmlns="" val="1"/>
             </a:ext>
           </a:extLst>
         </p:spPr>
@@ -13150,7 +13150,7 @@
           </a:ln>
           <a:extLst>
             <a:ext uri="{C572A759-6A51-4108-AA02-DFA0A04FC94B}">
-              <ma14:wrappingTextBoxFlag xmlns="" xmlns:ma14="http://schemas.microsoft.com/office/mac/drawingml/2011/main" val="1"/>
+              <ma14:wrappingTextBoxFlag xmlns:ma14="http://schemas.microsoft.com/office/mac/drawingml/2011/main" xmlns="" val="1"/>
             </a:ext>
           </a:extLst>
         </p:spPr>
@@ -14210,7 +14210,7 @@
           </a:ln>
           <a:extLst>
             <a:ext uri="{C572A759-6A51-4108-AA02-DFA0A04FC94B}">
-              <ma14:wrappingTextBoxFlag xmlns="" xmlns:ma14="http://schemas.microsoft.com/office/mac/drawingml/2011/main" val="1"/>
+              <ma14:wrappingTextBoxFlag xmlns:ma14="http://schemas.microsoft.com/office/mac/drawingml/2011/main" xmlns="" val="1"/>
             </a:ext>
           </a:extLst>
         </p:spPr>
@@ -14321,7 +14321,7 @@
           </a:ln>
           <a:extLst>
             <a:ext uri="{C572A759-6A51-4108-AA02-DFA0A04FC94B}">
-              <ma14:wrappingTextBoxFlag xmlns="" xmlns:ma14="http://schemas.microsoft.com/office/mac/drawingml/2011/main" val="1"/>
+              <ma14:wrappingTextBoxFlag xmlns:ma14="http://schemas.microsoft.com/office/mac/drawingml/2011/main" xmlns="" val="1"/>
             </a:ext>
           </a:extLst>
         </p:spPr>
@@ -14453,7 +14453,7 @@
           </a:ln>
           <a:extLst>
             <a:ext uri="{C572A759-6A51-4108-AA02-DFA0A04FC94B}">
-              <ma14:wrappingTextBoxFlag xmlns="" xmlns:ma14="http://schemas.microsoft.com/office/mac/drawingml/2011/main" val="1"/>
+              <ma14:wrappingTextBoxFlag xmlns:ma14="http://schemas.microsoft.com/office/mac/drawingml/2011/main" xmlns="" val="1"/>
             </a:ext>
           </a:extLst>
         </p:spPr>
@@ -14610,7 +14610,7 @@
           </a:ln>
           <a:extLst>
             <a:ext uri="{C572A759-6A51-4108-AA02-DFA0A04FC94B}">
-              <ma14:wrappingTextBoxFlag xmlns:ma14="http://schemas.microsoft.com/office/mac/drawingml/2011/main" xmlns="" val="1"/>
+              <ma14:wrappingTextBoxFlag xmlns="" xmlns:ma14="http://schemas.microsoft.com/office/mac/drawingml/2011/main" val="1"/>
             </a:ext>
           </a:extLst>
         </p:spPr>
@@ -15002,7 +15002,7 @@
           </a:ln>
           <a:extLst>
             <a:ext uri="{C572A759-6A51-4108-AA02-DFA0A04FC94B}">
-              <ma14:wrappingTextBoxFlag xmlns="" xmlns:ma14="http://schemas.microsoft.com/office/mac/drawingml/2011/main" val="1"/>
+              <ma14:wrappingTextBoxFlag xmlns:ma14="http://schemas.microsoft.com/office/mac/drawingml/2011/main" xmlns="" val="1"/>
             </a:ext>
           </a:extLst>
         </p:spPr>
@@ -15066,7 +15066,7 @@
           </a:ln>
           <a:extLst>
             <a:ext uri="{C572A759-6A51-4108-AA02-DFA0A04FC94B}">
-              <ma14:wrappingTextBoxFlag xmlns="" xmlns:ma14="http://schemas.microsoft.com/office/mac/drawingml/2011/main" val="1"/>
+              <ma14:wrappingTextBoxFlag xmlns:ma14="http://schemas.microsoft.com/office/mac/drawingml/2011/main" xmlns="" val="1"/>
             </a:ext>
           </a:extLst>
         </p:spPr>
@@ -15133,7 +15133,7 @@
           </a:ln>
           <a:extLst>
             <a:ext uri="{C572A759-6A51-4108-AA02-DFA0A04FC94B}">
-              <ma14:wrappingTextBoxFlag xmlns:ma14="http://schemas.microsoft.com/office/mac/drawingml/2011/main" xmlns="" val="1"/>
+              <ma14:wrappingTextBoxFlag xmlns="" xmlns:ma14="http://schemas.microsoft.com/office/mac/drawingml/2011/main" val="1"/>
             </a:ext>
           </a:extLst>
         </p:spPr>
@@ -15158,8 +15158,8 @@
           </a:p>
         </p:txBody>
       </p:sp>
-      <mc:AlternateContent xmlns:mc="http://schemas.openxmlformats.org/markup-compatibility/2006">
-        <mc:Choice xmlns:a14="http://schemas.microsoft.com/office/drawing/2010/main" Requires="a14">
+      <mc:AlternateContent xmlns:mc="http://schemas.openxmlformats.org/markup-compatibility/2006" xmlns:a14="http://schemas.microsoft.com/office/drawing/2010/main">
+        <mc:Choice Requires="a14">
           <p:sp>
             <p:nvSpPr>
               <p:cNvPr id="4" name="Shape 237">
@@ -15186,7 +15186,7 @@
               </a:ln>
               <a:extLst>
                 <a:ext uri="{C572A759-6A51-4108-AA02-DFA0A04FC94B}">
-                  <ma14:wrappingTextBoxFlag xmlns:ma14="http://schemas.microsoft.com/office/mac/drawingml/2011/main" xmlns="" val="1"/>
+                  <ma14:wrappingTextBoxFlag xmlns="" xmlns:ma14="http://schemas.microsoft.com/office/mac/drawingml/2011/main" val="1"/>
                 </a:ext>
               </a:extLst>
             </p:spPr>
@@ -15322,7 +15322,7 @@
             </p:txBody>
           </p:sp>
         </mc:Choice>
-        <mc:Fallback>
+        <mc:Fallback xmlns="">
           <p:sp>
             <p:nvSpPr>
               <p:cNvPr id="4" name="Shape 237">
@@ -15815,7 +15815,7 @@
           </a:ln>
           <a:extLst>
             <a:ext uri="{C572A759-6A51-4108-AA02-DFA0A04FC94B}">
-              <ma14:wrappingTextBoxFlag xmlns:ma14="http://schemas.microsoft.com/office/mac/drawingml/2011/main" xmlns="" val="1"/>
+              <ma14:wrappingTextBoxFlag xmlns="" xmlns:ma14="http://schemas.microsoft.com/office/mac/drawingml/2011/main" val="1"/>
             </a:ext>
           </a:extLst>
         </p:spPr>
@@ -15882,7 +15882,7 @@
           </a:ln>
           <a:extLst>
             <a:ext uri="{C572A759-6A51-4108-AA02-DFA0A04FC94B}">
-              <ma14:wrappingTextBoxFlag xmlns:ma14="http://schemas.microsoft.com/office/mac/drawingml/2011/main" xmlns="" val="1"/>
+              <ma14:wrappingTextBoxFlag xmlns="" xmlns:ma14="http://schemas.microsoft.com/office/mac/drawingml/2011/main" val="1"/>
             </a:ext>
           </a:extLst>
         </p:spPr>
@@ -15950,7 +15950,7 @@
           </a:ln>
           <a:extLst>
             <a:ext uri="{C572A759-6A51-4108-AA02-DFA0A04FC94B}">
-              <ma14:wrappingTextBoxFlag xmlns="" xmlns:ma14="http://schemas.microsoft.com/office/mac/drawingml/2011/main" val="1"/>
+              <ma14:wrappingTextBoxFlag xmlns:ma14="http://schemas.microsoft.com/office/mac/drawingml/2011/main" xmlns="" val="1"/>
             </a:ext>
           </a:extLst>
         </p:spPr>
@@ -16003,7 +16003,7 @@
               </a:ln>
               <a:extLst>
                 <a:ext uri="{C572A759-6A51-4108-AA02-DFA0A04FC94B}">
-                  <ma14:wrappingTextBoxFlag xmlns="" xmlns:ma14="http://schemas.microsoft.com/office/mac/drawingml/2011/main" val="1"/>
+                  <ma14:wrappingTextBoxFlag xmlns:ma14="http://schemas.microsoft.com/office/mac/drawingml/2011/main" xmlns="" val="1"/>
                 </a:ext>
               </a:extLst>
             </p:spPr>
@@ -16808,7 +16808,7 @@
           </a:ln>
           <a:extLst>
             <a:ext uri="{C572A759-6A51-4108-AA02-DFA0A04FC94B}">
-              <ma14:wrappingTextBoxFlag xmlns="" xmlns:ma14="http://schemas.microsoft.com/office/mac/drawingml/2011/main" val="1"/>
+              <ma14:wrappingTextBoxFlag xmlns:ma14="http://schemas.microsoft.com/office/mac/drawingml/2011/main" xmlns="" val="1"/>
             </a:ext>
           </a:extLst>
         </p:spPr>
@@ -17034,7 +17034,7 @@
           </a:ln>
           <a:extLst>
             <a:ext uri="{C572A759-6A51-4108-AA02-DFA0A04FC94B}">
-              <ma14:wrappingTextBoxFlag xmlns:ma14="http://schemas.microsoft.com/office/mac/drawingml/2011/main" xmlns="" val="1"/>
+              <ma14:wrappingTextBoxFlag xmlns="" xmlns:ma14="http://schemas.microsoft.com/office/mac/drawingml/2011/main" val="1"/>
             </a:ext>
           </a:extLst>
         </p:spPr>
@@ -17558,7 +17558,7 @@
           </a:ln>
           <a:extLst>
             <a:ext uri="{C572A759-6A51-4108-AA02-DFA0A04FC94B}">
-              <ma14:wrappingTextBoxFlag xmlns="" xmlns:ma14="http://schemas.microsoft.com/office/mac/drawingml/2011/main" val="1"/>
+              <ma14:wrappingTextBoxFlag xmlns:ma14="http://schemas.microsoft.com/office/mac/drawingml/2011/main" xmlns="" val="1"/>
             </a:ext>
           </a:extLst>
         </p:spPr>
@@ -18305,7 +18305,7 @@
           </a:ln>
           <a:extLst>
             <a:ext uri="{C572A759-6A51-4108-AA02-DFA0A04FC94B}">
-              <ma14:wrappingTextBoxFlag xmlns="" xmlns:ma14="http://schemas.microsoft.com/office/mac/drawingml/2011/main" val="1"/>
+              <ma14:wrappingTextBoxFlag xmlns:ma14="http://schemas.microsoft.com/office/mac/drawingml/2011/main" xmlns="" val="1"/>
             </a:ext>
           </a:extLst>
         </p:spPr>
@@ -18450,7 +18450,7 @@
           </a:ln>
           <a:extLst>
             <a:ext uri="{C572A759-6A51-4108-AA02-DFA0A04FC94B}">
-              <ma14:wrappingTextBoxFlag xmlns="" xmlns:ma14="http://schemas.microsoft.com/office/mac/drawingml/2011/main" val="1"/>
+              <ma14:wrappingTextBoxFlag xmlns:ma14="http://schemas.microsoft.com/office/mac/drawingml/2011/main" xmlns="" val="1"/>
             </a:ext>
           </a:extLst>
         </p:spPr>
@@ -18667,7 +18667,7 @@
           </a:ln>
           <a:extLst>
             <a:ext uri="{C572A759-6A51-4108-AA02-DFA0A04FC94B}">
-              <ma14:wrappingTextBoxFlag xmlns="" xmlns:ma14="http://schemas.microsoft.com/office/mac/drawingml/2011/main" val="1"/>
+              <ma14:wrappingTextBoxFlag xmlns:ma14="http://schemas.microsoft.com/office/mac/drawingml/2011/main" xmlns="" val="1"/>
             </a:ext>
           </a:extLst>
         </p:spPr>
@@ -19396,7 +19396,7 @@
           </a:ln>
           <a:extLst>
             <a:ext uri="{C572A759-6A51-4108-AA02-DFA0A04FC94B}">
-              <ma14:wrappingTextBoxFlag xmlns="" xmlns:ma14="http://schemas.microsoft.com/office/mac/drawingml/2011/main" val="1"/>
+              <ma14:wrappingTextBoxFlag xmlns:ma14="http://schemas.microsoft.com/office/mac/drawingml/2011/main" xmlns="" val="1"/>
             </a:ext>
           </a:extLst>
         </p:spPr>
@@ -19572,7 +19572,7 @@
           </a:ln>
           <a:extLst>
             <a:ext uri="{C572A759-6A51-4108-AA02-DFA0A04FC94B}">
-              <ma14:wrappingTextBoxFlag xmlns="" xmlns:ma14="http://schemas.microsoft.com/office/mac/drawingml/2011/main" val="1"/>
+              <ma14:wrappingTextBoxFlag xmlns:ma14="http://schemas.microsoft.com/office/mac/drawingml/2011/main" xmlns="" val="1"/>
             </a:ext>
           </a:extLst>
         </p:spPr>
@@ -21415,7 +21415,23 @@
             </a:pPr>
             <a:r>
               <a:rPr dirty="0"/>
-              <a:t>I learn: 40% of plane crashes happen during bad weather</a:t>
+              <a:t>I learn: 40% of </a:t>
+            </a:r>
+            <a:r>
+              <a:rPr lang="en-US" dirty="0"/>
+              <a:t>coffee spills on </a:t>
+            </a:r>
+            <a:r>
+              <a:rPr dirty="0"/>
+              <a:t>plane</a:t>
+            </a:r>
+            <a:r>
+              <a:rPr lang="en-US" dirty="0"/>
+              <a:t>s</a:t>
+            </a:r>
+            <a:r>
+              <a:rPr dirty="0"/>
+              <a:t> happen during bad weather</a:t>
             </a:r>
           </a:p>
           <a:p>

--- a/Session5/Session5_Slides.pptx
+++ b/Session5/Session5_Slides.pptx
@@ -13111,7 +13111,7 @@
           </a:ln>
           <a:extLst>
             <a:ext uri="{C572A759-6A51-4108-AA02-DFA0A04FC94B}">
-              <ma14:wrappingTextBoxFlag xmlns:ma14="http://schemas.microsoft.com/office/mac/drawingml/2011/main" xmlns="" val="1"/>
+              <ma14:wrappingTextBoxFlag xmlns="" xmlns:ma14="http://schemas.microsoft.com/office/mac/drawingml/2011/main" val="1"/>
             </a:ext>
           </a:extLst>
         </p:spPr>
@@ -13150,7 +13150,7 @@
           </a:ln>
           <a:extLst>
             <a:ext uri="{C572A759-6A51-4108-AA02-DFA0A04FC94B}">
-              <ma14:wrappingTextBoxFlag xmlns:ma14="http://schemas.microsoft.com/office/mac/drawingml/2011/main" xmlns="" val="1"/>
+              <ma14:wrappingTextBoxFlag xmlns="" xmlns:ma14="http://schemas.microsoft.com/office/mac/drawingml/2011/main" val="1"/>
             </a:ext>
           </a:extLst>
         </p:spPr>
@@ -14210,7 +14210,7 @@
           </a:ln>
           <a:extLst>
             <a:ext uri="{C572A759-6A51-4108-AA02-DFA0A04FC94B}">
-              <ma14:wrappingTextBoxFlag xmlns:ma14="http://schemas.microsoft.com/office/mac/drawingml/2011/main" xmlns="" val="1"/>
+              <ma14:wrappingTextBoxFlag xmlns="" xmlns:ma14="http://schemas.microsoft.com/office/mac/drawingml/2011/main" val="1"/>
             </a:ext>
           </a:extLst>
         </p:spPr>
@@ -14321,7 +14321,7 @@
           </a:ln>
           <a:extLst>
             <a:ext uri="{C572A759-6A51-4108-AA02-DFA0A04FC94B}">
-              <ma14:wrappingTextBoxFlag xmlns:ma14="http://schemas.microsoft.com/office/mac/drawingml/2011/main" xmlns="" val="1"/>
+              <ma14:wrappingTextBoxFlag xmlns="" xmlns:ma14="http://schemas.microsoft.com/office/mac/drawingml/2011/main" val="1"/>
             </a:ext>
           </a:extLst>
         </p:spPr>
@@ -14453,7 +14453,7 @@
           </a:ln>
           <a:extLst>
             <a:ext uri="{C572A759-6A51-4108-AA02-DFA0A04FC94B}">
-              <ma14:wrappingTextBoxFlag xmlns:ma14="http://schemas.microsoft.com/office/mac/drawingml/2011/main" xmlns="" val="1"/>
+              <ma14:wrappingTextBoxFlag xmlns="" xmlns:ma14="http://schemas.microsoft.com/office/mac/drawingml/2011/main" val="1"/>
             </a:ext>
           </a:extLst>
         </p:spPr>
@@ -14610,7 +14610,7 @@
           </a:ln>
           <a:extLst>
             <a:ext uri="{C572A759-6A51-4108-AA02-DFA0A04FC94B}">
-              <ma14:wrappingTextBoxFlag xmlns="" xmlns:ma14="http://schemas.microsoft.com/office/mac/drawingml/2011/main" val="1"/>
+              <ma14:wrappingTextBoxFlag xmlns:ma14="http://schemas.microsoft.com/office/mac/drawingml/2011/main" xmlns="" val="1"/>
             </a:ext>
           </a:extLst>
         </p:spPr>
@@ -15002,7 +15002,7 @@
           </a:ln>
           <a:extLst>
             <a:ext uri="{C572A759-6A51-4108-AA02-DFA0A04FC94B}">
-              <ma14:wrappingTextBoxFlag xmlns:ma14="http://schemas.microsoft.com/office/mac/drawingml/2011/main" xmlns="" val="1"/>
+              <ma14:wrappingTextBoxFlag xmlns="" xmlns:ma14="http://schemas.microsoft.com/office/mac/drawingml/2011/main" val="1"/>
             </a:ext>
           </a:extLst>
         </p:spPr>
@@ -15066,7 +15066,7 @@
           </a:ln>
           <a:extLst>
             <a:ext uri="{C572A759-6A51-4108-AA02-DFA0A04FC94B}">
-              <ma14:wrappingTextBoxFlag xmlns:ma14="http://schemas.microsoft.com/office/mac/drawingml/2011/main" xmlns="" val="1"/>
+              <ma14:wrappingTextBoxFlag xmlns="" xmlns:ma14="http://schemas.microsoft.com/office/mac/drawingml/2011/main" val="1"/>
             </a:ext>
           </a:extLst>
         </p:spPr>
@@ -15133,7 +15133,7 @@
           </a:ln>
           <a:extLst>
             <a:ext uri="{C572A759-6A51-4108-AA02-DFA0A04FC94B}">
-              <ma14:wrappingTextBoxFlag xmlns="" xmlns:ma14="http://schemas.microsoft.com/office/mac/drawingml/2011/main" val="1"/>
+              <ma14:wrappingTextBoxFlag xmlns:ma14="http://schemas.microsoft.com/office/mac/drawingml/2011/main" xmlns="" val="1"/>
             </a:ext>
           </a:extLst>
         </p:spPr>
@@ -15186,7 +15186,7 @@
               </a:ln>
               <a:extLst>
                 <a:ext uri="{C572A759-6A51-4108-AA02-DFA0A04FC94B}">
-                  <ma14:wrappingTextBoxFlag xmlns="" xmlns:ma14="http://schemas.microsoft.com/office/mac/drawingml/2011/main" val="1"/>
+                  <ma14:wrappingTextBoxFlag xmlns:ma14="http://schemas.microsoft.com/office/mac/drawingml/2011/main" xmlns="" val="1"/>
                 </a:ext>
               </a:extLst>
             </p:spPr>
@@ -15815,7 +15815,7 @@
           </a:ln>
           <a:extLst>
             <a:ext uri="{C572A759-6A51-4108-AA02-DFA0A04FC94B}">
-              <ma14:wrappingTextBoxFlag xmlns="" xmlns:ma14="http://schemas.microsoft.com/office/mac/drawingml/2011/main" val="1"/>
+              <ma14:wrappingTextBoxFlag xmlns:ma14="http://schemas.microsoft.com/office/mac/drawingml/2011/main" xmlns="" val="1"/>
             </a:ext>
           </a:extLst>
         </p:spPr>
@@ -15882,7 +15882,7 @@
           </a:ln>
           <a:extLst>
             <a:ext uri="{C572A759-6A51-4108-AA02-DFA0A04FC94B}">
-              <ma14:wrappingTextBoxFlag xmlns="" xmlns:ma14="http://schemas.microsoft.com/office/mac/drawingml/2011/main" val="1"/>
+              <ma14:wrappingTextBoxFlag xmlns:ma14="http://schemas.microsoft.com/office/mac/drawingml/2011/main" xmlns="" val="1"/>
             </a:ext>
           </a:extLst>
         </p:spPr>
@@ -15950,7 +15950,7 @@
           </a:ln>
           <a:extLst>
             <a:ext uri="{C572A759-6A51-4108-AA02-DFA0A04FC94B}">
-              <ma14:wrappingTextBoxFlag xmlns:ma14="http://schemas.microsoft.com/office/mac/drawingml/2011/main" xmlns="" val="1"/>
+              <ma14:wrappingTextBoxFlag xmlns="" xmlns:ma14="http://schemas.microsoft.com/office/mac/drawingml/2011/main" val="1"/>
             </a:ext>
           </a:extLst>
         </p:spPr>
@@ -16003,7 +16003,7 @@
               </a:ln>
               <a:extLst>
                 <a:ext uri="{C572A759-6A51-4108-AA02-DFA0A04FC94B}">
-                  <ma14:wrappingTextBoxFlag xmlns:ma14="http://schemas.microsoft.com/office/mac/drawingml/2011/main" xmlns="" val="1"/>
+                  <ma14:wrappingTextBoxFlag xmlns="" xmlns:ma14="http://schemas.microsoft.com/office/mac/drawingml/2011/main" val="1"/>
                 </a:ext>
               </a:extLst>
             </p:spPr>
@@ -16808,7 +16808,7 @@
           </a:ln>
           <a:extLst>
             <a:ext uri="{C572A759-6A51-4108-AA02-DFA0A04FC94B}">
-              <ma14:wrappingTextBoxFlag xmlns:ma14="http://schemas.microsoft.com/office/mac/drawingml/2011/main" xmlns="" val="1"/>
+              <ma14:wrappingTextBoxFlag xmlns="" xmlns:ma14="http://schemas.microsoft.com/office/mac/drawingml/2011/main" val="1"/>
             </a:ext>
           </a:extLst>
         </p:spPr>
@@ -17034,7 +17034,7 @@
           </a:ln>
           <a:extLst>
             <a:ext uri="{C572A759-6A51-4108-AA02-DFA0A04FC94B}">
-              <ma14:wrappingTextBoxFlag xmlns="" xmlns:ma14="http://schemas.microsoft.com/office/mac/drawingml/2011/main" val="1"/>
+              <ma14:wrappingTextBoxFlag xmlns:ma14="http://schemas.microsoft.com/office/mac/drawingml/2011/main" xmlns="" val="1"/>
             </a:ext>
           </a:extLst>
         </p:spPr>
@@ -17558,7 +17558,7 @@
           </a:ln>
           <a:extLst>
             <a:ext uri="{C572A759-6A51-4108-AA02-DFA0A04FC94B}">
-              <ma14:wrappingTextBoxFlag xmlns:ma14="http://schemas.microsoft.com/office/mac/drawingml/2011/main" xmlns="" val="1"/>
+              <ma14:wrappingTextBoxFlag xmlns="" xmlns:ma14="http://schemas.microsoft.com/office/mac/drawingml/2011/main" val="1"/>
             </a:ext>
           </a:extLst>
         </p:spPr>
@@ -18305,7 +18305,7 @@
           </a:ln>
           <a:extLst>
             <a:ext uri="{C572A759-6A51-4108-AA02-DFA0A04FC94B}">
-              <ma14:wrappingTextBoxFlag xmlns:ma14="http://schemas.microsoft.com/office/mac/drawingml/2011/main" xmlns="" val="1"/>
+              <ma14:wrappingTextBoxFlag xmlns="" xmlns:ma14="http://schemas.microsoft.com/office/mac/drawingml/2011/main" val="1"/>
             </a:ext>
           </a:extLst>
         </p:spPr>
@@ -18450,7 +18450,7 @@
           </a:ln>
           <a:extLst>
             <a:ext uri="{C572A759-6A51-4108-AA02-DFA0A04FC94B}">
-              <ma14:wrappingTextBoxFlag xmlns:ma14="http://schemas.microsoft.com/office/mac/drawingml/2011/main" xmlns="" val="1"/>
+              <ma14:wrappingTextBoxFlag xmlns="" xmlns:ma14="http://schemas.microsoft.com/office/mac/drawingml/2011/main" val="1"/>
             </a:ext>
           </a:extLst>
         </p:spPr>
@@ -18667,7 +18667,7 @@
           </a:ln>
           <a:extLst>
             <a:ext uri="{C572A759-6A51-4108-AA02-DFA0A04FC94B}">
-              <ma14:wrappingTextBoxFlag xmlns:ma14="http://schemas.microsoft.com/office/mac/drawingml/2011/main" xmlns="" val="1"/>
+              <ma14:wrappingTextBoxFlag xmlns="" xmlns:ma14="http://schemas.microsoft.com/office/mac/drawingml/2011/main" val="1"/>
             </a:ext>
           </a:extLst>
         </p:spPr>
@@ -19396,7 +19396,7 @@
           </a:ln>
           <a:extLst>
             <a:ext uri="{C572A759-6A51-4108-AA02-DFA0A04FC94B}">
-              <ma14:wrappingTextBoxFlag xmlns:ma14="http://schemas.microsoft.com/office/mac/drawingml/2011/main" xmlns="" val="1"/>
+              <ma14:wrappingTextBoxFlag xmlns="" xmlns:ma14="http://schemas.microsoft.com/office/mac/drawingml/2011/main" val="1"/>
             </a:ext>
           </a:extLst>
         </p:spPr>
@@ -19572,7 +19572,7 @@
           </a:ln>
           <a:extLst>
             <a:ext uri="{C572A759-6A51-4108-AA02-DFA0A04FC94B}">
-              <ma14:wrappingTextBoxFlag xmlns:ma14="http://schemas.microsoft.com/office/mac/drawingml/2011/main" xmlns="" val="1"/>
+              <ma14:wrappingTextBoxFlag xmlns="" xmlns:ma14="http://schemas.microsoft.com/office/mac/drawingml/2011/main" val="1"/>
             </a:ext>
           </a:extLst>
         </p:spPr>
@@ -21586,7 +21586,15 @@
             </a:r>
             <a:r>
               <a:rPr dirty="0"/>
-              <a:t>) = airplane crash = 0.</a:t>
+              <a:t>) = </a:t>
+            </a:r>
+            <a:r>
+              <a:rPr lang="en-US" dirty="0"/>
+              <a:t>spilled coffee </a:t>
+            </a:r>
+            <a:r>
+              <a:rPr dirty="0"/>
+              <a:t>= 0.</a:t>
             </a:r>
             <a:r>
               <a:rPr lang="en-US" dirty="0"/>
